--- a/ipsa/slides/basics.pptx
+++ b/ipsa/slides/basics.pptx
@@ -135,14 +135,6 @@
 </p:presentation>
 </file>
 
-<file path=ppt/revisionInfo.xml><?xml version="1.0" encoding="utf-8"?>
-<p1510:revInfo xmlns:a="http://schemas.openxmlformats.org/drawingml/2006/main" xmlns:r="http://schemas.openxmlformats.org/officeDocument/2006/relationships" xmlns:p1510="http://schemas.microsoft.com/office/powerpoint/2015/10/main">
-  <p1510:revLst>
-    <p1510:client id="{2CF3E644-D673-41C4-B91E-2DD09D5FA5DD}" v="23" dt="2022-01-29T16:19:58.858"/>
-  </p1510:revLst>
-</p1510:revInfo>
-</file>
-
 <file path=ppt/changesInfos/changesInfo1.xml><?xml version="1.0" encoding="utf-8"?>
 <pc:chgInfo xmlns:a="http://schemas.openxmlformats.org/drawingml/2006/main" xmlns:r="http://schemas.openxmlformats.org/officeDocument/2006/relationships" xmlns:ac="http://schemas.microsoft.com/office/drawing/2013/main/command" xmlns:pc="http://schemas.microsoft.com/office/powerpoint/2013/main/command">
   <pc:docChgLst>
@@ -199,6 +191,22 @@
       </pc:sldChg>
     </pc:docChg>
   </pc:docChgLst>
+  <pc:docChgLst>
+    <pc:chgData name="Gerth Stølting Brodal" userId="04ef4784-6591-4f86-a140-f5c3b108582a" providerId="ADAL" clId="{4A80E814-F313-4486-8FBC-BCA831690269}"/>
+    <pc:docChg chg="modSld">
+      <pc:chgData name="Gerth Stølting Brodal" userId="04ef4784-6591-4f86-a140-f5c3b108582a" providerId="ADAL" clId="{4A80E814-F313-4486-8FBC-BCA831690269}" dt="2023-01-26T18:14:18.365" v="197" actId="20577"/>
+      <pc:docMkLst>
+        <pc:docMk/>
+      </pc:docMkLst>
+      <pc:sldChg chg="modNotesTx">
+        <pc:chgData name="Gerth Stølting Brodal" userId="04ef4784-6591-4f86-a140-f5c3b108582a" providerId="ADAL" clId="{4A80E814-F313-4486-8FBC-BCA831690269}" dt="2023-01-26T18:14:18.365" v="197" actId="20577"/>
+        <pc:sldMkLst>
+          <pc:docMk/>
+          <pc:sldMk cId="48303750" sldId="357"/>
+        </pc:sldMkLst>
+      </pc:sldChg>
+    </pc:docChg>
+  </pc:docChgLst>
 </pc:chgInfo>
 </file>
 
@@ -284,7 +292,7 @@
           <a:p>
             <a:fld id="{FB1A172F-81D4-4DC4-9113-1DBD56EC3646}" type="datetimeFigureOut">
               <a:rPr lang="en-US" smtClean="0"/>
-              <a:t>2/6/2022</a:t>
+              <a:t>1/26/2023</a:t>
             </a:fld>
             <a:endParaRPr lang="en-US"/>
           </a:p>
@@ -679,7 +687,114 @@
           <a:bodyPr/>
           <a:lstStyle/>
           <a:p>
+            <a:r>
+              <a:rPr lang="en-US" dirty="0"/>
+              <a:t>THESE DETAILS SHOULD NOT BE CONSIDERED CURRICULUM !!! (not Part of Python</a:t>
+            </a:r>
+            <a:r>
+              <a:rPr lang="en-US" baseline="0" dirty="0"/>
+              <a:t> language definition anyway!)</a:t>
+            </a:r>
             <a:endParaRPr lang="en-US" dirty="0"/>
+          </a:p>
+          <a:p>
+            <a:endParaRPr lang="en-US" dirty="0"/>
+          </a:p>
+          <a:p>
+            <a:r>
+              <a:rPr lang="en-US" dirty="0"/>
+              <a:t>s determines</a:t>
+            </a:r>
+            <a:r>
+              <a:rPr lang="en-US" baseline="0" dirty="0"/>
+              <a:t> sign for 0 and ∞</a:t>
+            </a:r>
+          </a:p>
+          <a:p>
+            <a:endParaRPr lang="en-US" baseline="0" dirty="0"/>
+          </a:p>
+          <a:p>
+            <a:r>
+              <a:rPr lang="en-US" baseline="0" dirty="0"/>
+              <a:t>note -0.0 == +0.0 == 0.0</a:t>
+            </a:r>
+          </a:p>
+          <a:p>
+            <a:endParaRPr lang="en-US" baseline="0" dirty="0"/>
+          </a:p>
+          <a:p>
+            <a:r>
+              <a:rPr lang="en-US" baseline="0" dirty="0"/>
+              <a:t>import math</a:t>
+            </a:r>
+          </a:p>
+          <a:p>
+            <a:r>
+              <a:rPr lang="en-US" baseline="0" dirty="0" err="1"/>
+              <a:t>math.copysign</a:t>
+            </a:r>
+            <a:r>
+              <a:rPr lang="en-US" baseline="0" dirty="0"/>
+              <a:t>(1, -0.0) == -1 </a:t>
+            </a:r>
+          </a:p>
+          <a:p>
+            <a:endParaRPr lang="en-US" baseline="0" dirty="0"/>
+          </a:p>
+          <a:p>
+            <a:r>
+              <a:rPr lang="en-US" sz="1200" kern="1200" dirty="0" err="1">
+                <a:solidFill>
+                  <a:schemeClr val="tx1"/>
+                </a:solidFill>
+                <a:effectLst/>
+                <a:latin typeface="+mn-lt"/>
+                <a:ea typeface="+mn-ea"/>
+                <a:cs typeface="+mn-cs"/>
+              </a:rPr>
+              <a:t>sys.float_info.min</a:t>
+            </a:r>
+            <a:r>
+              <a:rPr lang="en-US" sz="1200" kern="1200" dirty="0">
+                <a:solidFill>
+                  <a:schemeClr val="tx1"/>
+                </a:solidFill>
+                <a:effectLst/>
+                <a:latin typeface="+mn-lt"/>
+                <a:ea typeface="+mn-ea"/>
+                <a:cs typeface="+mn-cs"/>
+              </a:rPr>
+              <a:t> = </a:t>
+            </a:r>
+            <a:r>
+              <a:rPr lang="en-US" baseline="0" dirty="0"/>
+              <a:t>1/2**1022 = 2.2250738585072014</a:t>
+            </a:r>
+            <a:r>
+              <a:rPr lang="en-US" b="1" baseline="0" dirty="0"/>
+              <a:t>e-308</a:t>
+            </a:r>
+            <a:r>
+              <a:rPr lang="en-US" baseline="0" dirty="0"/>
+              <a:t> is the smallest value with 52 bit precision</a:t>
+            </a:r>
+          </a:p>
+          <a:p>
+            <a:endParaRPr lang="en-US" baseline="0" dirty="0"/>
+          </a:p>
+          <a:p>
+            <a:r>
+              <a:rPr lang="en-US" baseline="0" dirty="0"/>
+              <a:t>But the smallest value is 1 / 2**1074 = 4.9406564584</a:t>
+            </a:r>
+            <a:r>
+              <a:rPr lang="en-US" b="1" baseline="0" dirty="0"/>
+              <a:t>e-324</a:t>
+            </a:r>
+            <a:r>
+              <a:rPr lang="en-US" baseline="0" dirty="0"/>
+              <a:t> (but only one bit precision)</a:t>
+            </a:r>
           </a:p>
         </p:txBody>
       </p:sp>
@@ -700,7 +815,7 @@
           <a:p>
             <a:fld id="{CD563DD8-32AB-41BE-B1C6-8EAC45222ACE}" type="slidenum">
               <a:rPr lang="en-US" smtClean="0"/>
-              <a:t>12</a:t>
+              <a:t>11</a:t>
             </a:fld>
             <a:endParaRPr lang="en-US"/>
           </a:p>
@@ -709,7 +824,7 @@
     </p:spTree>
     <p:extLst>
       <p:ext uri="{BB962C8B-B14F-4D97-AF65-F5344CB8AC3E}">
-        <p14:creationId xmlns:p14="http://schemas.microsoft.com/office/powerpoint/2010/main" val="623498833"/>
+        <p14:creationId xmlns:p14="http://schemas.microsoft.com/office/powerpoint/2010/main" val="831186600"/>
       </p:ext>
     </p:extLst>
   </p:cSld>
@@ -763,45 +878,6 @@
           <a:bodyPr/>
           <a:lstStyle/>
           <a:p>
-            <a:r>
-              <a:rPr lang="en-US" dirty="0"/>
-              <a:t>print(42)</a:t>
-            </a:r>
-          </a:p>
-          <a:p>
-            <a:r>
-              <a:rPr lang="en-US" dirty="0"/>
-              <a:t>print = 42</a:t>
-            </a:r>
-          </a:p>
-          <a:p>
-            <a:r>
-              <a:rPr lang="en-US" dirty="0"/>
-              <a:t>print(42) – fails</a:t>
-            </a:r>
-          </a:p>
-          <a:p>
-            <a:r>
-              <a:rPr lang="en-US" dirty="0"/>
-              <a:t>import </a:t>
-            </a:r>
-            <a:r>
-              <a:rPr lang="en-US" dirty="0" err="1"/>
-              <a:t>builtins</a:t>
-            </a:r>
-            <a:endParaRPr lang="en-US" dirty="0"/>
-          </a:p>
-          <a:p>
-            <a:r>
-              <a:rPr lang="en-US" dirty="0" err="1"/>
-              <a:t>builtins.print</a:t>
-            </a:r>
-            <a:r>
-              <a:rPr lang="en-US" dirty="0"/>
-              <a:t>(42)</a:t>
-            </a:r>
-          </a:p>
-          <a:p>
             <a:endParaRPr lang="en-US" dirty="0"/>
           </a:p>
         </p:txBody>
@@ -823,6 +899,129 @@
           <a:p>
             <a:fld id="{CD563DD8-32AB-41BE-B1C6-8EAC45222ACE}" type="slidenum">
               <a:rPr lang="en-US" smtClean="0"/>
+              <a:t>12</a:t>
+            </a:fld>
+            <a:endParaRPr lang="en-US"/>
+          </a:p>
+        </p:txBody>
+      </p:sp>
+    </p:spTree>
+    <p:extLst>
+      <p:ext uri="{BB962C8B-B14F-4D97-AF65-F5344CB8AC3E}">
+        <p14:creationId xmlns:p14="http://schemas.microsoft.com/office/powerpoint/2010/main" val="623498833"/>
+      </p:ext>
+    </p:extLst>
+  </p:cSld>
+  <p:clrMapOvr>
+    <a:masterClrMapping/>
+  </p:clrMapOvr>
+</p:notes>
+</file>
+
+<file path=ppt/notesSlides/notesSlide12.xml><?xml version="1.0" encoding="utf-8"?>
+<p:notes xmlns:a="http://schemas.openxmlformats.org/drawingml/2006/main" xmlns:r="http://schemas.openxmlformats.org/officeDocument/2006/relationships" xmlns:p="http://schemas.openxmlformats.org/presentationml/2006/main">
+  <p:cSld>
+    <p:spTree>
+      <p:nvGrpSpPr>
+        <p:cNvPr id="1" name=""/>
+        <p:cNvGrpSpPr/>
+        <p:nvPr/>
+      </p:nvGrpSpPr>
+      <p:grpSpPr>
+        <a:xfrm>
+          <a:off x="0" y="0"/>
+          <a:ext cx="0" cy="0"/>
+          <a:chOff x="0" y="0"/>
+          <a:chExt cx="0" cy="0"/>
+        </a:xfrm>
+      </p:grpSpPr>
+      <p:sp>
+        <p:nvSpPr>
+          <p:cNvPr id="2" name="Slide Image Placeholder 1"/>
+          <p:cNvSpPr>
+            <a:spLocks noGrp="1" noRot="1" noChangeAspect="1"/>
+          </p:cNvSpPr>
+          <p:nvPr>
+            <p:ph type="sldImg"/>
+          </p:nvPr>
+        </p:nvSpPr>
+        <p:spPr/>
+      </p:sp>
+      <p:sp>
+        <p:nvSpPr>
+          <p:cNvPr id="3" name="Notes Placeholder 2"/>
+          <p:cNvSpPr>
+            <a:spLocks noGrp="1"/>
+          </p:cNvSpPr>
+          <p:nvPr>
+            <p:ph type="body" idx="1"/>
+          </p:nvPr>
+        </p:nvSpPr>
+        <p:spPr/>
+        <p:txBody>
+          <a:bodyPr/>
+          <a:lstStyle/>
+          <a:p>
+            <a:r>
+              <a:rPr lang="en-US" dirty="0"/>
+              <a:t>print(42)</a:t>
+            </a:r>
+          </a:p>
+          <a:p>
+            <a:r>
+              <a:rPr lang="en-US" dirty="0"/>
+              <a:t>print = 42</a:t>
+            </a:r>
+          </a:p>
+          <a:p>
+            <a:r>
+              <a:rPr lang="en-US" dirty="0"/>
+              <a:t>print(42) – fails</a:t>
+            </a:r>
+          </a:p>
+          <a:p>
+            <a:r>
+              <a:rPr lang="en-US" dirty="0"/>
+              <a:t>import </a:t>
+            </a:r>
+            <a:r>
+              <a:rPr lang="en-US" dirty="0" err="1"/>
+              <a:t>builtins</a:t>
+            </a:r>
+            <a:endParaRPr lang="en-US" dirty="0"/>
+          </a:p>
+          <a:p>
+            <a:r>
+              <a:rPr lang="en-US" dirty="0" err="1"/>
+              <a:t>builtins.print</a:t>
+            </a:r>
+            <a:r>
+              <a:rPr lang="en-US" dirty="0"/>
+              <a:t>(42)</a:t>
+            </a:r>
+          </a:p>
+          <a:p>
+            <a:endParaRPr lang="en-US" dirty="0"/>
+          </a:p>
+        </p:txBody>
+      </p:sp>
+      <p:sp>
+        <p:nvSpPr>
+          <p:cNvPr id="4" name="Slide Number Placeholder 3"/>
+          <p:cNvSpPr>
+            <a:spLocks noGrp="1"/>
+          </p:cNvSpPr>
+          <p:nvPr>
+            <p:ph type="sldNum" sz="quarter" idx="10"/>
+          </p:nvPr>
+        </p:nvSpPr>
+        <p:spPr/>
+        <p:txBody>
+          <a:bodyPr/>
+          <a:lstStyle/>
+          <a:p>
+            <a:fld id="{CD563DD8-32AB-41BE-B1C6-8EAC45222ACE}" type="slidenum">
+              <a:rPr lang="en-US" smtClean="0"/>
               <a:t>13</a:t>
             </a:fld>
             <a:endParaRPr lang="en-US"/>
@@ -842,7 +1041,7 @@
 </p:notes>
 </file>
 
-<file path=ppt/notesSlides/notesSlide12.xml><?xml version="1.0" encoding="utf-8"?>
+<file path=ppt/notesSlides/notesSlide13.xml><?xml version="1.0" encoding="utf-8"?>
 <p:notes xmlns:a="http://schemas.openxmlformats.org/drawingml/2006/main" xmlns:r="http://schemas.openxmlformats.org/officeDocument/2006/relationships" xmlns:p="http://schemas.openxmlformats.org/presentationml/2006/main">
   <p:cSld>
     <p:spTree>
@@ -1537,6 +1736,24 @@
           <a:bodyPr/>
           <a:lstStyle/>
           <a:p>
+            <a:r>
+              <a:rPr lang="en-US" dirty="0"/>
+              <a:t>Since Python 3.11, can only print integers with at most 4300 digits (default value).</a:t>
+            </a:r>
+          </a:p>
+          <a:p>
+            <a:r>
+              <a:rPr lang="en-US" dirty="0" err="1"/>
+              <a:t>sys.set_int_max_str_digits</a:t>
+            </a:r>
+            <a:r>
+              <a:rPr lang="en-US" dirty="0"/>
+              <a:t>(0) allows an arbitrary number of digits to </a:t>
+            </a:r>
+            <a:r>
+              <a:rPr lang="en-US"/>
+              <a:t>be printed</a:t>
+            </a:r>
             <a:endParaRPr lang="en-US" dirty="0"/>
           </a:p>
         </p:txBody>
@@ -1548,7 +1765,7 @@
             <a:spLocks noGrp="1"/>
           </p:cNvSpPr>
           <p:nvPr>
-            <p:ph type="sldNum" sz="quarter" idx="10"/>
+            <p:ph type="sldNum" sz="quarter" idx="5"/>
           </p:nvPr>
         </p:nvSpPr>
         <p:spPr/>
@@ -1558,7 +1775,7 @@
           <a:p>
             <a:fld id="{CD563DD8-32AB-41BE-B1C6-8EAC45222ACE}" type="slidenum">
               <a:rPr lang="en-US" smtClean="0"/>
-              <a:t>7</a:t>
+              <a:t>6</a:t>
             </a:fld>
             <a:endParaRPr lang="en-US"/>
           </a:p>
@@ -1567,7 +1784,7 @@
     </p:spTree>
     <p:extLst>
       <p:ext uri="{BB962C8B-B14F-4D97-AF65-F5344CB8AC3E}">
-        <p14:creationId xmlns:p14="http://schemas.microsoft.com/office/powerpoint/2010/main" val="4225349797"/>
+        <p14:creationId xmlns:p14="http://schemas.microsoft.com/office/powerpoint/2010/main" val="4262699278"/>
       </p:ext>
     </p:extLst>
   </p:cSld>
@@ -1621,110 +1838,7 @@
           <a:bodyPr/>
           <a:lstStyle/>
           <a:p>
-            <a:r>
-              <a:rPr lang="en-US" dirty="0"/>
-              <a:t>first usage of a comparison, and</a:t>
-            </a:r>
-            <a:r>
-              <a:rPr lang="en-US" baseline="0" dirty="0"/>
-              <a:t> result is a Boolean</a:t>
-            </a:r>
-          </a:p>
-          <a:p>
-            <a:endParaRPr lang="en-US" baseline="0" dirty="0"/>
-          </a:p>
-          <a:p>
-            <a:r>
-              <a:rPr lang="en-US" baseline="0" dirty="0"/>
-              <a:t>import sys</a:t>
-            </a:r>
-          </a:p>
-          <a:p>
-            <a:pPr marL="0" marR="0" lvl="0" indent="0" algn="l" defTabSz="914400" rtl="0" eaLnBrk="1" fontAlgn="auto" latinLnBrk="0" hangingPunct="1">
-              <a:lnSpc>
-                <a:spcPct val="100000"/>
-              </a:lnSpc>
-              <a:spcBef>
-                <a:spcPts val="0"/>
-              </a:spcBef>
-              <a:spcAft>
-                <a:spcPts val="0"/>
-              </a:spcAft>
-              <a:buClrTx/>
-              <a:buSzTx/>
-              <a:buFontTx/>
-              <a:buNone/>
-              <a:tabLst/>
-              <a:defRPr/>
-            </a:pPr>
-            <a:r>
-              <a:rPr lang="en-US" baseline="0" dirty="0" err="1"/>
-              <a:t>sys.float_info</a:t>
-            </a:r>
-            <a:endParaRPr lang="en-US" baseline="0" dirty="0"/>
-          </a:p>
-          <a:p>
-            <a:pPr marL="0" marR="0" lvl="0" indent="0" algn="l" defTabSz="914400" rtl="0" eaLnBrk="1" fontAlgn="auto" latinLnBrk="0" hangingPunct="1">
-              <a:lnSpc>
-                <a:spcPct val="100000"/>
-              </a:lnSpc>
-              <a:spcBef>
-                <a:spcPts val="0"/>
-              </a:spcBef>
-              <a:spcAft>
-                <a:spcPts val="0"/>
-              </a:spcAft>
-              <a:buClrTx/>
-              <a:buSzTx/>
-              <a:buFontTx/>
-              <a:buNone/>
-              <a:tabLst/>
-              <a:defRPr/>
-            </a:pPr>
-            <a:endParaRPr lang="en-US" baseline="0" dirty="0"/>
-          </a:p>
-          <a:p>
-            <a:pPr marL="0" marR="0" lvl="0" indent="0" algn="l" defTabSz="914400" rtl="0" eaLnBrk="1" fontAlgn="auto" latinLnBrk="0" hangingPunct="1">
-              <a:lnSpc>
-                <a:spcPct val="100000"/>
-              </a:lnSpc>
-              <a:spcBef>
-                <a:spcPts val="0"/>
-              </a:spcBef>
-              <a:spcAft>
-                <a:spcPts val="0"/>
-              </a:spcAft>
-              <a:buClrTx/>
-              <a:buSzTx/>
-              <a:buFontTx/>
-              <a:buNone/>
-              <a:tabLst/>
-              <a:defRPr/>
-            </a:pPr>
-            <a:r>
-              <a:rPr lang="en-US" baseline="0" dirty="0"/>
-              <a:t>forward reference to string formatting in “operations.pptx” / next lecture</a:t>
-            </a:r>
             <a:endParaRPr lang="en-US" dirty="0"/>
-          </a:p>
-          <a:p>
-            <a:endParaRPr lang="en-US" dirty="0"/>
-          </a:p>
-          <a:p>
-            <a:r>
-              <a:rPr lang="en-US" dirty="0"/>
-              <a:t>import fractions</a:t>
-            </a:r>
-          </a:p>
-          <a:p>
-            <a:r>
-              <a:rPr lang="en-US" dirty="0" err="1"/>
-              <a:t>fractions.Fraction</a:t>
-            </a:r>
-            <a:r>
-              <a:rPr lang="en-US" dirty="0"/>
-              <a:t>(10, 5)</a:t>
-            </a:r>
           </a:p>
         </p:txBody>
       </p:sp>
@@ -1745,7 +1859,7 @@
           <a:p>
             <a:fld id="{CD563DD8-32AB-41BE-B1C6-8EAC45222ACE}" type="slidenum">
               <a:rPr lang="en-US" smtClean="0"/>
-              <a:t>8</a:t>
+              <a:t>7</a:t>
             </a:fld>
             <a:endParaRPr lang="en-US"/>
           </a:p>
@@ -1754,7 +1868,7 @@
     </p:spTree>
     <p:extLst>
       <p:ext uri="{BB962C8B-B14F-4D97-AF65-F5344CB8AC3E}">
-        <p14:creationId xmlns:p14="http://schemas.microsoft.com/office/powerpoint/2010/main" val="1390422145"/>
+        <p14:creationId xmlns:p14="http://schemas.microsoft.com/office/powerpoint/2010/main" val="4225349797"/>
       </p:ext>
     </p:extLst>
   </p:cSld>
@@ -1808,7 +1922,110 @@
           <a:bodyPr/>
           <a:lstStyle/>
           <a:p>
+            <a:r>
+              <a:rPr lang="en-US" dirty="0"/>
+              <a:t>first usage of a comparison, and</a:t>
+            </a:r>
+            <a:r>
+              <a:rPr lang="en-US" baseline="0" dirty="0"/>
+              <a:t> result is a Boolean</a:t>
+            </a:r>
+          </a:p>
+          <a:p>
+            <a:endParaRPr lang="en-US" baseline="0" dirty="0"/>
+          </a:p>
+          <a:p>
+            <a:r>
+              <a:rPr lang="en-US" baseline="0" dirty="0"/>
+              <a:t>import sys</a:t>
+            </a:r>
+          </a:p>
+          <a:p>
+            <a:pPr marL="0" marR="0" lvl="0" indent="0" algn="l" defTabSz="914400" rtl="0" eaLnBrk="1" fontAlgn="auto" latinLnBrk="0" hangingPunct="1">
+              <a:lnSpc>
+                <a:spcPct val="100000"/>
+              </a:lnSpc>
+              <a:spcBef>
+                <a:spcPts val="0"/>
+              </a:spcBef>
+              <a:spcAft>
+                <a:spcPts val="0"/>
+              </a:spcAft>
+              <a:buClrTx/>
+              <a:buSzTx/>
+              <a:buFontTx/>
+              <a:buNone/>
+              <a:tabLst/>
+              <a:defRPr/>
+            </a:pPr>
+            <a:r>
+              <a:rPr lang="en-US" baseline="0" dirty="0" err="1"/>
+              <a:t>sys.float_info</a:t>
+            </a:r>
+            <a:endParaRPr lang="en-US" baseline="0" dirty="0"/>
+          </a:p>
+          <a:p>
+            <a:pPr marL="0" marR="0" lvl="0" indent="0" algn="l" defTabSz="914400" rtl="0" eaLnBrk="1" fontAlgn="auto" latinLnBrk="0" hangingPunct="1">
+              <a:lnSpc>
+                <a:spcPct val="100000"/>
+              </a:lnSpc>
+              <a:spcBef>
+                <a:spcPts val="0"/>
+              </a:spcBef>
+              <a:spcAft>
+                <a:spcPts val="0"/>
+              </a:spcAft>
+              <a:buClrTx/>
+              <a:buSzTx/>
+              <a:buFontTx/>
+              <a:buNone/>
+              <a:tabLst/>
+              <a:defRPr/>
+            </a:pPr>
+            <a:endParaRPr lang="en-US" baseline="0" dirty="0"/>
+          </a:p>
+          <a:p>
+            <a:pPr marL="0" marR="0" lvl="0" indent="0" algn="l" defTabSz="914400" rtl="0" eaLnBrk="1" fontAlgn="auto" latinLnBrk="0" hangingPunct="1">
+              <a:lnSpc>
+                <a:spcPct val="100000"/>
+              </a:lnSpc>
+              <a:spcBef>
+                <a:spcPts val="0"/>
+              </a:spcBef>
+              <a:spcAft>
+                <a:spcPts val="0"/>
+              </a:spcAft>
+              <a:buClrTx/>
+              <a:buSzTx/>
+              <a:buFontTx/>
+              <a:buNone/>
+              <a:tabLst/>
+              <a:defRPr/>
+            </a:pPr>
+            <a:r>
+              <a:rPr lang="en-US" baseline="0" dirty="0"/>
+              <a:t>forward reference to string formatting in “operations.pptx” / next lecture</a:t>
+            </a:r>
             <a:endParaRPr lang="en-US" dirty="0"/>
+          </a:p>
+          <a:p>
+            <a:endParaRPr lang="en-US" dirty="0"/>
+          </a:p>
+          <a:p>
+            <a:r>
+              <a:rPr lang="en-US" dirty="0"/>
+              <a:t>import fractions</a:t>
+            </a:r>
+          </a:p>
+          <a:p>
+            <a:r>
+              <a:rPr lang="en-US" dirty="0" err="1"/>
+              <a:t>fractions.Fraction</a:t>
+            </a:r>
+            <a:r>
+              <a:rPr lang="en-US" dirty="0"/>
+              <a:t>(10, 5)</a:t>
+            </a:r>
           </a:p>
         </p:txBody>
       </p:sp>
@@ -1829,7 +2046,7 @@
           <a:p>
             <a:fld id="{CD563DD8-32AB-41BE-B1C6-8EAC45222ACE}" type="slidenum">
               <a:rPr lang="en-US" smtClean="0"/>
-              <a:t>9</a:t>
+              <a:t>8</a:t>
             </a:fld>
             <a:endParaRPr lang="en-US"/>
           </a:p>
@@ -1838,7 +2055,7 @@
     </p:spTree>
     <p:extLst>
       <p:ext uri="{BB962C8B-B14F-4D97-AF65-F5344CB8AC3E}">
-        <p14:creationId xmlns:p14="http://schemas.microsoft.com/office/powerpoint/2010/main" val="186808976"/>
+        <p14:creationId xmlns:p14="http://schemas.microsoft.com/office/powerpoint/2010/main" val="1390422145"/>
       </p:ext>
     </p:extLst>
   </p:cSld>
@@ -1892,114 +2109,7 @@
           <a:bodyPr/>
           <a:lstStyle/>
           <a:p>
-            <a:r>
-              <a:rPr lang="en-US" dirty="0"/>
-              <a:t>THESE DETAILS SHOULD NOT BE CONSIDERED CURRICULUM !!! (not Part of Python</a:t>
-            </a:r>
-            <a:r>
-              <a:rPr lang="en-US" baseline="0" dirty="0"/>
-              <a:t> language definition anyway!)</a:t>
-            </a:r>
             <a:endParaRPr lang="en-US" dirty="0"/>
-          </a:p>
-          <a:p>
-            <a:endParaRPr lang="en-US" dirty="0"/>
-          </a:p>
-          <a:p>
-            <a:r>
-              <a:rPr lang="en-US" dirty="0"/>
-              <a:t>s determines</a:t>
-            </a:r>
-            <a:r>
-              <a:rPr lang="en-US" baseline="0" dirty="0"/>
-              <a:t> sign for 0 and ∞</a:t>
-            </a:r>
-          </a:p>
-          <a:p>
-            <a:endParaRPr lang="en-US" baseline="0" dirty="0"/>
-          </a:p>
-          <a:p>
-            <a:r>
-              <a:rPr lang="en-US" baseline="0" dirty="0"/>
-              <a:t>note -0.0 == +0.0 == 0.0</a:t>
-            </a:r>
-          </a:p>
-          <a:p>
-            <a:endParaRPr lang="en-US" baseline="0" dirty="0"/>
-          </a:p>
-          <a:p>
-            <a:r>
-              <a:rPr lang="en-US" baseline="0" dirty="0"/>
-              <a:t>import math</a:t>
-            </a:r>
-          </a:p>
-          <a:p>
-            <a:r>
-              <a:rPr lang="en-US" baseline="0" dirty="0" err="1"/>
-              <a:t>math.copysign</a:t>
-            </a:r>
-            <a:r>
-              <a:rPr lang="en-US" baseline="0" dirty="0"/>
-              <a:t>(1, -0.0) == -1 </a:t>
-            </a:r>
-          </a:p>
-          <a:p>
-            <a:endParaRPr lang="en-US" baseline="0" dirty="0"/>
-          </a:p>
-          <a:p>
-            <a:r>
-              <a:rPr lang="en-US" sz="1200" kern="1200" dirty="0" err="1">
-                <a:solidFill>
-                  <a:schemeClr val="tx1"/>
-                </a:solidFill>
-                <a:effectLst/>
-                <a:latin typeface="+mn-lt"/>
-                <a:ea typeface="+mn-ea"/>
-                <a:cs typeface="+mn-cs"/>
-              </a:rPr>
-              <a:t>sys.float_info.min</a:t>
-            </a:r>
-            <a:r>
-              <a:rPr lang="en-US" sz="1200" kern="1200" dirty="0">
-                <a:solidFill>
-                  <a:schemeClr val="tx1"/>
-                </a:solidFill>
-                <a:effectLst/>
-                <a:latin typeface="+mn-lt"/>
-                <a:ea typeface="+mn-ea"/>
-                <a:cs typeface="+mn-cs"/>
-              </a:rPr>
-              <a:t> = </a:t>
-            </a:r>
-            <a:r>
-              <a:rPr lang="en-US" baseline="0" dirty="0"/>
-              <a:t>1/2**1022 = 2.2250738585072014</a:t>
-            </a:r>
-            <a:r>
-              <a:rPr lang="en-US" b="1" baseline="0" dirty="0"/>
-              <a:t>e-308</a:t>
-            </a:r>
-            <a:r>
-              <a:rPr lang="en-US" baseline="0" dirty="0"/>
-              <a:t> is the smallest value with 52 bit precision</a:t>
-            </a:r>
-          </a:p>
-          <a:p>
-            <a:endParaRPr lang="en-US" baseline="0" dirty="0"/>
-          </a:p>
-          <a:p>
-            <a:r>
-              <a:rPr lang="en-US" baseline="0" dirty="0"/>
-              <a:t>But the smallest value is 1 / 2**1074 = 4.9406564584</a:t>
-            </a:r>
-            <a:r>
-              <a:rPr lang="en-US" b="1" baseline="0" dirty="0"/>
-              <a:t>e-324</a:t>
-            </a:r>
-            <a:r>
-              <a:rPr lang="en-US" baseline="0" dirty="0"/>
-              <a:t> (but only one bit precision)</a:t>
-            </a:r>
           </a:p>
         </p:txBody>
       </p:sp>
@@ -2020,7 +2130,7 @@
           <a:p>
             <a:fld id="{CD563DD8-32AB-41BE-B1C6-8EAC45222ACE}" type="slidenum">
               <a:rPr lang="en-US" smtClean="0"/>
-              <a:t>11</a:t>
+              <a:t>9</a:t>
             </a:fld>
             <a:endParaRPr lang="en-US"/>
           </a:p>
@@ -2029,7 +2139,7 @@
     </p:spTree>
     <p:extLst>
       <p:ext uri="{BB962C8B-B14F-4D97-AF65-F5344CB8AC3E}">
-        <p14:creationId xmlns:p14="http://schemas.microsoft.com/office/powerpoint/2010/main" val="831186600"/>
+        <p14:creationId xmlns:p14="http://schemas.microsoft.com/office/powerpoint/2010/main" val="186808976"/>
       </p:ext>
     </p:extLst>
   </p:cSld>
@@ -2176,7 +2286,7 @@
           <a:p>
             <a:fld id="{0560A9CD-0304-4E0B-9E82-E7E0115DE05B}" type="datetimeFigureOut">
               <a:rPr lang="en-US" smtClean="0"/>
-              <a:t>2/6/2022</a:t>
+              <a:t>1/26/2023</a:t>
             </a:fld>
             <a:endParaRPr lang="en-US"/>
           </a:p>
@@ -2344,7 +2454,7 @@
           <a:p>
             <a:fld id="{0560A9CD-0304-4E0B-9E82-E7E0115DE05B}" type="datetimeFigureOut">
               <a:rPr lang="en-US" smtClean="0"/>
-              <a:t>2/6/2022</a:t>
+              <a:t>1/26/2023</a:t>
             </a:fld>
             <a:endParaRPr lang="en-US"/>
           </a:p>
@@ -2522,7 +2632,7 @@
           <a:p>
             <a:fld id="{0560A9CD-0304-4E0B-9E82-E7E0115DE05B}" type="datetimeFigureOut">
               <a:rPr lang="en-US" smtClean="0"/>
-              <a:t>2/6/2022</a:t>
+              <a:t>1/26/2023</a:t>
             </a:fld>
             <a:endParaRPr lang="en-US"/>
           </a:p>
@@ -2699,7 +2809,7 @@
           <a:p>
             <a:fld id="{0560A9CD-0304-4E0B-9E82-E7E0115DE05B}" type="datetimeFigureOut">
               <a:rPr lang="en-US" smtClean="0"/>
-              <a:t>2/6/2022</a:t>
+              <a:t>1/26/2023</a:t>
             </a:fld>
             <a:endParaRPr lang="en-US"/>
           </a:p>
@@ -2944,7 +3054,7 @@
           <a:p>
             <a:fld id="{0560A9CD-0304-4E0B-9E82-E7E0115DE05B}" type="datetimeFigureOut">
               <a:rPr lang="en-US" smtClean="0"/>
-              <a:t>2/6/2022</a:t>
+              <a:t>1/26/2023</a:t>
             </a:fld>
             <a:endParaRPr lang="en-US"/>
           </a:p>
@@ -3173,7 +3283,7 @@
           <a:p>
             <a:fld id="{0560A9CD-0304-4E0B-9E82-E7E0115DE05B}" type="datetimeFigureOut">
               <a:rPr lang="en-US" smtClean="0"/>
-              <a:t>2/6/2022</a:t>
+              <a:t>1/26/2023</a:t>
             </a:fld>
             <a:endParaRPr lang="en-US"/>
           </a:p>
@@ -3537,7 +3647,7 @@
           <a:p>
             <a:fld id="{0560A9CD-0304-4E0B-9E82-E7E0115DE05B}" type="datetimeFigureOut">
               <a:rPr lang="en-US" smtClean="0"/>
-              <a:t>2/6/2022</a:t>
+              <a:t>1/26/2023</a:t>
             </a:fld>
             <a:endParaRPr lang="en-US"/>
           </a:p>
@@ -3654,7 +3764,7 @@
           <a:p>
             <a:fld id="{0560A9CD-0304-4E0B-9E82-E7E0115DE05B}" type="datetimeFigureOut">
               <a:rPr lang="en-US" smtClean="0"/>
-              <a:t>2/6/2022</a:t>
+              <a:t>1/26/2023</a:t>
             </a:fld>
             <a:endParaRPr lang="en-US"/>
           </a:p>
@@ -3749,7 +3859,7 @@
           <a:p>
             <a:fld id="{0560A9CD-0304-4E0B-9E82-E7E0115DE05B}" type="datetimeFigureOut">
               <a:rPr lang="en-US" smtClean="0"/>
-              <a:t>2/6/2022</a:t>
+              <a:t>1/26/2023</a:t>
             </a:fld>
             <a:endParaRPr lang="en-US"/>
           </a:p>
@@ -4024,7 +4134,7 @@
           <a:p>
             <a:fld id="{0560A9CD-0304-4E0B-9E82-E7E0115DE05B}" type="datetimeFigureOut">
               <a:rPr lang="en-US" smtClean="0"/>
-              <a:t>2/6/2022</a:t>
+              <a:t>1/26/2023</a:t>
             </a:fld>
             <a:endParaRPr lang="en-US"/>
           </a:p>
@@ -4276,7 +4386,7 @@
           <a:p>
             <a:fld id="{0560A9CD-0304-4E0B-9E82-E7E0115DE05B}" type="datetimeFigureOut">
               <a:rPr lang="en-US" smtClean="0"/>
-              <a:t>2/6/2022</a:t>
+              <a:t>1/26/2023</a:t>
             </a:fld>
             <a:endParaRPr lang="en-US"/>
           </a:p>
@@ -4487,7 +4597,7 @@
           <a:p>
             <a:fld id="{0560A9CD-0304-4E0B-9E82-E7E0115DE05B}" type="datetimeFigureOut">
               <a:rPr lang="en-US" smtClean="0"/>
-              <a:t>2/6/2022</a:t>
+              <a:t>1/26/2023</a:t>
             </a:fld>
             <a:endParaRPr lang="en-US"/>
           </a:p>
@@ -18866,25 +18976,25 @@
             </a:r>
             <a:r>
               <a:rPr lang="da-DK" sz="2400" dirty="0">
-                <a:hlinkClick r:id="rId2"/>
+                <a:hlinkClick r:id="rId3"/>
               </a:rPr>
               <a:t>PEP 515 - Underscores in </a:t>
             </a:r>
             <a:r>
               <a:rPr lang="da-DK" sz="2400" dirty="0" err="1">
-                <a:hlinkClick r:id="rId2"/>
+                <a:hlinkClick r:id="rId3"/>
               </a:rPr>
               <a:t>Numeric</a:t>
             </a:r>
             <a:r>
               <a:rPr lang="da-DK" sz="2400" dirty="0">
-                <a:hlinkClick r:id="rId2"/>
+                <a:hlinkClick r:id="rId3"/>
               </a:rPr>
               <a:t> </a:t>
             </a:r>
             <a:r>
               <a:rPr lang="da-DK" sz="2400" dirty="0" err="1">
-                <a:hlinkClick r:id="rId2"/>
+                <a:hlinkClick r:id="rId3"/>
               </a:rPr>
               <a:t>Literals</a:t>
             </a:r>

--- a/ipsa/slides/basics.pptx
+++ b/ipsa/slides/basics.pptx
@@ -135,6 +135,14 @@
 </p:presentation>
 </file>
 
+<file path=ppt/revisionInfo.xml><?xml version="1.0" encoding="utf-8"?>
+<p1510:revInfo xmlns:a="http://schemas.openxmlformats.org/drawingml/2006/main" xmlns:r="http://schemas.openxmlformats.org/officeDocument/2006/relationships" xmlns:p1510="http://schemas.microsoft.com/office/powerpoint/2015/10/main">
+  <p1510:revLst>
+    <p1510:client id="{32101DF0-6FF6-4597-A180-68523FCC3A71}" v="30" dt="2024-01-30T12:09:10.474"/>
+  </p1510:revLst>
+</p1510:revInfo>
+</file>
+
 <file path=ppt/changesInfos/changesInfo1.xml><?xml version="1.0" encoding="utf-8"?>
 <pc:chgInfo xmlns:a="http://schemas.openxmlformats.org/drawingml/2006/main" xmlns:r="http://schemas.openxmlformats.org/officeDocument/2006/relationships" xmlns:ac="http://schemas.microsoft.com/office/drawing/2013/main/command" xmlns:pc="http://schemas.microsoft.com/office/powerpoint/2013/main/command">
   <pc:docChgLst>
@@ -188,6 +196,97 @@
             <ac:spMk id="3" creationId="{00000000-0000-0000-0000-000000000000}"/>
           </ac:spMkLst>
         </pc:spChg>
+      </pc:sldChg>
+    </pc:docChg>
+  </pc:docChgLst>
+  <pc:docChgLst>
+    <pc:chgData name="Gerth Stølting Brodal" userId="04ef4784-6591-4f86-a140-f5c3b108582a" providerId="ADAL" clId="{32101DF0-6FF6-4597-A180-68523FCC3A71}"/>
+    <pc:docChg chg="undo redo custSel addSld delSld modSld">
+      <pc:chgData name="Gerth Stølting Brodal" userId="04ef4784-6591-4f86-a140-f5c3b108582a" providerId="ADAL" clId="{32101DF0-6FF6-4597-A180-68523FCC3A71}" dt="2024-01-30T12:13:55.070" v="613" actId="20577"/>
+      <pc:docMkLst>
+        <pc:docMk/>
+      </pc:docMkLst>
+      <pc:sldChg chg="modSp">
+        <pc:chgData name="Gerth Stølting Brodal" userId="04ef4784-6591-4f86-a140-f5c3b108582a" providerId="ADAL" clId="{32101DF0-6FF6-4597-A180-68523FCC3A71}" dt="2024-01-30T12:09:10.468" v="473" actId="2711"/>
+        <pc:sldMkLst>
+          <pc:docMk/>
+          <pc:sldMk cId="764548202" sldId="260"/>
+        </pc:sldMkLst>
+        <pc:spChg chg="mod">
+          <ac:chgData name="Gerth Stølting Brodal" userId="04ef4784-6591-4f86-a140-f5c3b108582a" providerId="ADAL" clId="{32101DF0-6FF6-4597-A180-68523FCC3A71}" dt="2024-01-30T12:09:10.468" v="473" actId="2711"/>
+          <ac:spMkLst>
+            <pc:docMk/>
+            <pc:sldMk cId="764548202" sldId="260"/>
+            <ac:spMk id="5" creationId="{00000000-0000-0000-0000-000000000000}"/>
+          </ac:spMkLst>
+        </pc:spChg>
+      </pc:sldChg>
+      <pc:sldChg chg="modSp mod">
+        <pc:chgData name="Gerth Stølting Brodal" userId="04ef4784-6591-4f86-a140-f5c3b108582a" providerId="ADAL" clId="{32101DF0-6FF6-4597-A180-68523FCC3A71}" dt="2024-01-30T11:21:18.032" v="103" actId="20577"/>
+        <pc:sldMkLst>
+          <pc:docMk/>
+          <pc:sldMk cId="2622067556" sldId="289"/>
+        </pc:sldMkLst>
+        <pc:spChg chg="mod">
+          <ac:chgData name="Gerth Stølting Brodal" userId="04ef4784-6591-4f86-a140-f5c3b108582a" providerId="ADAL" clId="{32101DF0-6FF6-4597-A180-68523FCC3A71}" dt="2024-01-30T11:21:18.032" v="103" actId="20577"/>
+          <ac:spMkLst>
+            <pc:docMk/>
+            <pc:sldMk cId="2622067556" sldId="289"/>
+            <ac:spMk id="3" creationId="{00000000-0000-0000-0000-000000000000}"/>
+          </ac:spMkLst>
+        </pc:spChg>
+      </pc:sldChg>
+      <pc:sldChg chg="addSp modSp mod modNotesTx">
+        <pc:chgData name="Gerth Stølting Brodal" userId="04ef4784-6591-4f86-a140-f5c3b108582a" providerId="ADAL" clId="{32101DF0-6FF6-4597-A180-68523FCC3A71}" dt="2024-01-30T11:43:33.271" v="471" actId="20577"/>
+        <pc:sldMkLst>
+          <pc:docMk/>
+          <pc:sldMk cId="81647366" sldId="347"/>
+        </pc:sldMkLst>
+        <pc:spChg chg="mod">
+          <ac:chgData name="Gerth Stølting Brodal" userId="04ef4784-6591-4f86-a140-f5c3b108582a" providerId="ADAL" clId="{32101DF0-6FF6-4597-A180-68523FCC3A71}" dt="2024-01-30T11:41:25.222" v="376" actId="27636"/>
+          <ac:spMkLst>
+            <pc:docMk/>
+            <pc:sldMk cId="81647366" sldId="347"/>
+            <ac:spMk id="3" creationId="{00000000-0000-0000-0000-000000000000}"/>
+          </ac:spMkLst>
+        </pc:spChg>
+        <pc:graphicFrameChg chg="add mod modGraphic">
+          <ac:chgData name="Gerth Stølting Brodal" userId="04ef4784-6591-4f86-a140-f5c3b108582a" providerId="ADAL" clId="{32101DF0-6FF6-4597-A180-68523FCC3A71}" dt="2024-01-30T11:42:31.371" v="392" actId="1076"/>
+          <ac:graphicFrameMkLst>
+            <pc:docMk/>
+            <pc:sldMk cId="81647366" sldId="347"/>
+            <ac:graphicFrameMk id="5" creationId="{8D7C0AFF-3BA6-E948-38DA-52CC18F330D1}"/>
+          </ac:graphicFrameMkLst>
+        </pc:graphicFrameChg>
+      </pc:sldChg>
+      <pc:sldChg chg="modNotesTx">
+        <pc:chgData name="Gerth Stølting Brodal" userId="04ef4784-6591-4f86-a140-f5c3b108582a" providerId="ADAL" clId="{32101DF0-6FF6-4597-A180-68523FCC3A71}" dt="2024-01-30T12:13:55.070" v="613" actId="20577"/>
+        <pc:sldMkLst>
+          <pc:docMk/>
+          <pc:sldMk cId="937047488" sldId="373"/>
+        </pc:sldMkLst>
+      </pc:sldChg>
+      <pc:sldChg chg="modSp mod">
+        <pc:chgData name="Gerth Stølting Brodal" userId="04ef4784-6591-4f86-a140-f5c3b108582a" providerId="ADAL" clId="{32101DF0-6FF6-4597-A180-68523FCC3A71}" dt="2024-01-30T12:04:09.394" v="472" actId="20577"/>
+        <pc:sldMkLst>
+          <pc:docMk/>
+          <pc:sldMk cId="1315690994" sldId="389"/>
+        </pc:sldMkLst>
+        <pc:graphicFrameChg chg="modGraphic">
+          <ac:chgData name="Gerth Stølting Brodal" userId="04ef4784-6591-4f86-a140-f5c3b108582a" providerId="ADAL" clId="{32101DF0-6FF6-4597-A180-68523FCC3A71}" dt="2024-01-30T12:04:09.394" v="472" actId="20577"/>
+          <ac:graphicFrameMkLst>
+            <pc:docMk/>
+            <pc:sldMk cId="1315690994" sldId="389"/>
+            <ac:graphicFrameMk id="5" creationId="{00000000-0000-0000-0000-000000000000}"/>
+          </ac:graphicFrameMkLst>
+        </pc:graphicFrameChg>
+      </pc:sldChg>
+      <pc:sldChg chg="new del">
+        <pc:chgData name="Gerth Stølting Brodal" userId="04ef4784-6591-4f86-a140-f5c3b108582a" providerId="ADAL" clId="{32101DF0-6FF6-4597-A180-68523FCC3A71}" dt="2024-01-30T11:30:43.692" v="142" actId="680"/>
+        <pc:sldMkLst>
+          <pc:docMk/>
+          <pc:sldMk cId="180077174" sldId="392"/>
+        </pc:sldMkLst>
       </pc:sldChg>
     </pc:docChg>
   </pc:docChgLst>
@@ -292,7 +391,7 @@
           <a:p>
             <a:fld id="{FB1A172F-81D4-4DC4-9113-1DBD56EC3646}" type="datetimeFigureOut">
               <a:rPr lang="en-US" smtClean="0"/>
-              <a:t>1/26/2023</a:t>
+              <a:t>1/30/2024</a:t>
             </a:fld>
             <a:endParaRPr lang="en-US"/>
           </a:p>
@@ -1157,6 +1256,146 @@
 </p:notes>
 </file>
 
+<file path=ppt/notesSlides/notesSlide14.xml><?xml version="1.0" encoding="utf-8"?>
+<p:notes xmlns:a="http://schemas.openxmlformats.org/drawingml/2006/main" xmlns:r="http://schemas.openxmlformats.org/officeDocument/2006/relationships" xmlns:p="http://schemas.openxmlformats.org/presentationml/2006/main">
+  <p:cSld>
+    <p:spTree>
+      <p:nvGrpSpPr>
+        <p:cNvPr id="1" name=""/>
+        <p:cNvGrpSpPr/>
+        <p:nvPr/>
+      </p:nvGrpSpPr>
+      <p:grpSpPr>
+        <a:xfrm>
+          <a:off x="0" y="0"/>
+          <a:ext cx="0" cy="0"/>
+          <a:chOff x="0" y="0"/>
+          <a:chExt cx="0" cy="0"/>
+        </a:xfrm>
+      </p:grpSpPr>
+      <p:sp>
+        <p:nvSpPr>
+          <p:cNvPr id="2" name="Slide Image Placeholder 1"/>
+          <p:cNvSpPr>
+            <a:spLocks noGrp="1" noRot="1" noChangeAspect="1"/>
+          </p:cNvSpPr>
+          <p:nvPr>
+            <p:ph type="sldImg"/>
+          </p:nvPr>
+        </p:nvSpPr>
+        <p:spPr/>
+      </p:sp>
+      <p:sp>
+        <p:nvSpPr>
+          <p:cNvPr id="3" name="Notes Placeholder 2"/>
+          <p:cNvSpPr>
+            <a:spLocks noGrp="1"/>
+          </p:cNvSpPr>
+          <p:nvPr>
+            <p:ph type="body" idx="1"/>
+          </p:nvPr>
+        </p:nvSpPr>
+        <p:spPr/>
+        <p:txBody>
+          <a:bodyPr/>
+          <a:lstStyle/>
+          <a:p>
+            <a:r>
+              <a:rPr lang="da-DK" dirty="0"/>
+              <a:t>In </a:t>
+            </a:r>
+            <a:r>
+              <a:rPr lang="da-DK" dirty="0" err="1"/>
+              <a:t>Javascript</a:t>
+            </a:r>
+            <a:r>
+              <a:rPr lang="da-DK" dirty="0"/>
+              <a:t> and Java: ”X” + 1 </a:t>
+            </a:r>
+            <a:r>
+              <a:rPr lang="da-DK" dirty="0" err="1"/>
+              <a:t>computes</a:t>
+            </a:r>
+            <a:r>
+              <a:rPr lang="da-DK" dirty="0"/>
+              <a:t> to ”X1”, </a:t>
+            </a:r>
+            <a:r>
+              <a:rPr lang="da-DK" dirty="0" err="1"/>
+              <a:t>ie</a:t>
+            </a:r>
+            <a:r>
+              <a:rPr lang="da-DK" dirty="0"/>
+              <a:t> </a:t>
+            </a:r>
+            <a:r>
+              <a:rPr lang="da-DK" dirty="0" err="1"/>
+              <a:t>does</a:t>
+            </a:r>
+            <a:r>
+              <a:rPr lang="da-DK" dirty="0"/>
+              <a:t> the </a:t>
+            </a:r>
+            <a:r>
+              <a:rPr lang="da-DK" dirty="0" err="1"/>
+              <a:t>conversion</a:t>
+            </a:r>
+            <a:r>
+              <a:rPr lang="da-DK" dirty="0"/>
+              <a:t> to </a:t>
+            </a:r>
+            <a:r>
+              <a:rPr lang="da-DK" dirty="0" err="1"/>
+              <a:t>string</a:t>
+            </a:r>
+            <a:r>
+              <a:rPr lang="da-DK" dirty="0"/>
+              <a:t> </a:t>
+            </a:r>
+            <a:r>
+              <a:rPr lang="da-DK" dirty="0" err="1"/>
+              <a:t>automatically</a:t>
+            </a:r>
+            <a:endParaRPr lang="da-DK" dirty="0"/>
+          </a:p>
+        </p:txBody>
+      </p:sp>
+      <p:sp>
+        <p:nvSpPr>
+          <p:cNvPr id="4" name="Slide Number Placeholder 3"/>
+          <p:cNvSpPr>
+            <a:spLocks noGrp="1"/>
+          </p:cNvSpPr>
+          <p:nvPr>
+            <p:ph type="sldNum" sz="quarter" idx="5"/>
+          </p:nvPr>
+        </p:nvSpPr>
+        <p:spPr/>
+        <p:txBody>
+          <a:bodyPr/>
+          <a:lstStyle/>
+          <a:p>
+            <a:fld id="{CD563DD8-32AB-41BE-B1C6-8EAC45222ACE}" type="slidenum">
+              <a:rPr lang="en-US" smtClean="0"/>
+              <a:t>20</a:t>
+            </a:fld>
+            <a:endParaRPr lang="en-US"/>
+          </a:p>
+        </p:txBody>
+      </p:sp>
+    </p:spTree>
+    <p:extLst>
+      <p:ext uri="{BB962C8B-B14F-4D97-AF65-F5344CB8AC3E}">
+        <p14:creationId xmlns:p14="http://schemas.microsoft.com/office/powerpoint/2010/main" val="2057990223"/>
+      </p:ext>
+    </p:extLst>
+  </p:cSld>
+  <p:clrMapOvr>
+    <a:masterClrMapping/>
+  </p:clrMapOvr>
+</p:notes>
+</file>
+
 <file path=ppt/notesSlides/notesSlide2.xml><?xml version="1.0" encoding="utf-8"?>
 <p:notes xmlns:a="http://schemas.openxmlformats.org/drawingml/2006/main" xmlns:r="http://schemas.openxmlformats.org/officeDocument/2006/relationships" xmlns:p="http://schemas.openxmlformats.org/presentationml/2006/main">
   <p:cSld>
@@ -1515,19 +1754,16 @@
             </a:r>
             <a:r>
               <a:rPr lang="en-US" baseline="0" dirty="0"/>
-              <a:t> </a:t>
-            </a:r>
-            <a:r>
-              <a:rPr lang="en-US" baseline="0" dirty="0" err="1"/>
-              <a:t>er</a:t>
-            </a:r>
+              <a:t> er CamelCase</a:t>
+            </a:r>
+          </a:p>
+          <a:p>
+            <a:endParaRPr lang="en-US" baseline="0" dirty="0"/>
+          </a:p>
+          <a:p>
             <a:r>
               <a:rPr lang="en-US" baseline="0" dirty="0"/>
-              <a:t> </a:t>
-            </a:r>
-            <a:r>
-              <a:rPr lang="en-US" baseline="0" dirty="0" err="1"/>
-              <a:t>CamelCase</a:t>
+              <a:t>Note last three keywords starts with capital – these are constants</a:t>
             </a:r>
             <a:endParaRPr lang="en-US" dirty="0"/>
           </a:p>
@@ -2286,7 +2522,7 @@
           <a:p>
             <a:fld id="{0560A9CD-0304-4E0B-9E82-E7E0115DE05B}" type="datetimeFigureOut">
               <a:rPr lang="en-US" smtClean="0"/>
-              <a:t>1/26/2023</a:t>
+              <a:t>1/30/2024</a:t>
             </a:fld>
             <a:endParaRPr lang="en-US"/>
           </a:p>
@@ -2454,7 +2690,7 @@
           <a:p>
             <a:fld id="{0560A9CD-0304-4E0B-9E82-E7E0115DE05B}" type="datetimeFigureOut">
               <a:rPr lang="en-US" smtClean="0"/>
-              <a:t>1/26/2023</a:t>
+              <a:t>1/30/2024</a:t>
             </a:fld>
             <a:endParaRPr lang="en-US"/>
           </a:p>
@@ -2632,7 +2868,7 @@
           <a:p>
             <a:fld id="{0560A9CD-0304-4E0B-9E82-E7E0115DE05B}" type="datetimeFigureOut">
               <a:rPr lang="en-US" smtClean="0"/>
-              <a:t>1/26/2023</a:t>
+              <a:t>1/30/2024</a:t>
             </a:fld>
             <a:endParaRPr lang="en-US"/>
           </a:p>
@@ -2809,7 +3045,7 @@
           <a:p>
             <a:fld id="{0560A9CD-0304-4E0B-9E82-E7E0115DE05B}" type="datetimeFigureOut">
               <a:rPr lang="en-US" smtClean="0"/>
-              <a:t>1/26/2023</a:t>
+              <a:t>1/30/2024</a:t>
             </a:fld>
             <a:endParaRPr lang="en-US"/>
           </a:p>
@@ -3054,7 +3290,7 @@
           <a:p>
             <a:fld id="{0560A9CD-0304-4E0B-9E82-E7E0115DE05B}" type="datetimeFigureOut">
               <a:rPr lang="en-US" smtClean="0"/>
-              <a:t>1/26/2023</a:t>
+              <a:t>1/30/2024</a:t>
             </a:fld>
             <a:endParaRPr lang="en-US"/>
           </a:p>
@@ -3283,7 +3519,7 @@
           <a:p>
             <a:fld id="{0560A9CD-0304-4E0B-9E82-E7E0115DE05B}" type="datetimeFigureOut">
               <a:rPr lang="en-US" smtClean="0"/>
-              <a:t>1/26/2023</a:t>
+              <a:t>1/30/2024</a:t>
             </a:fld>
             <a:endParaRPr lang="en-US"/>
           </a:p>
@@ -3647,7 +3883,7 @@
           <a:p>
             <a:fld id="{0560A9CD-0304-4E0B-9E82-E7E0115DE05B}" type="datetimeFigureOut">
               <a:rPr lang="en-US" smtClean="0"/>
-              <a:t>1/26/2023</a:t>
+              <a:t>1/30/2024</a:t>
             </a:fld>
             <a:endParaRPr lang="en-US"/>
           </a:p>
@@ -3764,7 +4000,7 @@
           <a:p>
             <a:fld id="{0560A9CD-0304-4E0B-9E82-E7E0115DE05B}" type="datetimeFigureOut">
               <a:rPr lang="en-US" smtClean="0"/>
-              <a:t>1/26/2023</a:t>
+              <a:t>1/30/2024</a:t>
             </a:fld>
             <a:endParaRPr lang="en-US"/>
           </a:p>
@@ -3859,7 +4095,7 @@
           <a:p>
             <a:fld id="{0560A9CD-0304-4E0B-9E82-E7E0115DE05B}" type="datetimeFigureOut">
               <a:rPr lang="en-US" smtClean="0"/>
-              <a:t>1/26/2023</a:t>
+              <a:t>1/30/2024</a:t>
             </a:fld>
             <a:endParaRPr lang="en-US"/>
           </a:p>
@@ -4134,7 +4370,7 @@
           <a:p>
             <a:fld id="{0560A9CD-0304-4E0B-9E82-E7E0115DE05B}" type="datetimeFigureOut">
               <a:rPr lang="en-US" smtClean="0"/>
-              <a:t>1/26/2023</a:t>
+              <a:t>1/30/2024</a:t>
             </a:fld>
             <a:endParaRPr lang="en-US"/>
           </a:p>
@@ -4386,7 +4622,7 @@
           <a:p>
             <a:fld id="{0560A9CD-0304-4E0B-9E82-E7E0115DE05B}" type="datetimeFigureOut">
               <a:rPr lang="en-US" smtClean="0"/>
-              <a:t>1/26/2023</a:t>
+              <a:t>1/30/2024</a:t>
             </a:fld>
             <a:endParaRPr lang="en-US"/>
           </a:p>
@@ -4597,7 +4833,7 @@
           <a:p>
             <a:fld id="{0560A9CD-0304-4E0B-9E82-E7E0115DE05B}" type="datetimeFigureOut">
               <a:rPr lang="en-US" smtClean="0"/>
-              <a:t>1/26/2023</a:t>
+              <a:t>1/30/2024</a:t>
             </a:fld>
             <a:endParaRPr lang="en-US"/>
           </a:p>
@@ -11102,7 +11338,7 @@
           <p:nvPr>
             <p:extLst>
               <p:ext uri="{D42A27DB-BD31-4B8C-83A1-F6EECF244321}">
-                <p14:modId xmlns:p14="http://schemas.microsoft.com/office/powerpoint/2010/main" val="4182063092"/>
+                <p14:modId xmlns:p14="http://schemas.microsoft.com/office/powerpoint/2010/main" val="2121986439"/>
               </p:ext>
             </p:extLst>
           </p:nvPr>
@@ -11870,27 +12106,7 @@
                           <a:latin typeface="Courier New" panose="02070309020205020404" pitchFamily="49" charset="0"/>
                           <a:cs typeface="Courier New" panose="02070309020205020404" pitchFamily="49" charset="0"/>
                         </a:rPr>
-                        <a:t>this is a really, really, really, </a:t>
-                      </a:r>
-                      <a:r>
-                        <a:rPr lang="en-US" sz="1400" b="1" dirty="0" err="1">
-                          <a:solidFill>
-                            <a:schemeClr val="tx1"/>
-                          </a:solidFill>
-                          <a:latin typeface="Courier New" panose="02070309020205020404" pitchFamily="49" charset="0"/>
-                          <a:cs typeface="Courier New" panose="02070309020205020404" pitchFamily="49" charset="0"/>
-                        </a:rPr>
-                        <a:t>realy</a:t>
-                      </a:r>
-                      <a:r>
-                        <a:rPr lang="en-US" sz="1400" b="1" dirty="0">
-                          <a:solidFill>
-                            <a:schemeClr val="tx1"/>
-                          </a:solidFill>
-                          <a:latin typeface="Courier New" panose="02070309020205020404" pitchFamily="49" charset="0"/>
-                          <a:cs typeface="Courier New" panose="02070309020205020404" pitchFamily="49" charset="0"/>
-                        </a:rPr>
-                        <a:t>, really, long string</a:t>
+                        <a:t>this is a really, really, really, really, really, long string</a:t>
                       </a:r>
                     </a:p>
                   </a:txBody>
@@ -14781,8 +14997,15 @@
           <a:p>
             <a:pPr algn="ctr"/>
             <a:r>
+              <a:rPr lang="en-US" dirty="0">
+                <a:latin typeface="Courier New" panose="02070309020205020404" pitchFamily="49" charset="0"/>
+                <a:cs typeface="Courier New" panose="02070309020205020404" pitchFamily="49" charset="0"/>
+              </a:rPr>
+              <a:t>x</a:t>
+            </a:r>
+            <a:r>
               <a:rPr lang="en-US" dirty="0"/>
-              <a:t>x new type</a:t>
+              <a:t> new type</a:t>
             </a:r>
           </a:p>
         </p:txBody>
@@ -14945,7 +15168,14 @@
             </a:pPr>
             <a:r>
               <a:rPr lang="en-US" dirty="0"/>
-              <a:t>A ‘#’ indicates the beginning of a comment. From ‘#’ until of end of line is ignored by Python. </a:t>
+              <a:t>A ‘#’ indicates the beginning of a comment. </a:t>
+            </a:r>
+            <a:br>
+              <a:rPr lang="en-US" dirty="0"/>
+            </a:br>
+            <a:r>
+              <a:rPr lang="en-US" dirty="0"/>
+              <a:t>From ‘#’ until of end of line is ignored by Python. </a:t>
             </a:r>
           </a:p>
           <a:p>
@@ -14970,7 +15200,10 @@
             <a:pPr marL="0" indent="0">
               <a:buNone/>
             </a:pPr>
-            <a:endParaRPr lang="en-US" dirty="0"/>
+            <a:r>
+              <a:rPr lang="en-US" dirty="0"/>
+              <a:t> </a:t>
+            </a:r>
           </a:p>
           <a:p>
             <a:pPr marL="0" indent="0">
@@ -14979,6 +15212,21 @@
             <a:r>
               <a:rPr lang="en-US" dirty="0"/>
               <a:t>Comments useful to describe what a piece of code is supposed to do, what kind of input is expected, what is the output, side effects...</a:t>
+            </a:r>
+          </a:p>
+          <a:p>
+            <a:pPr marL="0" indent="0">
+              <a:buNone/>
+            </a:pPr>
+            <a:endParaRPr lang="en-US" dirty="0"/>
+          </a:p>
+          <a:p>
+            <a:pPr marL="0" indent="0">
+              <a:buNone/>
+            </a:pPr>
+            <a:r>
+              <a:rPr lang="en-US" dirty="0"/>
+              <a:t>Comments are aimed at people (including yourself) reading the code</a:t>
             </a:r>
           </a:p>
           <a:p>
@@ -17051,8 +17299,8 @@
         </p:nvSpPr>
         <p:spPr>
           <a:xfrm>
-            <a:off x="649995" y="1440493"/>
-            <a:ext cx="11542005" cy="5328901"/>
+            <a:off x="649995" y="1440494"/>
+            <a:ext cx="11542005" cy="3977014"/>
           </a:xfrm>
         </p:spPr>
         <p:txBody>
@@ -17241,336 +17489,9 @@
               <a:rPr lang="en-US" b="1" dirty="0"/>
               <a:t>Python 3 reserved keywords:</a:t>
             </a:r>
-            <a:r>
-              <a:rPr lang="en-US" dirty="0"/>
-              <a:t> </a:t>
-            </a:r>
-            <a:r>
-              <a:rPr lang="en-US" sz="2600" dirty="0">
-                <a:latin typeface="Courier"/>
-              </a:rPr>
-              <a:t>and</a:t>
-            </a:r>
-            <a:r>
-              <a:rPr lang="en-US" sz="2400" dirty="0"/>
-              <a:t>, </a:t>
-            </a:r>
-            <a:r>
-              <a:rPr lang="en-US" sz="2600" dirty="0">
-                <a:latin typeface="Courier"/>
-              </a:rPr>
-              <a:t>as</a:t>
-            </a:r>
-            <a:r>
-              <a:rPr lang="en-US" sz="2400" dirty="0"/>
-              <a:t>, </a:t>
-            </a:r>
-            <a:r>
-              <a:rPr lang="en-US" sz="2600" dirty="0">
-                <a:latin typeface="Courier"/>
-              </a:rPr>
-              <a:t>assert</a:t>
-            </a:r>
-            <a:r>
-              <a:rPr lang="en-US" sz="2400" dirty="0"/>
-              <a:t>, </a:t>
-            </a:r>
-            <a:r>
-              <a:rPr lang="en-US" sz="2600" dirty="0">
-                <a:latin typeface="Courier"/>
-              </a:rPr>
-              <a:t>break</a:t>
-            </a:r>
-            <a:r>
-              <a:rPr lang="en-US" sz="2400" dirty="0"/>
-              <a:t>, </a:t>
-            </a:r>
-            <a:r>
-              <a:rPr lang="en-US" sz="2600" dirty="0">
-                <a:latin typeface="Courier"/>
-              </a:rPr>
-              <a:t>class</a:t>
-            </a:r>
-            <a:r>
-              <a:rPr lang="en-US" sz="2400" dirty="0"/>
-              <a:t>, </a:t>
-            </a:r>
-            <a:r>
-              <a:rPr lang="en-US" sz="2600" dirty="0">
-                <a:latin typeface="Courier"/>
-              </a:rPr>
-              <a:t>continue</a:t>
-            </a:r>
-            <a:r>
-              <a:rPr lang="en-US" sz="2400" dirty="0"/>
-              <a:t>, </a:t>
-            </a:r>
-            <a:r>
-              <a:rPr lang="en-US" sz="2600" dirty="0" err="1">
-                <a:latin typeface="Courier"/>
-              </a:rPr>
-              <a:t>def</a:t>
-            </a:r>
-            <a:r>
-              <a:rPr lang="en-US" sz="2400" dirty="0"/>
-              <a:t>, </a:t>
-            </a:r>
-            <a:r>
-              <a:rPr lang="en-US" sz="2600" dirty="0">
-                <a:latin typeface="Courier"/>
-              </a:rPr>
-              <a:t>del</a:t>
-            </a:r>
-            <a:r>
-              <a:rPr lang="en-US" sz="2400" dirty="0"/>
-              <a:t>, </a:t>
-            </a:r>
-            <a:r>
-              <a:rPr lang="en-US" sz="2600" dirty="0" err="1">
-                <a:latin typeface="Courier"/>
-              </a:rPr>
-              <a:t>elif</a:t>
-            </a:r>
-            <a:r>
-              <a:rPr lang="en-US" sz="2400" dirty="0"/>
-              <a:t>, </a:t>
-            </a:r>
-            <a:r>
-              <a:rPr lang="en-US" sz="2600" dirty="0">
-                <a:latin typeface="Courier"/>
-              </a:rPr>
-              <a:t>else</a:t>
-            </a:r>
-            <a:r>
-              <a:rPr lang="en-US" sz="2400" dirty="0"/>
-              <a:t>, </a:t>
-            </a:r>
-            <a:r>
-              <a:rPr lang="en-US" sz="2600" dirty="0">
-                <a:latin typeface="Courier"/>
-              </a:rPr>
-              <a:t>except</a:t>
-            </a:r>
-            <a:r>
-              <a:rPr lang="en-US" sz="2400" dirty="0"/>
-              <a:t>, </a:t>
-            </a:r>
-            <a:r>
-              <a:rPr lang="en-US" sz="2600" dirty="0">
-                <a:latin typeface="Courier"/>
-              </a:rPr>
-              <a:t>False</a:t>
-            </a:r>
-            <a:r>
-              <a:rPr lang="en-US" sz="2400" dirty="0"/>
-              <a:t>, </a:t>
-            </a:r>
-            <a:r>
-              <a:rPr lang="en-US" sz="2600" dirty="0">
-                <a:latin typeface="Courier"/>
-              </a:rPr>
-              <a:t>finally</a:t>
-            </a:r>
-            <a:r>
-              <a:rPr lang="en-US" sz="2400" dirty="0"/>
-              <a:t>, </a:t>
-            </a:r>
-            <a:r>
-              <a:rPr lang="en-US" sz="2600" dirty="0">
-                <a:latin typeface="Courier"/>
-              </a:rPr>
-              <a:t>for</a:t>
-            </a:r>
-            <a:r>
-              <a:rPr lang="en-US" sz="2400" dirty="0"/>
-              <a:t>, </a:t>
-            </a:r>
-            <a:r>
-              <a:rPr lang="en-US" sz="2600" dirty="0">
-                <a:latin typeface="Courier"/>
-              </a:rPr>
-              <a:t>from</a:t>
-            </a:r>
-            <a:r>
-              <a:rPr lang="en-US" sz="2400" dirty="0"/>
-              <a:t>, </a:t>
-            </a:r>
-            <a:r>
-              <a:rPr lang="en-US" sz="2600" dirty="0">
-                <a:latin typeface="Courier"/>
-              </a:rPr>
-              <a:t>global</a:t>
-            </a:r>
-            <a:r>
-              <a:rPr lang="en-US" sz="2400" dirty="0"/>
-              <a:t>, </a:t>
-            </a:r>
-            <a:r>
-              <a:rPr lang="en-US" sz="2600" dirty="0">
-                <a:latin typeface="Courier"/>
-              </a:rPr>
-              <a:t>if</a:t>
-            </a:r>
-            <a:r>
-              <a:rPr lang="en-US" sz="2400" dirty="0"/>
-              <a:t>, </a:t>
-            </a:r>
-            <a:r>
-              <a:rPr lang="en-US" sz="2600" dirty="0">
-                <a:latin typeface="Courier"/>
-              </a:rPr>
-              <a:t>import</a:t>
-            </a:r>
-            <a:r>
-              <a:rPr lang="en-US" sz="2400" dirty="0"/>
-              <a:t>, </a:t>
-            </a:r>
-            <a:r>
-              <a:rPr lang="en-US" sz="2600" dirty="0">
-                <a:latin typeface="Courier"/>
-              </a:rPr>
-              <a:t>in</a:t>
-            </a:r>
-            <a:r>
-              <a:rPr lang="en-US" sz="2400" dirty="0"/>
-              <a:t>, </a:t>
-            </a:r>
-            <a:r>
-              <a:rPr lang="en-US" sz="2600" dirty="0">
-                <a:latin typeface="Courier"/>
-              </a:rPr>
-              <a:t>is</a:t>
-            </a:r>
-            <a:r>
-              <a:rPr lang="en-US" sz="2400" dirty="0"/>
-              <a:t>, </a:t>
-            </a:r>
-            <a:r>
-              <a:rPr lang="en-US" sz="2600" dirty="0">
-                <a:latin typeface="Courier"/>
-              </a:rPr>
-              <a:t>lambda</a:t>
-            </a:r>
-            <a:r>
-              <a:rPr lang="en-US" sz="2400" dirty="0"/>
-              <a:t>, </a:t>
-            </a:r>
-            <a:r>
-              <a:rPr lang="en-US" sz="2600" dirty="0">
-                <a:latin typeface="Courier"/>
-              </a:rPr>
-              <a:t>nonlocal</a:t>
-            </a:r>
-            <a:r>
-              <a:rPr lang="en-US" sz="2400" dirty="0"/>
-              <a:t>, </a:t>
-            </a:r>
-            <a:r>
-              <a:rPr lang="en-US" sz="2600" dirty="0">
-                <a:latin typeface="Courier"/>
-              </a:rPr>
-              <a:t>None</a:t>
-            </a:r>
-            <a:r>
-              <a:rPr lang="en-US" sz="2400" dirty="0"/>
-              <a:t>, </a:t>
-            </a:r>
-            <a:r>
-              <a:rPr lang="en-US" sz="2600" dirty="0">
-                <a:latin typeface="Courier"/>
-              </a:rPr>
-              <a:t>not</a:t>
-            </a:r>
-            <a:r>
-              <a:rPr lang="en-US" sz="2400" dirty="0"/>
-              <a:t>, </a:t>
-            </a:r>
-            <a:r>
-              <a:rPr lang="en-US" sz="2600" dirty="0">
-                <a:latin typeface="Courier"/>
-              </a:rPr>
-              <a:t>or</a:t>
-            </a:r>
-            <a:r>
-              <a:rPr lang="en-US" sz="2400" dirty="0"/>
-              <a:t>, </a:t>
-            </a:r>
-            <a:r>
-              <a:rPr lang="en-US" sz="2600" dirty="0">
-                <a:latin typeface="Courier"/>
-              </a:rPr>
-              <a:t>pass</a:t>
-            </a:r>
-            <a:r>
-              <a:rPr lang="en-US" sz="2400" dirty="0"/>
-              <a:t>, </a:t>
-            </a:r>
-            <a:r>
-              <a:rPr lang="en-US" sz="2600" dirty="0">
-                <a:latin typeface="Courier"/>
-              </a:rPr>
-              <a:t>raise</a:t>
-            </a:r>
-            <a:r>
-              <a:rPr lang="en-US" sz="2400" dirty="0"/>
-              <a:t>, </a:t>
-            </a:r>
-            <a:r>
-              <a:rPr lang="en-US" sz="2600" dirty="0">
-                <a:latin typeface="Courier"/>
-              </a:rPr>
-              <a:t>return</a:t>
-            </a:r>
-            <a:r>
-              <a:rPr lang="en-US" sz="2400" dirty="0"/>
-              <a:t>, </a:t>
-            </a:r>
-            <a:r>
-              <a:rPr lang="en-US" sz="2600" dirty="0">
-                <a:latin typeface="Courier"/>
-              </a:rPr>
-              <a:t>True</a:t>
-            </a:r>
-            <a:r>
-              <a:rPr lang="en-US" sz="2400" dirty="0"/>
-              <a:t>, </a:t>
-            </a:r>
-            <a:r>
-              <a:rPr lang="en-US" sz="2600" dirty="0">
-                <a:latin typeface="Courier"/>
-              </a:rPr>
-              <a:t>try</a:t>
-            </a:r>
-            <a:r>
-              <a:rPr lang="en-US" sz="2400" dirty="0"/>
-              <a:t>, </a:t>
-            </a:r>
-            <a:r>
-              <a:rPr lang="en-US" sz="2600" dirty="0">
-                <a:latin typeface="Courier"/>
-              </a:rPr>
-              <a:t>while</a:t>
-            </a:r>
-            <a:r>
-              <a:rPr lang="en-US" sz="2400" dirty="0"/>
-              <a:t>, </a:t>
-            </a:r>
-            <a:r>
-              <a:rPr lang="en-US" sz="2600" dirty="0">
-                <a:latin typeface="Courier"/>
-              </a:rPr>
-              <a:t>with</a:t>
-            </a:r>
-            <a:r>
-              <a:rPr lang="en-US" sz="2400" dirty="0"/>
-              <a:t>, </a:t>
-            </a:r>
-            <a:r>
-              <a:rPr lang="en-US" sz="2600" dirty="0">
-                <a:latin typeface="Courier"/>
-              </a:rPr>
-              <a:t>yield</a:t>
-            </a:r>
+            <a:endParaRPr lang="en-US" sz="2600" dirty="0">
+              <a:latin typeface="Courier"/>
+            </a:endParaRPr>
           </a:p>
         </p:txBody>
       </p:sp>
@@ -17644,6 +17565,505 @@
           </a:p>
         </p:txBody>
       </p:sp>
+      <p:graphicFrame>
+        <p:nvGraphicFramePr>
+          <p:cNvPr id="5" name="Table 4">
+            <a:extLst>
+              <a:ext uri="{FF2B5EF4-FFF2-40B4-BE49-F238E27FC236}">
+                <a16:creationId xmlns:a16="http://schemas.microsoft.com/office/drawing/2014/main" id="{8D7C0AFF-3BA6-E948-38DA-52CC18F330D1}"/>
+              </a:ext>
+            </a:extLst>
+          </p:cNvPr>
+          <p:cNvGraphicFramePr>
+            <a:graphicFrameLocks noGrp="1"/>
+          </p:cNvGraphicFramePr>
+          <p:nvPr>
+            <p:extLst>
+              <p:ext uri="{D42A27DB-BD31-4B8C-83A1-F6EECF244321}">
+                <p14:modId xmlns:p14="http://schemas.microsoft.com/office/powerpoint/2010/main" val="1591036629"/>
+              </p:ext>
+            </p:extLst>
+          </p:nvPr>
+        </p:nvGraphicFramePr>
+        <p:xfrm>
+          <a:off x="1065620" y="5389614"/>
+          <a:ext cx="10881360" cy="1310640"/>
+        </p:xfrm>
+        <a:graphic>
+          <a:graphicData uri="http://schemas.openxmlformats.org/drawingml/2006/table">
+            <a:tbl>
+              <a:tblPr firstRow="1" bandRow="1">
+                <a:tableStyleId>{2D5ABB26-0587-4C30-8999-92F81FD0307C}</a:tableStyleId>
+              </a:tblPr>
+              <a:tblGrid>
+                <a:gridCol w="1158240">
+                  <a:extLst>
+                    <a:ext uri="{9D8B030D-6E8A-4147-A177-3AD203B41FA5}">
+                      <a16:colId xmlns:a16="http://schemas.microsoft.com/office/drawing/2014/main" val="3680837941"/>
+                    </a:ext>
+                  </a:extLst>
+                </a:gridCol>
+                <a:gridCol w="1463040">
+                  <a:extLst>
+                    <a:ext uri="{9D8B030D-6E8A-4147-A177-3AD203B41FA5}">
+                      <a16:colId xmlns:a16="http://schemas.microsoft.com/office/drawing/2014/main" val="4035235451"/>
+                    </a:ext>
+                  </a:extLst>
+                </a:gridCol>
+                <a:gridCol w="1310640">
+                  <a:extLst>
+                    <a:ext uri="{9D8B030D-6E8A-4147-A177-3AD203B41FA5}">
+                      <a16:colId xmlns:a16="http://schemas.microsoft.com/office/drawing/2014/main" val="1732578023"/>
+                    </a:ext>
+                  </a:extLst>
+                </a:gridCol>
+                <a:gridCol w="1158240">
+                  <a:extLst>
+                    <a:ext uri="{9D8B030D-6E8A-4147-A177-3AD203B41FA5}">
+                      <a16:colId xmlns:a16="http://schemas.microsoft.com/office/drawing/2014/main" val="1784413622"/>
+                    </a:ext>
+                  </a:extLst>
+                </a:gridCol>
+                <a:gridCol w="1158240">
+                  <a:extLst>
+                    <a:ext uri="{9D8B030D-6E8A-4147-A177-3AD203B41FA5}">
+                      <a16:colId xmlns:a16="http://schemas.microsoft.com/office/drawing/2014/main" val="3644341885"/>
+                    </a:ext>
+                  </a:extLst>
+                </a:gridCol>
+                <a:gridCol w="1463040">
+                  <a:extLst>
+                    <a:ext uri="{9D8B030D-6E8A-4147-A177-3AD203B41FA5}">
+                      <a16:colId xmlns:a16="http://schemas.microsoft.com/office/drawing/2014/main" val="3838293865"/>
+                    </a:ext>
+                  </a:extLst>
+                </a:gridCol>
+                <a:gridCol w="1158240">
+                  <a:extLst>
+                    <a:ext uri="{9D8B030D-6E8A-4147-A177-3AD203B41FA5}">
+                      <a16:colId xmlns:a16="http://schemas.microsoft.com/office/drawing/2014/main" val="3679272849"/>
+                    </a:ext>
+                  </a:extLst>
+                </a:gridCol>
+                <a:gridCol w="1005840">
+                  <a:extLst>
+                    <a:ext uri="{9D8B030D-6E8A-4147-A177-3AD203B41FA5}">
+                      <a16:colId xmlns:a16="http://schemas.microsoft.com/office/drawing/2014/main" val="465204654"/>
+                    </a:ext>
+                  </a:extLst>
+                </a:gridCol>
+                <a:gridCol w="1005840">
+                  <a:extLst>
+                    <a:ext uri="{9D8B030D-6E8A-4147-A177-3AD203B41FA5}">
+                      <a16:colId xmlns:a16="http://schemas.microsoft.com/office/drawing/2014/main" val="1424048513"/>
+                    </a:ext>
+                  </a:extLst>
+                </a:gridCol>
+              </a:tblGrid>
+              <a:tr h="370840">
+                <a:tc>
+                  <a:txBody>
+                    <a:bodyPr/>
+                    <a:lstStyle/>
+                    <a:p>
+                      <a:r>
+                        <a:rPr lang="en-US" sz="2000" b="0" dirty="0">
+                          <a:latin typeface="Courier New" panose="02070309020205020404" pitchFamily="49" charset="0"/>
+                          <a:cs typeface="Courier New" panose="02070309020205020404" pitchFamily="49" charset="0"/>
+                        </a:rPr>
+                        <a:t>and</a:t>
+                      </a:r>
+                    </a:p>
+                    <a:p>
+                      <a:r>
+                        <a:rPr lang="en-US" sz="2000" b="0" dirty="0">
+                          <a:latin typeface="Courier New" panose="02070309020205020404" pitchFamily="49" charset="0"/>
+                          <a:cs typeface="Courier New" panose="02070309020205020404" pitchFamily="49" charset="0"/>
+                        </a:rPr>
+                        <a:t>as</a:t>
+                      </a:r>
+                    </a:p>
+                    <a:p>
+                      <a:r>
+                        <a:rPr lang="en-US" sz="2000" b="0" dirty="0">
+                          <a:latin typeface="Courier New" panose="02070309020205020404" pitchFamily="49" charset="0"/>
+                          <a:cs typeface="Courier New" panose="02070309020205020404" pitchFamily="49" charset="0"/>
+                        </a:rPr>
+                        <a:t>assert</a:t>
+                      </a:r>
+                    </a:p>
+                    <a:p>
+                      <a:r>
+                        <a:rPr lang="en-US" sz="2000" b="0" dirty="0">
+                          <a:latin typeface="Courier New" panose="02070309020205020404" pitchFamily="49" charset="0"/>
+                          <a:cs typeface="Courier New" panose="02070309020205020404" pitchFamily="49" charset="0"/>
+                        </a:rPr>
+                        <a:t>break</a:t>
+                      </a:r>
+                    </a:p>
+                  </a:txBody>
+                  <a:tcPr marL="45720" marR="45720"/>
+                </a:tc>
+                <a:tc>
+                  <a:txBody>
+                    <a:bodyPr/>
+                    <a:lstStyle/>
+                    <a:p>
+                      <a:pPr marL="0" marR="0" lvl="0" indent="0" algn="l" defTabSz="914400" rtl="0" eaLnBrk="1" fontAlgn="auto" latinLnBrk="0" hangingPunct="1">
+                        <a:lnSpc>
+                          <a:spcPct val="100000"/>
+                        </a:lnSpc>
+                        <a:spcBef>
+                          <a:spcPts val="0"/>
+                        </a:spcBef>
+                        <a:spcAft>
+                          <a:spcPts val="0"/>
+                        </a:spcAft>
+                        <a:buClrTx/>
+                        <a:buSzTx/>
+                        <a:buFontTx/>
+                        <a:buNone/>
+                        <a:tabLst/>
+                        <a:defRPr/>
+                      </a:pPr>
+                      <a:r>
+                        <a:rPr lang="en-US" sz="2000" b="0" dirty="0">
+                          <a:latin typeface="Courier New" panose="02070309020205020404" pitchFamily="49" charset="0"/>
+                          <a:cs typeface="Courier New" panose="02070309020205020404" pitchFamily="49" charset="0"/>
+                        </a:rPr>
+                        <a:t>class</a:t>
+                      </a:r>
+                      <a:br>
+                        <a:rPr lang="en-US" sz="2000" b="0" dirty="0">
+                          <a:latin typeface="Courier New" panose="02070309020205020404" pitchFamily="49" charset="0"/>
+                          <a:cs typeface="Courier New" panose="02070309020205020404" pitchFamily="49" charset="0"/>
+                        </a:rPr>
+                      </a:br>
+                      <a:r>
+                        <a:rPr lang="en-US" sz="2000" b="0" dirty="0">
+                          <a:latin typeface="Courier New" panose="02070309020205020404" pitchFamily="49" charset="0"/>
+                          <a:cs typeface="Courier New" panose="02070309020205020404" pitchFamily="49" charset="0"/>
+                        </a:rPr>
+                        <a:t>continue</a:t>
+                      </a:r>
+                    </a:p>
+                    <a:p>
+                      <a:r>
+                        <a:rPr lang="en-US" sz="2000" b="0" dirty="0">
+                          <a:latin typeface="Courier New" panose="02070309020205020404" pitchFamily="49" charset="0"/>
+                          <a:cs typeface="Courier New" panose="02070309020205020404" pitchFamily="49" charset="0"/>
+                        </a:rPr>
+                        <a:t>def</a:t>
+                      </a:r>
+                    </a:p>
+                    <a:p>
+                      <a:r>
+                        <a:rPr lang="en-US" sz="2000" b="0" dirty="0">
+                          <a:latin typeface="Courier New" panose="02070309020205020404" pitchFamily="49" charset="0"/>
+                          <a:cs typeface="Courier New" panose="02070309020205020404" pitchFamily="49" charset="0"/>
+                        </a:rPr>
+                        <a:t>del</a:t>
+                      </a:r>
+                    </a:p>
+                  </a:txBody>
+                  <a:tcPr marL="45720" marR="45720"/>
+                </a:tc>
+                <a:tc>
+                  <a:txBody>
+                    <a:bodyPr/>
+                    <a:lstStyle/>
+                    <a:p>
+                      <a:r>
+                        <a:rPr lang="en-US" sz="2000" b="0" dirty="0" err="1">
+                          <a:latin typeface="Courier New" panose="02070309020205020404" pitchFamily="49" charset="0"/>
+                          <a:cs typeface="Courier New" panose="02070309020205020404" pitchFamily="49" charset="0"/>
+                        </a:rPr>
+                        <a:t>elif</a:t>
+                      </a:r>
+                      <a:endParaRPr lang="en-US" sz="2000" b="0" dirty="0">
+                        <a:latin typeface="Courier New" panose="02070309020205020404" pitchFamily="49" charset="0"/>
+                        <a:cs typeface="Courier New" panose="02070309020205020404" pitchFamily="49" charset="0"/>
+                      </a:endParaRPr>
+                    </a:p>
+                    <a:p>
+                      <a:r>
+                        <a:rPr lang="en-US" sz="2000" b="0" dirty="0">
+                          <a:latin typeface="Courier New" panose="02070309020205020404" pitchFamily="49" charset="0"/>
+                          <a:cs typeface="Courier New" panose="02070309020205020404" pitchFamily="49" charset="0"/>
+                        </a:rPr>
+                        <a:t>else</a:t>
+                      </a:r>
+                    </a:p>
+                    <a:p>
+                      <a:r>
+                        <a:rPr lang="en-US" sz="2000" b="0" dirty="0">
+                          <a:latin typeface="Courier New" panose="02070309020205020404" pitchFamily="49" charset="0"/>
+                          <a:cs typeface="Courier New" panose="02070309020205020404" pitchFamily="49" charset="0"/>
+                        </a:rPr>
+                        <a:t>except</a:t>
+                      </a:r>
+                    </a:p>
+                    <a:p>
+                      <a:r>
+                        <a:rPr lang="en-US" sz="2000" b="0" dirty="0">
+                          <a:latin typeface="Courier New" panose="02070309020205020404" pitchFamily="49" charset="0"/>
+                          <a:cs typeface="Courier New" panose="02070309020205020404" pitchFamily="49" charset="0"/>
+                        </a:rPr>
+                        <a:t>finally</a:t>
+                      </a:r>
+                    </a:p>
+                  </a:txBody>
+                  <a:tcPr marL="45720" marR="45720"/>
+                </a:tc>
+                <a:tc>
+                  <a:txBody>
+                    <a:bodyPr/>
+                    <a:lstStyle/>
+                    <a:p>
+                      <a:r>
+                        <a:rPr lang="en-US" sz="2000" b="0" dirty="0">
+                          <a:latin typeface="Courier New" panose="02070309020205020404" pitchFamily="49" charset="0"/>
+                          <a:cs typeface="Courier New" panose="02070309020205020404" pitchFamily="49" charset="0"/>
+                        </a:rPr>
+                        <a:t>for</a:t>
+                      </a:r>
+                    </a:p>
+                    <a:p>
+                      <a:r>
+                        <a:rPr lang="en-US" sz="2000" b="0" dirty="0">
+                          <a:latin typeface="Courier New" panose="02070309020205020404" pitchFamily="49" charset="0"/>
+                          <a:cs typeface="Courier New" panose="02070309020205020404" pitchFamily="49" charset="0"/>
+                        </a:rPr>
+                        <a:t>from</a:t>
+                      </a:r>
+                    </a:p>
+                    <a:p>
+                      <a:r>
+                        <a:rPr lang="en-US" sz="2000" b="0" dirty="0">
+                          <a:latin typeface="Courier New" panose="02070309020205020404" pitchFamily="49" charset="0"/>
+                          <a:cs typeface="Courier New" panose="02070309020205020404" pitchFamily="49" charset="0"/>
+                        </a:rPr>
+                        <a:t>global</a:t>
+                      </a:r>
+                    </a:p>
+                    <a:p>
+                      <a:r>
+                        <a:rPr lang="en-US" sz="2000" b="0" dirty="0">
+                          <a:latin typeface="Courier New" panose="02070309020205020404" pitchFamily="49" charset="0"/>
+                          <a:cs typeface="Courier New" panose="02070309020205020404" pitchFamily="49" charset="0"/>
+                        </a:rPr>
+                        <a:t>if</a:t>
+                      </a:r>
+                    </a:p>
+                  </a:txBody>
+                  <a:tcPr marL="45720" marR="45720"/>
+                </a:tc>
+                <a:tc>
+                  <a:txBody>
+                    <a:bodyPr/>
+                    <a:lstStyle/>
+                    <a:p>
+                      <a:r>
+                        <a:rPr lang="en-US" sz="2000" b="0" dirty="0">
+                          <a:latin typeface="Courier New" panose="02070309020205020404" pitchFamily="49" charset="0"/>
+                          <a:cs typeface="Courier New" panose="02070309020205020404" pitchFamily="49" charset="0"/>
+                        </a:rPr>
+                        <a:t>import</a:t>
+                      </a:r>
+                    </a:p>
+                    <a:p>
+                      <a:r>
+                        <a:rPr lang="en-US" sz="2000" b="0" dirty="0">
+                          <a:latin typeface="Courier New" panose="02070309020205020404" pitchFamily="49" charset="0"/>
+                          <a:cs typeface="Courier New" panose="02070309020205020404" pitchFamily="49" charset="0"/>
+                        </a:rPr>
+                        <a:t>in</a:t>
+                      </a:r>
+                    </a:p>
+                    <a:p>
+                      <a:r>
+                        <a:rPr lang="en-US" sz="2000" b="0" dirty="0">
+                          <a:latin typeface="Courier New" panose="02070309020205020404" pitchFamily="49" charset="0"/>
+                          <a:cs typeface="Courier New" panose="02070309020205020404" pitchFamily="49" charset="0"/>
+                        </a:rPr>
+                        <a:t>is</a:t>
+                      </a:r>
+                    </a:p>
+                    <a:p>
+                      <a:r>
+                        <a:rPr lang="en-US" sz="2000" b="0" dirty="0">
+                          <a:latin typeface="Courier New" panose="02070309020205020404" pitchFamily="49" charset="0"/>
+                          <a:cs typeface="Courier New" panose="02070309020205020404" pitchFamily="49" charset="0"/>
+                        </a:rPr>
+                        <a:t>lambda</a:t>
+                      </a:r>
+                    </a:p>
+                  </a:txBody>
+                  <a:tcPr marL="45720" marR="45720"/>
+                </a:tc>
+                <a:tc>
+                  <a:txBody>
+                    <a:bodyPr/>
+                    <a:lstStyle/>
+                    <a:p>
+                      <a:r>
+                        <a:rPr lang="en-US" sz="2000" b="0" dirty="0">
+                          <a:latin typeface="Courier New" panose="02070309020205020404" pitchFamily="49" charset="0"/>
+                          <a:cs typeface="Courier New" panose="02070309020205020404" pitchFamily="49" charset="0"/>
+                        </a:rPr>
+                        <a:t>nonlocal</a:t>
+                      </a:r>
+                    </a:p>
+                    <a:p>
+                      <a:r>
+                        <a:rPr lang="en-US" sz="2000" b="0" dirty="0">
+                          <a:latin typeface="Courier New" panose="02070309020205020404" pitchFamily="49" charset="0"/>
+                          <a:cs typeface="Courier New" panose="02070309020205020404" pitchFamily="49" charset="0"/>
+                        </a:rPr>
+                        <a:t>not</a:t>
+                      </a:r>
+                    </a:p>
+                    <a:p>
+                      <a:r>
+                        <a:rPr lang="en-US" sz="2000" b="0" dirty="0">
+                          <a:latin typeface="Courier New" panose="02070309020205020404" pitchFamily="49" charset="0"/>
+                          <a:cs typeface="Courier New" panose="02070309020205020404" pitchFamily="49" charset="0"/>
+                        </a:rPr>
+                        <a:t>or</a:t>
+                      </a:r>
+                    </a:p>
+                    <a:p>
+                      <a:r>
+                        <a:rPr lang="en-US" sz="2000" b="0" dirty="0">
+                          <a:latin typeface="Courier New" panose="02070309020205020404" pitchFamily="49" charset="0"/>
+                          <a:cs typeface="Courier New" panose="02070309020205020404" pitchFamily="49" charset="0"/>
+                        </a:rPr>
+                        <a:t>pass</a:t>
+                      </a:r>
+                    </a:p>
+                  </a:txBody>
+                  <a:tcPr marL="45720" marR="45720"/>
+                </a:tc>
+                <a:tc>
+                  <a:txBody>
+                    <a:bodyPr/>
+                    <a:lstStyle/>
+                    <a:p>
+                      <a:r>
+                        <a:rPr lang="en-US" sz="2000" b="0" dirty="0">
+                          <a:latin typeface="Courier New" panose="02070309020205020404" pitchFamily="49" charset="0"/>
+                          <a:cs typeface="Courier New" panose="02070309020205020404" pitchFamily="49" charset="0"/>
+                        </a:rPr>
+                        <a:t>raise</a:t>
+                      </a:r>
+                    </a:p>
+                    <a:p>
+                      <a:r>
+                        <a:rPr lang="en-US" sz="2000" b="0" dirty="0">
+                          <a:latin typeface="Courier New" panose="02070309020205020404" pitchFamily="49" charset="0"/>
+                          <a:cs typeface="Courier New" panose="02070309020205020404" pitchFamily="49" charset="0"/>
+                        </a:rPr>
+                        <a:t>return</a:t>
+                      </a:r>
+                    </a:p>
+                    <a:p>
+                      <a:r>
+                        <a:rPr lang="en-US" sz="2000" b="0" dirty="0">
+                          <a:latin typeface="Courier New" panose="02070309020205020404" pitchFamily="49" charset="0"/>
+                          <a:cs typeface="Courier New" panose="02070309020205020404" pitchFamily="49" charset="0"/>
+                        </a:rPr>
+                        <a:t>try</a:t>
+                      </a:r>
+                    </a:p>
+                    <a:p>
+                      <a:r>
+                        <a:rPr lang="en-US" sz="2000" b="0" dirty="0">
+                          <a:latin typeface="Courier New" panose="02070309020205020404" pitchFamily="49" charset="0"/>
+                          <a:cs typeface="Courier New" panose="02070309020205020404" pitchFamily="49" charset="0"/>
+                        </a:rPr>
+                        <a:t>while</a:t>
+                      </a:r>
+                    </a:p>
+                  </a:txBody>
+                  <a:tcPr marL="45720" marR="45720"/>
+                </a:tc>
+                <a:tc>
+                  <a:txBody>
+                    <a:bodyPr/>
+                    <a:lstStyle/>
+                    <a:p>
+                      <a:r>
+                        <a:rPr lang="en-US" sz="2000" b="0" dirty="0">
+                          <a:latin typeface="Courier New" panose="02070309020205020404" pitchFamily="49" charset="0"/>
+                          <a:cs typeface="Courier New" panose="02070309020205020404" pitchFamily="49" charset="0"/>
+                        </a:rPr>
+                        <a:t>with</a:t>
+                      </a:r>
+                    </a:p>
+                    <a:p>
+                      <a:r>
+                        <a:rPr lang="en-US" sz="2000" b="0" dirty="0">
+                          <a:latin typeface="Courier New" panose="02070309020205020404" pitchFamily="49" charset="0"/>
+                          <a:cs typeface="Courier New" panose="02070309020205020404" pitchFamily="49" charset="0"/>
+                        </a:rPr>
+                        <a:t>yield</a:t>
+                      </a:r>
+                      <a:endParaRPr lang="da-DK" sz="2000" b="0" dirty="0">
+                        <a:latin typeface="Courier New" panose="02070309020205020404" pitchFamily="49" charset="0"/>
+                        <a:cs typeface="Courier New" panose="02070309020205020404" pitchFamily="49" charset="0"/>
+                      </a:endParaRPr>
+                    </a:p>
+                  </a:txBody>
+                  <a:tcPr marL="45720" marR="45720"/>
+                </a:tc>
+                <a:tc>
+                  <a:txBody>
+                    <a:bodyPr/>
+                    <a:lstStyle/>
+                    <a:p>
+                      <a:r>
+                        <a:rPr lang="en-US" sz="2000" b="0" dirty="0">
+                          <a:latin typeface="Courier New" panose="02070309020205020404" pitchFamily="49" charset="0"/>
+                          <a:cs typeface="Courier New" panose="02070309020205020404" pitchFamily="49" charset="0"/>
+                        </a:rPr>
+                        <a:t>None</a:t>
+                      </a:r>
+                    </a:p>
+                    <a:p>
+                      <a:r>
+                        <a:rPr lang="en-US" sz="2000" b="0" dirty="0">
+                          <a:latin typeface="Courier New" panose="02070309020205020404" pitchFamily="49" charset="0"/>
+                          <a:cs typeface="Courier New" panose="02070309020205020404" pitchFamily="49" charset="0"/>
+                        </a:rPr>
+                        <a:t>False</a:t>
+                      </a:r>
+                    </a:p>
+                    <a:p>
+                      <a:r>
+                        <a:rPr lang="en-US" sz="2000" b="0" dirty="0">
+                          <a:latin typeface="Courier New" panose="02070309020205020404" pitchFamily="49" charset="0"/>
+                          <a:cs typeface="Courier New" panose="02070309020205020404" pitchFamily="49" charset="0"/>
+                        </a:rPr>
+                        <a:t>True</a:t>
+                      </a:r>
+                      <a:endParaRPr lang="da-DK" sz="2000" b="0" dirty="0">
+                        <a:latin typeface="Courier New" panose="02070309020205020404" pitchFamily="49" charset="0"/>
+                        <a:cs typeface="Courier New" panose="02070309020205020404" pitchFamily="49" charset="0"/>
+                      </a:endParaRPr>
+                    </a:p>
+                  </a:txBody>
+                  <a:tcPr marL="45720" marR="45720"/>
+                </a:tc>
+                <a:extLst>
+                  <a:ext uri="{0D108BD9-81ED-4DB2-BD59-A6C34878D82A}">
+                    <a16:rowId xmlns:a16="http://schemas.microsoft.com/office/drawing/2014/main" val="1316587936"/>
+                  </a:ext>
+                </a:extLst>
+              </a:tr>
+            </a:tbl>
+          </a:graphicData>
+        </a:graphic>
+      </p:graphicFrame>
     </p:spTree>
     <p:extLst>
       <p:ext uri="{BB962C8B-B14F-4D97-AF65-F5344CB8AC3E}">
@@ -19860,16 +20280,12 @@
                         <a:buChar char="&gt;"/>
                       </a:pPr>
                       <a:r>
-                        <a:rPr lang="pt-BR" sz="1600" b="1" baseline="0">
+                        <a:rPr lang="pt-BR" sz="1600" b="1" baseline="0" dirty="0">
                           <a:latin typeface="Courier New" panose="02070309020205020404" pitchFamily="49" charset="0"/>
                           <a:cs typeface="Courier New" panose="02070309020205020404" pitchFamily="49" charset="0"/>
                         </a:rPr>
                         <a:t>1e200 * 1e300</a:t>
                       </a:r>
-                      <a:endParaRPr lang="pt-BR" sz="1600" b="1" baseline="0" dirty="0">
-                        <a:latin typeface="Courier New" panose="02070309020205020404" pitchFamily="49" charset="0"/>
-                        <a:cs typeface="Courier New" panose="02070309020205020404" pitchFamily="49" charset="0"/>
-                      </a:endParaRPr>
                     </a:p>
                     <a:p>
                       <a:pPr marL="266700" indent="-266700">

--- a/ipsa/slides/basics.pptx
+++ b/ipsa/slides/basics.pptx
@@ -202,7 +202,7 @@
   <pc:docChgLst>
     <pc:chgData name="Gerth Stølting Brodal" userId="04ef4784-6591-4f86-a140-f5c3b108582a" providerId="ADAL" clId="{32101DF0-6FF6-4597-A180-68523FCC3A71}"/>
     <pc:docChg chg="undo redo custSel addSld delSld modSld">
-      <pc:chgData name="Gerth Stølting Brodal" userId="04ef4784-6591-4f86-a140-f5c3b108582a" providerId="ADAL" clId="{32101DF0-6FF6-4597-A180-68523FCC3A71}" dt="2024-01-30T12:13:55.070" v="613" actId="20577"/>
+      <pc:chgData name="Gerth Stølting Brodal" userId="04ef4784-6591-4f86-a140-f5c3b108582a" providerId="ADAL" clId="{32101DF0-6FF6-4597-A180-68523FCC3A71}" dt="2024-02-05T07:30:58.038" v="789" actId="1076"/>
       <pc:docMkLst>
         <pc:docMk/>
       </pc:docMkLst>
@@ -259,12 +259,42 @@
           </ac:graphicFrameMkLst>
         </pc:graphicFrameChg>
       </pc:sldChg>
+      <pc:sldChg chg="modSp mod">
+        <pc:chgData name="Gerth Stølting Brodal" userId="04ef4784-6591-4f86-a140-f5c3b108582a" providerId="ADAL" clId="{32101DF0-6FF6-4597-A180-68523FCC3A71}" dt="2024-02-05T07:22:49.893" v="614" actId="20577"/>
+        <pc:sldMkLst>
+          <pc:docMk/>
+          <pc:sldMk cId="2228799271" sldId="349"/>
+        </pc:sldMkLst>
+        <pc:spChg chg="mod">
+          <ac:chgData name="Gerth Stølting Brodal" userId="04ef4784-6591-4f86-a140-f5c3b108582a" providerId="ADAL" clId="{32101DF0-6FF6-4597-A180-68523FCC3A71}" dt="2024-02-05T07:22:49.893" v="614" actId="20577"/>
+          <ac:spMkLst>
+            <pc:docMk/>
+            <pc:sldMk cId="2228799271" sldId="349"/>
+            <ac:spMk id="5" creationId="{00000000-0000-0000-0000-000000000000}"/>
+          </ac:spMkLst>
+        </pc:spChg>
+      </pc:sldChg>
       <pc:sldChg chg="modNotesTx">
-        <pc:chgData name="Gerth Stølting Brodal" userId="04ef4784-6591-4f86-a140-f5c3b108582a" providerId="ADAL" clId="{32101DF0-6FF6-4597-A180-68523FCC3A71}" dt="2024-01-30T12:13:55.070" v="613" actId="20577"/>
+        <pc:chgData name="Gerth Stølting Brodal" userId="04ef4784-6591-4f86-a140-f5c3b108582a" providerId="ADAL" clId="{32101DF0-6FF6-4597-A180-68523FCC3A71}" dt="2024-02-05T07:27:43.505" v="786" actId="20577"/>
+        <pc:sldMkLst>
+          <pc:docMk/>
+          <pc:sldMk cId="1231819641" sldId="360"/>
+        </pc:sldMkLst>
+      </pc:sldChg>
+      <pc:sldChg chg="modSp mod modNotesTx">
+        <pc:chgData name="Gerth Stølting Brodal" userId="04ef4784-6591-4f86-a140-f5c3b108582a" providerId="ADAL" clId="{32101DF0-6FF6-4597-A180-68523FCC3A71}" dt="2024-02-05T07:30:58.038" v="789" actId="1076"/>
         <pc:sldMkLst>
           <pc:docMk/>
           <pc:sldMk cId="937047488" sldId="373"/>
         </pc:sldMkLst>
+        <pc:spChg chg="mod">
+          <ac:chgData name="Gerth Stølting Brodal" userId="04ef4784-6591-4f86-a140-f5c3b108582a" providerId="ADAL" clId="{32101DF0-6FF6-4597-A180-68523FCC3A71}" dt="2024-02-05T07:30:58.038" v="789" actId="1076"/>
+          <ac:spMkLst>
+            <pc:docMk/>
+            <pc:sldMk cId="937047488" sldId="373"/>
+            <ac:spMk id="5" creationId="{00000000-0000-0000-0000-000000000000}"/>
+          </ac:spMkLst>
+        </pc:spChg>
       </pc:sldChg>
       <pc:sldChg chg="modSp mod">
         <pc:chgData name="Gerth Stølting Brodal" userId="04ef4784-6591-4f86-a140-f5c3b108582a" providerId="ADAL" clId="{32101DF0-6FF6-4597-A180-68523FCC3A71}" dt="2024-01-30T12:04:09.394" v="472" actId="20577"/>
@@ -391,7 +421,7 @@
           <a:p>
             <a:fld id="{FB1A172F-81D4-4DC4-9113-1DBD56EC3646}" type="datetimeFigureOut">
               <a:rPr lang="en-US" smtClean="0"/>
-              <a:t>1/30/2024</a:t>
+              <a:t>2/5/2024</a:t>
             </a:fld>
             <a:endParaRPr lang="en-US"/>
           </a:p>
@@ -1302,6 +1332,192 @@
           <a:p>
             <a:r>
               <a:rPr lang="da-DK" dirty="0"/>
+              <a:t>Help </a:t>
+            </a:r>
+            <a:r>
+              <a:rPr lang="da-DK" dirty="0" err="1"/>
+              <a:t>text</a:t>
+            </a:r>
+            <a:r>
+              <a:rPr lang="da-DK" dirty="0"/>
+              <a:t> is the __doc__ </a:t>
+            </a:r>
+            <a:r>
+              <a:rPr lang="da-DK" dirty="0" err="1"/>
+              <a:t>attribute</a:t>
+            </a:r>
+            <a:r>
+              <a:rPr lang="da-DK" dirty="0"/>
+              <a:t>, </a:t>
+            </a:r>
+            <a:r>
+              <a:rPr lang="da-DK" dirty="0" err="1"/>
+              <a:t>e.g</a:t>
+            </a:r>
+            <a:r>
+              <a:rPr lang="da-DK" dirty="0"/>
+              <a:t>. </a:t>
+            </a:r>
+            <a:r>
+              <a:rPr lang="da-DK" dirty="0" err="1"/>
+              <a:t>print.__doc</a:t>
+            </a:r>
+            <a:r>
+              <a:rPr lang="da-DK" dirty="0"/>
+              <a:t>__</a:t>
+            </a:r>
+          </a:p>
+          <a:p>
+            <a:r>
+              <a:rPr lang="da-DK" dirty="0"/>
+              <a:t>IDLE, </a:t>
+            </a:r>
+            <a:r>
+              <a:rPr lang="da-DK" dirty="0" err="1"/>
+              <a:t>VSCode</a:t>
+            </a:r>
+            <a:r>
+              <a:rPr lang="da-DK" dirty="0"/>
+              <a:t>, </a:t>
+            </a:r>
+            <a:r>
+              <a:rPr lang="da-DK" dirty="0" err="1"/>
+              <a:t>etc</a:t>
+            </a:r>
+            <a:r>
+              <a:rPr lang="da-DK" dirty="0"/>
+              <a:t> </a:t>
+            </a:r>
+            <a:r>
+              <a:rPr lang="da-DK" dirty="0" err="1"/>
+              <a:t>use</a:t>
+            </a:r>
+            <a:r>
+              <a:rPr lang="da-DK" dirty="0"/>
+              <a:t> </a:t>
+            </a:r>
+            <a:r>
+              <a:rPr lang="da-DK" dirty="0" err="1"/>
+              <a:t>this</a:t>
+            </a:r>
+            <a:r>
+              <a:rPr lang="da-DK" dirty="0"/>
+              <a:t> information as </a:t>
+            </a:r>
+            <a:r>
+              <a:rPr lang="da-DK" dirty="0" err="1"/>
+              <a:t>help</a:t>
+            </a:r>
+            <a:r>
+              <a:rPr lang="da-DK" dirty="0"/>
+              <a:t> </a:t>
+            </a:r>
+            <a:r>
+              <a:rPr lang="da-DK" dirty="0" err="1"/>
+              <a:t>desk</a:t>
+            </a:r>
+            <a:r>
+              <a:rPr lang="da-DK" dirty="0"/>
+              <a:t> </a:t>
+            </a:r>
+            <a:r>
+              <a:rPr lang="da-DK" dirty="0" err="1"/>
+              <a:t>while</a:t>
+            </a:r>
+            <a:r>
+              <a:rPr lang="da-DK" dirty="0"/>
+              <a:t> </a:t>
+            </a:r>
+            <a:r>
+              <a:rPr lang="da-DK" dirty="0" err="1"/>
+              <a:t>typing</a:t>
+            </a:r>
+            <a:endParaRPr lang="da-DK" dirty="0"/>
+          </a:p>
+        </p:txBody>
+      </p:sp>
+      <p:sp>
+        <p:nvSpPr>
+          <p:cNvPr id="4" name="Slide Number Placeholder 3"/>
+          <p:cNvSpPr>
+            <a:spLocks noGrp="1"/>
+          </p:cNvSpPr>
+          <p:nvPr>
+            <p:ph type="sldNum" sz="quarter" idx="5"/>
+          </p:nvPr>
+        </p:nvSpPr>
+        <p:spPr/>
+        <p:txBody>
+          <a:bodyPr/>
+          <a:lstStyle/>
+          <a:p>
+            <a:fld id="{CD563DD8-32AB-41BE-B1C6-8EAC45222ACE}" type="slidenum">
+              <a:rPr lang="en-US" smtClean="0"/>
+              <a:t>17</a:t>
+            </a:fld>
+            <a:endParaRPr lang="en-US"/>
+          </a:p>
+        </p:txBody>
+      </p:sp>
+    </p:spTree>
+    <p:extLst>
+      <p:ext uri="{BB962C8B-B14F-4D97-AF65-F5344CB8AC3E}">
+        <p14:creationId xmlns:p14="http://schemas.microsoft.com/office/powerpoint/2010/main" val="2499949292"/>
+      </p:ext>
+    </p:extLst>
+  </p:cSld>
+  <p:clrMapOvr>
+    <a:masterClrMapping/>
+  </p:clrMapOvr>
+</p:notes>
+</file>
+
+<file path=ppt/notesSlides/notesSlide15.xml><?xml version="1.0" encoding="utf-8"?>
+<p:notes xmlns:a="http://schemas.openxmlformats.org/drawingml/2006/main" xmlns:r="http://schemas.openxmlformats.org/officeDocument/2006/relationships" xmlns:p="http://schemas.openxmlformats.org/presentationml/2006/main">
+  <p:cSld>
+    <p:spTree>
+      <p:nvGrpSpPr>
+        <p:cNvPr id="1" name=""/>
+        <p:cNvGrpSpPr/>
+        <p:nvPr/>
+      </p:nvGrpSpPr>
+      <p:grpSpPr>
+        <a:xfrm>
+          <a:off x="0" y="0"/>
+          <a:ext cx="0" cy="0"/>
+          <a:chOff x="0" y="0"/>
+          <a:chExt cx="0" cy="0"/>
+        </a:xfrm>
+      </p:grpSpPr>
+      <p:sp>
+        <p:nvSpPr>
+          <p:cNvPr id="2" name="Slide Image Placeholder 1"/>
+          <p:cNvSpPr>
+            <a:spLocks noGrp="1" noRot="1" noChangeAspect="1"/>
+          </p:cNvSpPr>
+          <p:nvPr>
+            <p:ph type="sldImg"/>
+          </p:nvPr>
+        </p:nvSpPr>
+        <p:spPr/>
+      </p:sp>
+      <p:sp>
+        <p:nvSpPr>
+          <p:cNvPr id="3" name="Notes Placeholder 2"/>
+          <p:cNvSpPr>
+            <a:spLocks noGrp="1"/>
+          </p:cNvSpPr>
+          <p:nvPr>
+            <p:ph type="body" idx="1"/>
+          </p:nvPr>
+        </p:nvSpPr>
+        <p:spPr/>
+        <p:txBody>
+          <a:bodyPr/>
+          <a:lstStyle/>
+          <a:p>
+            <a:r>
+              <a:rPr lang="da-DK" dirty="0"/>
               <a:t>In </a:t>
             </a:r>
             <a:r>
@@ -2522,7 +2738,7 @@
           <a:p>
             <a:fld id="{0560A9CD-0304-4E0B-9E82-E7E0115DE05B}" type="datetimeFigureOut">
               <a:rPr lang="en-US" smtClean="0"/>
-              <a:t>1/30/2024</a:t>
+              <a:t>2/5/2024</a:t>
             </a:fld>
             <a:endParaRPr lang="en-US"/>
           </a:p>
@@ -2690,7 +2906,7 @@
           <a:p>
             <a:fld id="{0560A9CD-0304-4E0B-9E82-E7E0115DE05B}" type="datetimeFigureOut">
               <a:rPr lang="en-US" smtClean="0"/>
-              <a:t>1/30/2024</a:t>
+              <a:t>2/5/2024</a:t>
             </a:fld>
             <a:endParaRPr lang="en-US"/>
           </a:p>
@@ -2868,7 +3084,7 @@
           <a:p>
             <a:fld id="{0560A9CD-0304-4E0B-9E82-E7E0115DE05B}" type="datetimeFigureOut">
               <a:rPr lang="en-US" smtClean="0"/>
-              <a:t>1/30/2024</a:t>
+              <a:t>2/5/2024</a:t>
             </a:fld>
             <a:endParaRPr lang="en-US"/>
           </a:p>
@@ -3045,7 +3261,7 @@
           <a:p>
             <a:fld id="{0560A9CD-0304-4E0B-9E82-E7E0115DE05B}" type="datetimeFigureOut">
               <a:rPr lang="en-US" smtClean="0"/>
-              <a:t>1/30/2024</a:t>
+              <a:t>2/5/2024</a:t>
             </a:fld>
             <a:endParaRPr lang="en-US"/>
           </a:p>
@@ -3290,7 +3506,7 @@
           <a:p>
             <a:fld id="{0560A9CD-0304-4E0B-9E82-E7E0115DE05B}" type="datetimeFigureOut">
               <a:rPr lang="en-US" smtClean="0"/>
-              <a:t>1/30/2024</a:t>
+              <a:t>2/5/2024</a:t>
             </a:fld>
             <a:endParaRPr lang="en-US"/>
           </a:p>
@@ -3519,7 +3735,7 @@
           <a:p>
             <a:fld id="{0560A9CD-0304-4E0B-9E82-E7E0115DE05B}" type="datetimeFigureOut">
               <a:rPr lang="en-US" smtClean="0"/>
-              <a:t>1/30/2024</a:t>
+              <a:t>2/5/2024</a:t>
             </a:fld>
             <a:endParaRPr lang="en-US"/>
           </a:p>
@@ -3883,7 +4099,7 @@
           <a:p>
             <a:fld id="{0560A9CD-0304-4E0B-9E82-E7E0115DE05B}" type="datetimeFigureOut">
               <a:rPr lang="en-US" smtClean="0"/>
-              <a:t>1/30/2024</a:t>
+              <a:t>2/5/2024</a:t>
             </a:fld>
             <a:endParaRPr lang="en-US"/>
           </a:p>
@@ -4000,7 +4216,7 @@
           <a:p>
             <a:fld id="{0560A9CD-0304-4E0B-9E82-E7E0115DE05B}" type="datetimeFigureOut">
               <a:rPr lang="en-US" smtClean="0"/>
-              <a:t>1/30/2024</a:t>
+              <a:t>2/5/2024</a:t>
             </a:fld>
             <a:endParaRPr lang="en-US"/>
           </a:p>
@@ -4095,7 +4311,7 @@
           <a:p>
             <a:fld id="{0560A9CD-0304-4E0B-9E82-E7E0115DE05B}" type="datetimeFigureOut">
               <a:rPr lang="en-US" smtClean="0"/>
-              <a:t>1/30/2024</a:t>
+              <a:t>2/5/2024</a:t>
             </a:fld>
             <a:endParaRPr lang="en-US"/>
           </a:p>
@@ -4370,7 +4586,7 @@
           <a:p>
             <a:fld id="{0560A9CD-0304-4E0B-9E82-E7E0115DE05B}" type="datetimeFigureOut">
               <a:rPr lang="en-US" smtClean="0"/>
-              <a:t>1/30/2024</a:t>
+              <a:t>2/5/2024</a:t>
             </a:fld>
             <a:endParaRPr lang="en-US"/>
           </a:p>
@@ -4622,7 +4838,7 @@
           <a:p>
             <a:fld id="{0560A9CD-0304-4E0B-9E82-E7E0115DE05B}" type="datetimeFigureOut">
               <a:rPr lang="en-US" smtClean="0"/>
-              <a:t>1/30/2024</a:t>
+              <a:t>2/5/2024</a:t>
             </a:fld>
             <a:endParaRPr lang="en-US"/>
           </a:p>
@@ -4833,7 +5049,7 @@
           <a:p>
             <a:fld id="{0560A9CD-0304-4E0B-9E82-E7E0115DE05B}" type="datetimeFigureOut">
               <a:rPr lang="en-US" smtClean="0"/>
-              <a:t>1/30/2024</a:t>
+              <a:t>2/5/2024</a:t>
             </a:fld>
             <a:endParaRPr lang="en-US"/>
           </a:p>
@@ -12834,6 +13050,9 @@
               <a:rPr lang="en-US" sz="2400" dirty="0"/>
               <a:t>default behavior can be changed by </a:t>
             </a:r>
+            <a:br>
+              <a:rPr lang="en-US" sz="2400" dirty="0"/>
+            </a:br>
             <a:r>
               <a:rPr lang="en-US" sz="2400" b="1" dirty="0"/>
               <a:t>keyword arguments</a:t>
@@ -16129,8 +16348,8 @@
           <p:nvPr/>
         </p:nvSpPr>
         <p:spPr>
-          <a:xfrm rot="2068057">
-            <a:off x="6463545" y="1679649"/>
+          <a:xfrm rot="3386412">
+            <a:off x="6777980" y="1870802"/>
             <a:ext cx="888384" cy="1530194"/>
           </a:xfrm>
           <a:prstGeom prst="downArrow">

--- a/ipsa/slides/basics.pptx
+++ b/ipsa/slides/basics.pptx
@@ -138,7 +138,7 @@
 <file path=ppt/revisionInfo.xml><?xml version="1.0" encoding="utf-8"?>
 <p1510:revInfo xmlns:a="http://schemas.openxmlformats.org/drawingml/2006/main" xmlns:r="http://schemas.openxmlformats.org/officeDocument/2006/relationships" xmlns:p1510="http://schemas.microsoft.com/office/powerpoint/2015/10/main">
   <p1510:revLst>
-    <p1510:client id="{32101DF0-6FF6-4597-A180-68523FCC3A71}" v="30" dt="2024-01-30T12:09:10.474"/>
+    <p1510:client id="{32101DF0-6FF6-4597-A180-68523FCC3A71}" v="35" dt="2024-02-12T06:46:12.427"/>
   </p1510:revLst>
 </p1510:revInfo>
 </file>
@@ -202,7 +202,7 @@
   <pc:docChgLst>
     <pc:chgData name="Gerth Stølting Brodal" userId="04ef4784-6591-4f86-a140-f5c3b108582a" providerId="ADAL" clId="{32101DF0-6FF6-4597-A180-68523FCC3A71}"/>
     <pc:docChg chg="undo redo custSel addSld delSld modSld">
-      <pc:chgData name="Gerth Stølting Brodal" userId="04ef4784-6591-4f86-a140-f5c3b108582a" providerId="ADAL" clId="{32101DF0-6FF6-4597-A180-68523FCC3A71}" dt="2024-02-05T07:30:58.038" v="789" actId="1076"/>
+      <pc:chgData name="Gerth Stølting Brodal" userId="04ef4784-6591-4f86-a140-f5c3b108582a" providerId="ADAL" clId="{32101DF0-6FF6-4597-A180-68523FCC3A71}" dt="2024-02-12T06:59:00.840" v="932" actId="1038"/>
       <pc:docMkLst>
         <pc:docMk/>
       </pc:docMkLst>
@@ -258,6 +258,53 @@
             <ac:graphicFrameMk id="5" creationId="{8D7C0AFF-3BA6-E948-38DA-52CC18F330D1}"/>
           </ac:graphicFrameMkLst>
         </pc:graphicFrameChg>
+      </pc:sldChg>
+      <pc:sldChg chg="addSp delSp modSp mod">
+        <pc:chgData name="Gerth Stølting Brodal" userId="04ef4784-6591-4f86-a140-f5c3b108582a" providerId="ADAL" clId="{32101DF0-6FF6-4597-A180-68523FCC3A71}" dt="2024-02-12T06:59:00.840" v="932" actId="1038"/>
+        <pc:sldMkLst>
+          <pc:docMk/>
+          <pc:sldMk cId="3514810135" sldId="348"/>
+        </pc:sldMkLst>
+        <pc:spChg chg="mod">
+          <ac:chgData name="Gerth Stølting Brodal" userId="04ef4784-6591-4f86-a140-f5c3b108582a" providerId="ADAL" clId="{32101DF0-6FF6-4597-A180-68523FCC3A71}" dt="2024-02-12T06:54:00.094" v="893" actId="207"/>
+          <ac:spMkLst>
+            <pc:docMk/>
+            <pc:sldMk cId="3514810135" sldId="348"/>
+            <ac:spMk id="3" creationId="{00000000-0000-0000-0000-000000000000}"/>
+          </ac:spMkLst>
+        </pc:spChg>
+        <pc:graphicFrameChg chg="mod modGraphic">
+          <ac:chgData name="Gerth Stølting Brodal" userId="04ef4784-6591-4f86-a140-f5c3b108582a" providerId="ADAL" clId="{32101DF0-6FF6-4597-A180-68523FCC3A71}" dt="2024-02-12T06:44:22.688" v="835" actId="1076"/>
+          <ac:graphicFrameMkLst>
+            <pc:docMk/>
+            <pc:sldMk cId="3514810135" sldId="348"/>
+            <ac:graphicFrameMk id="5" creationId="{00000000-0000-0000-0000-000000000000}"/>
+          </ac:graphicFrameMkLst>
+        </pc:graphicFrameChg>
+        <pc:picChg chg="add del mod">
+          <ac:chgData name="Gerth Stølting Brodal" userId="04ef4784-6591-4f86-a140-f5c3b108582a" providerId="ADAL" clId="{32101DF0-6FF6-4597-A180-68523FCC3A71}" dt="2024-02-12T06:58:55.756" v="898" actId="478"/>
+          <ac:picMkLst>
+            <pc:docMk/>
+            <pc:sldMk cId="3514810135" sldId="348"/>
+            <ac:picMk id="6" creationId="{EA97D6DB-552D-44F4-E379-2FE24B515CEE}"/>
+          </ac:picMkLst>
+        </pc:picChg>
+        <pc:picChg chg="add del mod">
+          <ac:chgData name="Gerth Stølting Brodal" userId="04ef4784-6591-4f86-a140-f5c3b108582a" providerId="ADAL" clId="{32101DF0-6FF6-4597-A180-68523FCC3A71}" dt="2024-02-12T06:58:55.756" v="898" actId="478"/>
+          <ac:picMkLst>
+            <pc:docMk/>
+            <pc:sldMk cId="3514810135" sldId="348"/>
+            <ac:picMk id="8" creationId="{FC019620-DD01-65D7-E4A8-A13DBAC24201}"/>
+          </ac:picMkLst>
+        </pc:picChg>
+        <pc:picChg chg="add mod">
+          <ac:chgData name="Gerth Stølting Brodal" userId="04ef4784-6591-4f86-a140-f5c3b108582a" providerId="ADAL" clId="{32101DF0-6FF6-4597-A180-68523FCC3A71}" dt="2024-02-12T06:59:00.840" v="932" actId="1038"/>
+          <ac:picMkLst>
+            <pc:docMk/>
+            <pc:sldMk cId="3514810135" sldId="348"/>
+            <ac:picMk id="10" creationId="{A343C886-CA90-B93F-6EB1-6542DA157086}"/>
+          </ac:picMkLst>
+        </pc:picChg>
       </pc:sldChg>
       <pc:sldChg chg="modSp mod">
         <pc:chgData name="Gerth Stølting Brodal" userId="04ef4784-6591-4f86-a140-f5c3b108582a" providerId="ADAL" clId="{32101DF0-6FF6-4597-A180-68523FCC3A71}" dt="2024-02-05T07:22:49.893" v="614" actId="20577"/>
@@ -421,7 +468,7 @@
           <a:p>
             <a:fld id="{FB1A172F-81D4-4DC4-9113-1DBD56EC3646}" type="datetimeFigureOut">
               <a:rPr lang="en-US" smtClean="0"/>
-              <a:t>2/5/2024</a:t>
+              <a:t>2/12/2024</a:t>
             </a:fld>
             <a:endParaRPr lang="en-US"/>
           </a:p>
@@ -2738,7 +2785,7 @@
           <a:p>
             <a:fld id="{0560A9CD-0304-4E0B-9E82-E7E0115DE05B}" type="datetimeFigureOut">
               <a:rPr lang="en-US" smtClean="0"/>
-              <a:t>2/5/2024</a:t>
+              <a:t>2/12/2024</a:t>
             </a:fld>
             <a:endParaRPr lang="en-US"/>
           </a:p>
@@ -2906,7 +2953,7 @@
           <a:p>
             <a:fld id="{0560A9CD-0304-4E0B-9E82-E7E0115DE05B}" type="datetimeFigureOut">
               <a:rPr lang="en-US" smtClean="0"/>
-              <a:t>2/5/2024</a:t>
+              <a:t>2/12/2024</a:t>
             </a:fld>
             <a:endParaRPr lang="en-US"/>
           </a:p>
@@ -3084,7 +3131,7 @@
           <a:p>
             <a:fld id="{0560A9CD-0304-4E0B-9E82-E7E0115DE05B}" type="datetimeFigureOut">
               <a:rPr lang="en-US" smtClean="0"/>
-              <a:t>2/5/2024</a:t>
+              <a:t>2/12/2024</a:t>
             </a:fld>
             <a:endParaRPr lang="en-US"/>
           </a:p>
@@ -3261,7 +3308,7 @@
           <a:p>
             <a:fld id="{0560A9CD-0304-4E0B-9E82-E7E0115DE05B}" type="datetimeFigureOut">
               <a:rPr lang="en-US" smtClean="0"/>
-              <a:t>2/5/2024</a:t>
+              <a:t>2/12/2024</a:t>
             </a:fld>
             <a:endParaRPr lang="en-US"/>
           </a:p>
@@ -3506,7 +3553,7 @@
           <a:p>
             <a:fld id="{0560A9CD-0304-4E0B-9E82-E7E0115DE05B}" type="datetimeFigureOut">
               <a:rPr lang="en-US" smtClean="0"/>
-              <a:t>2/5/2024</a:t>
+              <a:t>2/12/2024</a:t>
             </a:fld>
             <a:endParaRPr lang="en-US"/>
           </a:p>
@@ -3735,7 +3782,7 @@
           <a:p>
             <a:fld id="{0560A9CD-0304-4E0B-9E82-E7E0115DE05B}" type="datetimeFigureOut">
               <a:rPr lang="en-US" smtClean="0"/>
-              <a:t>2/5/2024</a:t>
+              <a:t>2/12/2024</a:t>
             </a:fld>
             <a:endParaRPr lang="en-US"/>
           </a:p>
@@ -4099,7 +4146,7 @@
           <a:p>
             <a:fld id="{0560A9CD-0304-4E0B-9E82-E7E0115DE05B}" type="datetimeFigureOut">
               <a:rPr lang="en-US" smtClean="0"/>
-              <a:t>2/5/2024</a:t>
+              <a:t>2/12/2024</a:t>
             </a:fld>
             <a:endParaRPr lang="en-US"/>
           </a:p>
@@ -4216,7 +4263,7 @@
           <a:p>
             <a:fld id="{0560A9CD-0304-4E0B-9E82-E7E0115DE05B}" type="datetimeFigureOut">
               <a:rPr lang="en-US" smtClean="0"/>
-              <a:t>2/5/2024</a:t>
+              <a:t>2/12/2024</a:t>
             </a:fld>
             <a:endParaRPr lang="en-US"/>
           </a:p>
@@ -4311,7 +4358,7 @@
           <a:p>
             <a:fld id="{0560A9CD-0304-4E0B-9E82-E7E0115DE05B}" type="datetimeFigureOut">
               <a:rPr lang="en-US" smtClean="0"/>
-              <a:t>2/5/2024</a:t>
+              <a:t>2/12/2024</a:t>
             </a:fld>
             <a:endParaRPr lang="en-US"/>
           </a:p>
@@ -4586,7 +4633,7 @@
           <a:p>
             <a:fld id="{0560A9CD-0304-4E0B-9E82-E7E0115DE05B}" type="datetimeFigureOut">
               <a:rPr lang="en-US" smtClean="0"/>
-              <a:t>2/5/2024</a:t>
+              <a:t>2/12/2024</a:t>
             </a:fld>
             <a:endParaRPr lang="en-US"/>
           </a:p>
@@ -4838,7 +4885,7 @@
           <a:p>
             <a:fld id="{0560A9CD-0304-4E0B-9E82-E7E0115DE05B}" type="datetimeFigureOut">
               <a:rPr lang="en-US" smtClean="0"/>
-              <a:t>2/5/2024</a:t>
+              <a:t>2/12/2024</a:t>
             </a:fld>
             <a:endParaRPr lang="en-US"/>
           </a:p>
@@ -5049,7 +5096,7 @@
           <a:p>
             <a:fld id="{0560A9CD-0304-4E0B-9E82-E7E0115DE05B}" type="datetimeFigureOut">
               <a:rPr lang="en-US" smtClean="0"/>
-              <a:t>2/5/2024</a:t>
+              <a:t>2/12/2024</a:t>
             </a:fld>
             <a:endParaRPr lang="en-US"/>
           </a:p>
@@ -9890,10 +9937,13 @@
             <a:off x="838200" y="1612803"/>
             <a:ext cx="7154606" cy="5245197"/>
           </a:xfrm>
+          <a:solidFill>
+            <a:srgbClr val="DAE3F3"/>
+          </a:solidFill>
         </p:spPr>
         <p:txBody>
           <a:bodyPr>
-            <a:normAutofit fontScale="92500" lnSpcReduction="10000"/>
+            <a:normAutofit fontScale="92500" lnSpcReduction="20000"/>
           </a:bodyPr>
           <a:lstStyle/>
           <a:p>
@@ -10142,16 +10192,10 @@
             </a:pPr>
             <a:r>
               <a:rPr lang="da-DK" sz="1800" dirty="0">
-                <a:latin typeface="Courier"/>
-              </a:rPr>
-              <a:t>\</a:t>
-            </a:r>
-            <a:r>
-              <a:rPr lang="da-DK" sz="1800" dirty="0">
-                <a:latin typeface="Courier"/>
+                <a:latin typeface="Courier New" panose="02070309020205020404" pitchFamily="49" charset="0"/>
                 <a:cs typeface="Courier New" panose="02070309020205020404" pitchFamily="49" charset="0"/>
               </a:rPr>
-              <a:t>'</a:t>
+              <a:t>\'</a:t>
             </a:r>
             <a:r>
               <a:rPr lang="da-DK" dirty="0">
@@ -10192,6 +10236,41 @@
             <a:endParaRPr lang="da-DK" dirty="0"/>
           </a:p>
           <a:p>
+            <a:pPr marL="914400" lvl="2" indent="0">
+              <a:buNone/>
+            </a:pPr>
+            <a:r>
+              <a:rPr lang="da-DK" sz="1800" dirty="0">
+                <a:latin typeface="Courier"/>
+              </a:rPr>
+              <a:t>\N{</a:t>
+            </a:r>
+            <a:r>
+              <a:rPr lang="da-DK" sz="1800" i="1" dirty="0" err="1">
+                <a:hlinkClick r:id="rId3"/>
+              </a:rPr>
+              <a:t>unicode</a:t>
+            </a:r>
+            <a:r>
+              <a:rPr lang="da-DK" sz="1800" i="1" dirty="0">
+                <a:hlinkClick r:id="rId3"/>
+              </a:rPr>
+              <a:t> </a:t>
+            </a:r>
+            <a:r>
+              <a:rPr lang="da-DK" sz="1800" i="1" dirty="0" err="1">
+                <a:hlinkClick r:id="rId3"/>
+              </a:rPr>
+              <a:t>name</a:t>
+            </a:r>
+            <a:r>
+              <a:rPr lang="da-DK" sz="1800" dirty="0">
+                <a:latin typeface="Courier"/>
+              </a:rPr>
+              <a:t>}  </a:t>
+            </a:r>
+          </a:p>
+          <a:p>
             <a:r>
               <a:rPr lang="da-DK" dirty="0"/>
               <a:t>A backslash (</a:t>
@@ -10205,7 +10284,7 @@
             </a:r>
             <a:r>
               <a:rPr lang="da-DK" dirty="0"/>
-              <a:t>) a the end of line, </a:t>
+              <a:t>) at the end of line, </a:t>
             </a:r>
             <a:br>
               <a:rPr lang="da-DK" dirty="0"/>
@@ -10357,7 +10436,7 @@
             </a:r>
             <a:r>
               <a:rPr lang="da-DK" sz="2600" dirty="0">
-                <a:hlinkClick r:id="rId3"/>
+                <a:hlinkClick r:id="rId4"/>
               </a:rPr>
               <a:t>PEP 257</a:t>
             </a:r>
@@ -10381,14 +10460,14 @@
           <p:nvPr>
             <p:extLst>
               <p:ext uri="{D42A27DB-BD31-4B8C-83A1-F6EECF244321}">
-                <p14:modId xmlns:p14="http://schemas.microsoft.com/office/powerpoint/2010/main" val="1726289904"/>
+                <p14:modId xmlns:p14="http://schemas.microsoft.com/office/powerpoint/2010/main" val="627423515"/>
               </p:ext>
             </p:extLst>
           </p:nvPr>
         </p:nvGraphicFramePr>
         <p:xfrm>
-          <a:off x="8517522" y="1489850"/>
-          <a:ext cx="3360994" cy="5039883"/>
+          <a:off x="8531170" y="752871"/>
+          <a:ext cx="3360994" cy="5862843"/>
         </p:xfrm>
         <a:graphic>
           <a:graphicData uri="http://schemas.openxmlformats.org/drawingml/2006/table">
@@ -10564,13 +10643,18 @@
                         </a:rPr>
                         <a:t>print("p\\q\tr")</a:t>
                       </a:r>
-                      <a:endParaRPr lang="en-US" sz="1800" b="1" dirty="0">
-                        <a:solidFill>
-                          <a:srgbClr val="C00000"/>
-                        </a:solidFill>
-                        <a:latin typeface="Courier New" panose="02070309020205020404" pitchFamily="49" charset="0"/>
-                        <a:cs typeface="Courier New" panose="02070309020205020404" pitchFamily="49" charset="0"/>
-                      </a:endParaRPr>
+                    </a:p>
+                    <a:p>
+                      <a:r>
+                        <a:rPr lang="en-US" sz="1800" b="1" dirty="0">
+                          <a:solidFill>
+                            <a:schemeClr val="tx1"/>
+                          </a:solidFill>
+                          <a:latin typeface="Courier New" panose="02070309020205020404" pitchFamily="49" charset="0"/>
+                          <a:cs typeface="Courier New" panose="02070309020205020404" pitchFamily="49" charset="0"/>
+                        </a:rPr>
+                        <a:t>print("\N{SNOWMAN}")</a:t>
+                      </a:r>
                     </a:p>
                   </a:txBody>
                   <a:tcPr>
@@ -10855,6 +10939,13 @@
                         </a:rPr>
                         <a:t>l'"</a:t>
                       </a:r>
+                      <a:endParaRPr lang="en-US" sz="1800" b="1" dirty="0">
+                        <a:solidFill>
+                          <a:srgbClr val="FFFFFF"/>
+                        </a:solidFill>
+                        <a:latin typeface="Courier New" panose="02070309020205020404" pitchFamily="49" charset="0"/>
+                        <a:cs typeface="Courier New" panose="02070309020205020404" pitchFamily="49" charset="0"/>
+                      </a:endParaRPr>
                     </a:p>
                     <a:p>
                       <a:r>
@@ -10886,6 +10977,24 @@
                         </a:rPr>
                         <a:t>p\q     r</a:t>
                       </a:r>
+                    </a:p>
+                    <a:p>
+                      <a:endParaRPr lang="en-US" sz="1800" b="1" dirty="0">
+                        <a:solidFill>
+                          <a:schemeClr val="tx1"/>
+                        </a:solidFill>
+                        <a:latin typeface="Courier New" panose="02070309020205020404" pitchFamily="49" charset="0"/>
+                        <a:cs typeface="Courier New" panose="02070309020205020404" pitchFamily="49" charset="0"/>
+                      </a:endParaRPr>
+                    </a:p>
+                    <a:p>
+                      <a:endParaRPr lang="en-US" sz="1800" b="1" dirty="0">
+                        <a:solidFill>
+                          <a:schemeClr val="tx1"/>
+                        </a:solidFill>
+                        <a:latin typeface="Courier New" panose="02070309020205020404" pitchFamily="49" charset="0"/>
+                        <a:cs typeface="Courier New" panose="02070309020205020404" pitchFamily="49" charset="0"/>
+                      </a:endParaRPr>
                     </a:p>
                   </a:txBody>
                   <a:tcPr>
@@ -10951,6 +11060,36 @@
           </a:graphicData>
         </a:graphic>
       </p:graphicFrame>
+      <p:pic>
+        <p:nvPicPr>
+          <p:cNvPr id="10" name="Picture 9">
+            <a:extLst>
+              <a:ext uri="{FF2B5EF4-FFF2-40B4-BE49-F238E27FC236}">
+                <a16:creationId xmlns:a16="http://schemas.microsoft.com/office/drawing/2014/main" id="{A343C886-CA90-B93F-6EB1-6542DA157086}"/>
+              </a:ext>
+            </a:extLst>
+          </p:cNvPr>
+          <p:cNvPicPr>
+            <a:picLocks noChangeAspect="1"/>
+          </p:cNvPicPr>
+          <p:nvPr/>
+        </p:nvPicPr>
+        <p:blipFill>
+          <a:blip r:embed="rId5"/>
+          <a:stretch>
+            <a:fillRect/>
+          </a:stretch>
+        </p:blipFill>
+        <p:spPr>
+          <a:xfrm>
+            <a:off x="8567735" y="6062388"/>
+            <a:ext cx="508026" cy="514376"/>
+          </a:xfrm>
+          <a:prstGeom prst="rect">
+            <a:avLst/>
+          </a:prstGeom>
+        </p:spPr>
+      </p:pic>
     </p:spTree>
     <p:extLst>
       <p:ext uri="{BB962C8B-B14F-4D97-AF65-F5344CB8AC3E}">

--- a/ipsa/slides/basics.pptx
+++ b/ipsa/slides/basics.pptx
@@ -135,14 +135,6 @@
 </p:presentation>
 </file>
 
-<file path=ppt/revisionInfo.xml><?xml version="1.0" encoding="utf-8"?>
-<p1510:revInfo xmlns:a="http://schemas.openxmlformats.org/drawingml/2006/main" xmlns:r="http://schemas.openxmlformats.org/officeDocument/2006/relationships" xmlns:p1510="http://schemas.microsoft.com/office/powerpoint/2015/10/main">
-  <p1510:revLst>
-    <p1510:client id="{32101DF0-6FF6-4597-A180-68523FCC3A71}" v="35" dt="2024-02-12T06:46:12.427"/>
-  </p1510:revLst>
-</p1510:revInfo>
-</file>
-
 <file path=ppt/changesInfos/changesInfo1.xml><?xml version="1.0" encoding="utf-8"?>
 <pc:chgInfo xmlns:a="http://schemas.openxmlformats.org/drawingml/2006/main" xmlns:r="http://schemas.openxmlformats.org/officeDocument/2006/relationships" xmlns:ac="http://schemas.microsoft.com/office/drawing/2013/main/command" xmlns:pc="http://schemas.microsoft.com/office/powerpoint/2013/main/command">
   <pc:docChgLst>
@@ -158,14 +150,6 @@
           <pc:docMk/>
           <pc:sldMk cId="81647366" sldId="347"/>
         </pc:sldMkLst>
-        <pc:spChg chg="mod">
-          <ac:chgData name="Gerth Stølting Brodal" userId="04ef4784-6591-4f86-a140-f5c3b108582a" providerId="ADAL" clId="{2CF3E644-D673-41C4-B91E-2DD09D5FA5DD}" dt="2022-01-29T16:19:31.947" v="7" actId="27636"/>
-          <ac:spMkLst>
-            <pc:docMk/>
-            <pc:sldMk cId="81647366" sldId="347"/>
-            <ac:spMk id="3" creationId="{00000000-0000-0000-0000-000000000000}"/>
-          </ac:spMkLst>
-        </pc:spChg>
       </pc:sldChg>
       <pc:sldChg chg="modSp mod">
         <pc:chgData name="Gerth Stølting Brodal" userId="04ef4784-6591-4f86-a140-f5c3b108582a" providerId="ADAL" clId="{2CF3E644-D673-41C4-B91E-2DD09D5FA5DD}" dt="2022-02-06T09:46:59.135" v="29" actId="1035"/>
@@ -173,14 +157,6 @@
           <pc:docMk/>
           <pc:sldMk cId="1252763104" sldId="358"/>
         </pc:sldMkLst>
-        <pc:picChg chg="mod">
-          <ac:chgData name="Gerth Stølting Brodal" userId="04ef4784-6591-4f86-a140-f5c3b108582a" providerId="ADAL" clId="{2CF3E644-D673-41C4-B91E-2DD09D5FA5DD}" dt="2022-02-06T09:46:59.135" v="29" actId="1035"/>
-          <ac:picMkLst>
-            <pc:docMk/>
-            <pc:sldMk cId="1252763104" sldId="358"/>
-            <ac:picMk id="9" creationId="{00000000-0000-0000-0000-000000000000}"/>
-          </ac:picMkLst>
-        </pc:picChg>
       </pc:sldChg>
       <pc:sldChg chg="modSp modAnim">
         <pc:chgData name="Gerth Stølting Brodal" userId="04ef4784-6591-4f86-a140-f5c3b108582a" providerId="ADAL" clId="{2CF3E644-D673-41C4-B91E-2DD09D5FA5DD}" dt="2022-01-29T16:19:58.858" v="27" actId="20577"/>
@@ -188,11 +164,27 @@
           <pc:docMk/>
           <pc:sldMk cId="247088337" sldId="361"/>
         </pc:sldMkLst>
+      </pc:sldChg>
+    </pc:docChg>
+  </pc:docChgLst>
+  <pc:docChgLst>
+    <pc:chgData name="Gerth Stølting Brodal" userId="04ef4784-6591-4f86-a140-f5c3b108582a" providerId="ADAL" clId="{19B2619F-AF11-406A-8620-690814C4F2A4}"/>
+    <pc:docChg chg="modSld">
+      <pc:chgData name="Gerth Stølting Brodal" userId="04ef4784-6591-4f86-a140-f5c3b108582a" providerId="ADAL" clId="{19B2619F-AF11-406A-8620-690814C4F2A4}" dt="2025-01-30T08:57:37.226" v="94" actId="20577"/>
+      <pc:docMkLst>
+        <pc:docMk/>
+      </pc:docMkLst>
+      <pc:sldChg chg="modSp mod">
+        <pc:chgData name="Gerth Stølting Brodal" userId="04ef4784-6591-4f86-a140-f5c3b108582a" providerId="ADAL" clId="{19B2619F-AF11-406A-8620-690814C4F2A4}" dt="2025-01-30T08:57:37.226" v="94" actId="20577"/>
+        <pc:sldMkLst>
+          <pc:docMk/>
+          <pc:sldMk cId="48303750" sldId="357"/>
+        </pc:sldMkLst>
         <pc:spChg chg="mod">
-          <ac:chgData name="Gerth Stølting Brodal" userId="04ef4784-6591-4f86-a140-f5c3b108582a" providerId="ADAL" clId="{2CF3E644-D673-41C4-B91E-2DD09D5FA5DD}" dt="2022-01-29T16:19:58.858" v="27" actId="20577"/>
+          <ac:chgData name="Gerth Stølting Brodal" userId="04ef4784-6591-4f86-a140-f5c3b108582a" providerId="ADAL" clId="{19B2619F-AF11-406A-8620-690814C4F2A4}" dt="2025-01-30T08:57:37.226" v="94" actId="20577"/>
           <ac:spMkLst>
             <pc:docMk/>
-            <pc:sldMk cId="247088337" sldId="361"/>
+            <pc:sldMk cId="48303750" sldId="357"/>
             <ac:spMk id="3" creationId="{00000000-0000-0000-0000-000000000000}"/>
           </ac:spMkLst>
         </pc:spChg>
@@ -212,14 +204,6 @@
           <pc:docMk/>
           <pc:sldMk cId="764548202" sldId="260"/>
         </pc:sldMkLst>
-        <pc:spChg chg="mod">
-          <ac:chgData name="Gerth Stølting Brodal" userId="04ef4784-6591-4f86-a140-f5c3b108582a" providerId="ADAL" clId="{32101DF0-6FF6-4597-A180-68523FCC3A71}" dt="2024-01-30T12:09:10.468" v="473" actId="2711"/>
-          <ac:spMkLst>
-            <pc:docMk/>
-            <pc:sldMk cId="764548202" sldId="260"/>
-            <ac:spMk id="5" creationId="{00000000-0000-0000-0000-000000000000}"/>
-          </ac:spMkLst>
-        </pc:spChg>
       </pc:sldChg>
       <pc:sldChg chg="modSp mod">
         <pc:chgData name="Gerth Stølting Brodal" userId="04ef4784-6591-4f86-a140-f5c3b108582a" providerId="ADAL" clId="{32101DF0-6FF6-4597-A180-68523FCC3A71}" dt="2024-01-30T11:21:18.032" v="103" actId="20577"/>
@@ -227,14 +211,6 @@
           <pc:docMk/>
           <pc:sldMk cId="2622067556" sldId="289"/>
         </pc:sldMkLst>
-        <pc:spChg chg="mod">
-          <ac:chgData name="Gerth Stølting Brodal" userId="04ef4784-6591-4f86-a140-f5c3b108582a" providerId="ADAL" clId="{32101DF0-6FF6-4597-A180-68523FCC3A71}" dt="2024-01-30T11:21:18.032" v="103" actId="20577"/>
-          <ac:spMkLst>
-            <pc:docMk/>
-            <pc:sldMk cId="2622067556" sldId="289"/>
-            <ac:spMk id="3" creationId="{00000000-0000-0000-0000-000000000000}"/>
-          </ac:spMkLst>
-        </pc:spChg>
       </pc:sldChg>
       <pc:sldChg chg="addSp modSp mod modNotesTx">
         <pc:chgData name="Gerth Stølting Brodal" userId="04ef4784-6591-4f86-a140-f5c3b108582a" providerId="ADAL" clId="{32101DF0-6FF6-4597-A180-68523FCC3A71}" dt="2024-01-30T11:43:33.271" v="471" actId="20577"/>
@@ -242,22 +218,6 @@
           <pc:docMk/>
           <pc:sldMk cId="81647366" sldId="347"/>
         </pc:sldMkLst>
-        <pc:spChg chg="mod">
-          <ac:chgData name="Gerth Stølting Brodal" userId="04ef4784-6591-4f86-a140-f5c3b108582a" providerId="ADAL" clId="{32101DF0-6FF6-4597-A180-68523FCC3A71}" dt="2024-01-30T11:41:25.222" v="376" actId="27636"/>
-          <ac:spMkLst>
-            <pc:docMk/>
-            <pc:sldMk cId="81647366" sldId="347"/>
-            <ac:spMk id="3" creationId="{00000000-0000-0000-0000-000000000000}"/>
-          </ac:spMkLst>
-        </pc:spChg>
-        <pc:graphicFrameChg chg="add mod modGraphic">
-          <ac:chgData name="Gerth Stølting Brodal" userId="04ef4784-6591-4f86-a140-f5c3b108582a" providerId="ADAL" clId="{32101DF0-6FF6-4597-A180-68523FCC3A71}" dt="2024-01-30T11:42:31.371" v="392" actId="1076"/>
-          <ac:graphicFrameMkLst>
-            <pc:docMk/>
-            <pc:sldMk cId="81647366" sldId="347"/>
-            <ac:graphicFrameMk id="5" creationId="{8D7C0AFF-3BA6-E948-38DA-52CC18F330D1}"/>
-          </ac:graphicFrameMkLst>
-        </pc:graphicFrameChg>
       </pc:sldChg>
       <pc:sldChg chg="addSp delSp modSp mod">
         <pc:chgData name="Gerth Stølting Brodal" userId="04ef4784-6591-4f86-a140-f5c3b108582a" providerId="ADAL" clId="{32101DF0-6FF6-4597-A180-68523FCC3A71}" dt="2024-02-12T06:59:00.840" v="932" actId="1038"/>
@@ -265,46 +225,6 @@
           <pc:docMk/>
           <pc:sldMk cId="3514810135" sldId="348"/>
         </pc:sldMkLst>
-        <pc:spChg chg="mod">
-          <ac:chgData name="Gerth Stølting Brodal" userId="04ef4784-6591-4f86-a140-f5c3b108582a" providerId="ADAL" clId="{32101DF0-6FF6-4597-A180-68523FCC3A71}" dt="2024-02-12T06:54:00.094" v="893" actId="207"/>
-          <ac:spMkLst>
-            <pc:docMk/>
-            <pc:sldMk cId="3514810135" sldId="348"/>
-            <ac:spMk id="3" creationId="{00000000-0000-0000-0000-000000000000}"/>
-          </ac:spMkLst>
-        </pc:spChg>
-        <pc:graphicFrameChg chg="mod modGraphic">
-          <ac:chgData name="Gerth Stølting Brodal" userId="04ef4784-6591-4f86-a140-f5c3b108582a" providerId="ADAL" clId="{32101DF0-6FF6-4597-A180-68523FCC3A71}" dt="2024-02-12T06:44:22.688" v="835" actId="1076"/>
-          <ac:graphicFrameMkLst>
-            <pc:docMk/>
-            <pc:sldMk cId="3514810135" sldId="348"/>
-            <ac:graphicFrameMk id="5" creationId="{00000000-0000-0000-0000-000000000000}"/>
-          </ac:graphicFrameMkLst>
-        </pc:graphicFrameChg>
-        <pc:picChg chg="add del mod">
-          <ac:chgData name="Gerth Stølting Brodal" userId="04ef4784-6591-4f86-a140-f5c3b108582a" providerId="ADAL" clId="{32101DF0-6FF6-4597-A180-68523FCC3A71}" dt="2024-02-12T06:58:55.756" v="898" actId="478"/>
-          <ac:picMkLst>
-            <pc:docMk/>
-            <pc:sldMk cId="3514810135" sldId="348"/>
-            <ac:picMk id="6" creationId="{EA97D6DB-552D-44F4-E379-2FE24B515CEE}"/>
-          </ac:picMkLst>
-        </pc:picChg>
-        <pc:picChg chg="add del mod">
-          <ac:chgData name="Gerth Stølting Brodal" userId="04ef4784-6591-4f86-a140-f5c3b108582a" providerId="ADAL" clId="{32101DF0-6FF6-4597-A180-68523FCC3A71}" dt="2024-02-12T06:58:55.756" v="898" actId="478"/>
-          <ac:picMkLst>
-            <pc:docMk/>
-            <pc:sldMk cId="3514810135" sldId="348"/>
-            <ac:picMk id="8" creationId="{FC019620-DD01-65D7-E4A8-A13DBAC24201}"/>
-          </ac:picMkLst>
-        </pc:picChg>
-        <pc:picChg chg="add mod">
-          <ac:chgData name="Gerth Stølting Brodal" userId="04ef4784-6591-4f86-a140-f5c3b108582a" providerId="ADAL" clId="{32101DF0-6FF6-4597-A180-68523FCC3A71}" dt="2024-02-12T06:59:00.840" v="932" actId="1038"/>
-          <ac:picMkLst>
-            <pc:docMk/>
-            <pc:sldMk cId="3514810135" sldId="348"/>
-            <ac:picMk id="10" creationId="{A343C886-CA90-B93F-6EB1-6542DA157086}"/>
-          </ac:picMkLst>
-        </pc:picChg>
       </pc:sldChg>
       <pc:sldChg chg="modSp mod">
         <pc:chgData name="Gerth Stølting Brodal" userId="04ef4784-6591-4f86-a140-f5c3b108582a" providerId="ADAL" clId="{32101DF0-6FF6-4597-A180-68523FCC3A71}" dt="2024-02-05T07:22:49.893" v="614" actId="20577"/>
@@ -312,14 +232,6 @@
           <pc:docMk/>
           <pc:sldMk cId="2228799271" sldId="349"/>
         </pc:sldMkLst>
-        <pc:spChg chg="mod">
-          <ac:chgData name="Gerth Stølting Brodal" userId="04ef4784-6591-4f86-a140-f5c3b108582a" providerId="ADAL" clId="{32101DF0-6FF6-4597-A180-68523FCC3A71}" dt="2024-02-05T07:22:49.893" v="614" actId="20577"/>
-          <ac:spMkLst>
-            <pc:docMk/>
-            <pc:sldMk cId="2228799271" sldId="349"/>
-            <ac:spMk id="5" creationId="{00000000-0000-0000-0000-000000000000}"/>
-          </ac:spMkLst>
-        </pc:spChg>
       </pc:sldChg>
       <pc:sldChg chg="modNotesTx">
         <pc:chgData name="Gerth Stølting Brodal" userId="04ef4784-6591-4f86-a140-f5c3b108582a" providerId="ADAL" clId="{32101DF0-6FF6-4597-A180-68523FCC3A71}" dt="2024-02-05T07:27:43.505" v="786" actId="20577"/>
@@ -334,14 +246,6 @@
           <pc:docMk/>
           <pc:sldMk cId="937047488" sldId="373"/>
         </pc:sldMkLst>
-        <pc:spChg chg="mod">
-          <ac:chgData name="Gerth Stølting Brodal" userId="04ef4784-6591-4f86-a140-f5c3b108582a" providerId="ADAL" clId="{32101DF0-6FF6-4597-A180-68523FCC3A71}" dt="2024-02-05T07:30:58.038" v="789" actId="1076"/>
-          <ac:spMkLst>
-            <pc:docMk/>
-            <pc:sldMk cId="937047488" sldId="373"/>
-            <ac:spMk id="5" creationId="{00000000-0000-0000-0000-000000000000}"/>
-          </ac:spMkLst>
-        </pc:spChg>
       </pc:sldChg>
       <pc:sldChg chg="modSp mod">
         <pc:chgData name="Gerth Stølting Brodal" userId="04ef4784-6591-4f86-a140-f5c3b108582a" providerId="ADAL" clId="{32101DF0-6FF6-4597-A180-68523FCC3A71}" dt="2024-01-30T12:04:09.394" v="472" actId="20577"/>
@@ -349,14 +253,6 @@
           <pc:docMk/>
           <pc:sldMk cId="1315690994" sldId="389"/>
         </pc:sldMkLst>
-        <pc:graphicFrameChg chg="modGraphic">
-          <ac:chgData name="Gerth Stølting Brodal" userId="04ef4784-6591-4f86-a140-f5c3b108582a" providerId="ADAL" clId="{32101DF0-6FF6-4597-A180-68523FCC3A71}" dt="2024-01-30T12:04:09.394" v="472" actId="20577"/>
-          <ac:graphicFrameMkLst>
-            <pc:docMk/>
-            <pc:sldMk cId="1315690994" sldId="389"/>
-            <ac:graphicFrameMk id="5" creationId="{00000000-0000-0000-0000-000000000000}"/>
-          </ac:graphicFrameMkLst>
-        </pc:graphicFrameChg>
       </pc:sldChg>
       <pc:sldChg chg="new del">
         <pc:chgData name="Gerth Stølting Brodal" userId="04ef4784-6591-4f86-a140-f5c3b108582a" providerId="ADAL" clId="{32101DF0-6FF6-4597-A180-68523FCC3A71}" dt="2024-01-30T11:30:43.692" v="142" actId="680"/>
@@ -468,7 +364,7 @@
           <a:p>
             <a:fld id="{FB1A172F-81D4-4DC4-9113-1DBD56EC3646}" type="datetimeFigureOut">
               <a:rPr lang="en-US" smtClean="0"/>
-              <a:t>2/12/2024</a:t>
+              <a:t>1/30/2025</a:t>
             </a:fld>
             <a:endParaRPr lang="en-US"/>
           </a:p>
@@ -2785,7 +2681,7 @@
           <a:p>
             <a:fld id="{0560A9CD-0304-4E0B-9E82-E7E0115DE05B}" type="datetimeFigureOut">
               <a:rPr lang="en-US" smtClean="0"/>
-              <a:t>2/12/2024</a:t>
+              <a:t>1/30/2025</a:t>
             </a:fld>
             <a:endParaRPr lang="en-US"/>
           </a:p>
@@ -2953,7 +2849,7 @@
           <a:p>
             <a:fld id="{0560A9CD-0304-4E0B-9E82-E7E0115DE05B}" type="datetimeFigureOut">
               <a:rPr lang="en-US" smtClean="0"/>
-              <a:t>2/12/2024</a:t>
+              <a:t>1/30/2025</a:t>
             </a:fld>
             <a:endParaRPr lang="en-US"/>
           </a:p>
@@ -3131,7 +3027,7 @@
           <a:p>
             <a:fld id="{0560A9CD-0304-4E0B-9E82-E7E0115DE05B}" type="datetimeFigureOut">
               <a:rPr lang="en-US" smtClean="0"/>
-              <a:t>2/12/2024</a:t>
+              <a:t>1/30/2025</a:t>
             </a:fld>
             <a:endParaRPr lang="en-US"/>
           </a:p>
@@ -3308,7 +3204,7 @@
           <a:p>
             <a:fld id="{0560A9CD-0304-4E0B-9E82-E7E0115DE05B}" type="datetimeFigureOut">
               <a:rPr lang="en-US" smtClean="0"/>
-              <a:t>2/12/2024</a:t>
+              <a:t>1/30/2025</a:t>
             </a:fld>
             <a:endParaRPr lang="en-US"/>
           </a:p>
@@ -3553,7 +3449,7 @@
           <a:p>
             <a:fld id="{0560A9CD-0304-4E0B-9E82-E7E0115DE05B}" type="datetimeFigureOut">
               <a:rPr lang="en-US" smtClean="0"/>
-              <a:t>2/12/2024</a:t>
+              <a:t>1/30/2025</a:t>
             </a:fld>
             <a:endParaRPr lang="en-US"/>
           </a:p>
@@ -3782,7 +3678,7 @@
           <a:p>
             <a:fld id="{0560A9CD-0304-4E0B-9E82-E7E0115DE05B}" type="datetimeFigureOut">
               <a:rPr lang="en-US" smtClean="0"/>
-              <a:t>2/12/2024</a:t>
+              <a:t>1/30/2025</a:t>
             </a:fld>
             <a:endParaRPr lang="en-US"/>
           </a:p>
@@ -4146,7 +4042,7 @@
           <a:p>
             <a:fld id="{0560A9CD-0304-4E0B-9E82-E7E0115DE05B}" type="datetimeFigureOut">
               <a:rPr lang="en-US" smtClean="0"/>
-              <a:t>2/12/2024</a:t>
+              <a:t>1/30/2025</a:t>
             </a:fld>
             <a:endParaRPr lang="en-US"/>
           </a:p>
@@ -4263,7 +4159,7 @@
           <a:p>
             <a:fld id="{0560A9CD-0304-4E0B-9E82-E7E0115DE05B}" type="datetimeFigureOut">
               <a:rPr lang="en-US" smtClean="0"/>
-              <a:t>2/12/2024</a:t>
+              <a:t>1/30/2025</a:t>
             </a:fld>
             <a:endParaRPr lang="en-US"/>
           </a:p>
@@ -4358,7 +4254,7 @@
           <a:p>
             <a:fld id="{0560A9CD-0304-4E0B-9E82-E7E0115DE05B}" type="datetimeFigureOut">
               <a:rPr lang="en-US" smtClean="0"/>
-              <a:t>2/12/2024</a:t>
+              <a:t>1/30/2025</a:t>
             </a:fld>
             <a:endParaRPr lang="en-US"/>
           </a:p>
@@ -4633,7 +4529,7 @@
           <a:p>
             <a:fld id="{0560A9CD-0304-4E0B-9E82-E7E0115DE05B}" type="datetimeFigureOut">
               <a:rPr lang="en-US" smtClean="0"/>
-              <a:t>2/12/2024</a:t>
+              <a:t>1/30/2025</a:t>
             </a:fld>
             <a:endParaRPr lang="en-US"/>
           </a:p>
@@ -4885,7 +4781,7 @@
           <a:p>
             <a:fld id="{0560A9CD-0304-4E0B-9E82-E7E0115DE05B}" type="datetimeFigureOut">
               <a:rPr lang="en-US" smtClean="0"/>
-              <a:t>2/12/2024</a:t>
+              <a:t>1/30/2025</a:t>
             </a:fld>
             <a:endParaRPr lang="en-US"/>
           </a:p>
@@ -5096,7 +4992,7 @@
           <a:p>
             <a:fld id="{0560A9CD-0304-4E0B-9E82-E7E0115DE05B}" type="datetimeFigureOut">
               <a:rPr lang="en-US" smtClean="0"/>
-              <a:t>2/12/2024</a:t>
+              <a:t>1/30/2025</a:t>
             </a:fld>
             <a:endParaRPr lang="en-US"/>
           </a:p>
@@ -19698,6 +19594,33 @@
           </a:p>
           <a:p>
             <a:pPr>
+              <a:spcAft>
+                <a:spcPts val="1200"/>
+              </a:spcAft>
+            </a:pPr>
+            <a:r>
+              <a:rPr lang="en-US" dirty="0"/>
+              <a:t>Leading zeros </a:t>
+            </a:r>
+            <a:r>
+              <a:rPr lang="en-US"/>
+              <a:t>are not </a:t>
+            </a:r>
+            <a:r>
+              <a:rPr lang="en-US" dirty="0"/>
+              <a:t>allowed (e.g., 7 </a:t>
+            </a:r>
+            <a:r>
+              <a:rPr lang="en-US"/>
+              <a:t>cannot be written </a:t>
+            </a:r>
+            <a:r>
+              <a:rPr lang="en-US" dirty="0"/>
+              <a:t>as 007)</a:t>
+            </a:r>
+          </a:p>
+          <a:p>
+            <a:pPr>
               <a:lnSpc>
                 <a:spcPct val="100000"/>
               </a:lnSpc>

--- a/ipsa/slides/basics.pptx
+++ b/ipsa/slides/basics.pptx
@@ -135,6 +135,14 @@
 </p:presentation>
 </file>
 
+<file path=ppt/revisionInfo.xml><?xml version="1.0" encoding="utf-8"?>
+<p1510:revInfo xmlns:a="http://schemas.openxmlformats.org/drawingml/2006/main" xmlns:r="http://schemas.openxmlformats.org/officeDocument/2006/relationships" xmlns:p1510="http://schemas.microsoft.com/office/powerpoint/2015/10/main">
+  <p1510:revLst>
+    <p1510:client id="{19B2619F-AF11-406A-8620-690814C4F2A4}" v="1" dt="2025-02-03T12:08:55.569"/>
+  </p1510:revLst>
+</p1510:revInfo>
+</file>
+
 <file path=ppt/changesInfos/changesInfo1.xml><?xml version="1.0" encoding="utf-8"?>
 <pc:chgInfo xmlns:a="http://schemas.openxmlformats.org/drawingml/2006/main" xmlns:r="http://schemas.openxmlformats.org/officeDocument/2006/relationships" xmlns:ac="http://schemas.microsoft.com/office/drawing/2013/main/command" xmlns:pc="http://schemas.microsoft.com/office/powerpoint/2013/main/command">
   <pc:docChgLst>
@@ -169,8 +177,8 @@
   </pc:docChgLst>
   <pc:docChgLst>
     <pc:chgData name="Gerth Stølting Brodal" userId="04ef4784-6591-4f86-a140-f5c3b108582a" providerId="ADAL" clId="{19B2619F-AF11-406A-8620-690814C4F2A4}"/>
-    <pc:docChg chg="modSld">
-      <pc:chgData name="Gerth Stølting Brodal" userId="04ef4784-6591-4f86-a140-f5c3b108582a" providerId="ADAL" clId="{19B2619F-AF11-406A-8620-690814C4F2A4}" dt="2025-01-30T08:57:37.226" v="94" actId="20577"/>
+    <pc:docChg chg="undo redo custSel modSld">
+      <pc:chgData name="Gerth Stølting Brodal" userId="04ef4784-6591-4f86-a140-f5c3b108582a" providerId="ADAL" clId="{19B2619F-AF11-406A-8620-690814C4F2A4}" dt="2025-02-03T12:10:14.731" v="298" actId="1035"/>
       <pc:docMkLst>
         <pc:docMk/>
       </pc:docMkLst>
@@ -188,6 +196,29 @@
             <ac:spMk id="3" creationId="{00000000-0000-0000-0000-000000000000}"/>
           </ac:spMkLst>
         </pc:spChg>
+      </pc:sldChg>
+      <pc:sldChg chg="modSp mod">
+        <pc:chgData name="Gerth Stølting Brodal" userId="04ef4784-6591-4f86-a140-f5c3b108582a" providerId="ADAL" clId="{19B2619F-AF11-406A-8620-690814C4F2A4}" dt="2025-02-03T12:10:14.731" v="298" actId="1035"/>
+        <pc:sldMkLst>
+          <pc:docMk/>
+          <pc:sldMk cId="3240216432" sldId="390"/>
+        </pc:sldMkLst>
+        <pc:spChg chg="mod">
+          <ac:chgData name="Gerth Stølting Brodal" userId="04ef4784-6591-4f86-a140-f5c3b108582a" providerId="ADAL" clId="{19B2619F-AF11-406A-8620-690814C4F2A4}" dt="2025-02-03T12:10:06.055" v="278" actId="20577"/>
+          <ac:spMkLst>
+            <pc:docMk/>
+            <pc:sldMk cId="3240216432" sldId="390"/>
+            <ac:spMk id="3" creationId="{00000000-0000-0000-0000-000000000000}"/>
+          </ac:spMkLst>
+        </pc:spChg>
+        <pc:graphicFrameChg chg="mod">
+          <ac:chgData name="Gerth Stølting Brodal" userId="04ef4784-6591-4f86-a140-f5c3b108582a" providerId="ADAL" clId="{19B2619F-AF11-406A-8620-690814C4F2A4}" dt="2025-02-03T12:10:14.731" v="298" actId="1035"/>
+          <ac:graphicFrameMkLst>
+            <pc:docMk/>
+            <pc:sldMk cId="3240216432" sldId="390"/>
+            <ac:graphicFrameMk id="4" creationId="{00000000-0000-0000-0000-000000000000}"/>
+          </ac:graphicFrameMkLst>
+        </pc:graphicFrameChg>
       </pc:sldChg>
     </pc:docChg>
   </pc:docChgLst>
@@ -364,7 +395,7 @@
           <a:p>
             <a:fld id="{FB1A172F-81D4-4DC4-9113-1DBD56EC3646}" type="datetimeFigureOut">
               <a:rPr lang="en-US" smtClean="0"/>
-              <a:t>1/30/2025</a:t>
+              <a:t>2/3/2025</a:t>
             </a:fld>
             <a:endParaRPr lang="en-US"/>
           </a:p>
@@ -2681,7 +2712,7 @@
           <a:p>
             <a:fld id="{0560A9CD-0304-4E0B-9E82-E7E0115DE05B}" type="datetimeFigureOut">
               <a:rPr lang="en-US" smtClean="0"/>
-              <a:t>1/30/2025</a:t>
+              <a:t>2/3/2025</a:t>
             </a:fld>
             <a:endParaRPr lang="en-US"/>
           </a:p>
@@ -2849,7 +2880,7 @@
           <a:p>
             <a:fld id="{0560A9CD-0304-4E0B-9E82-E7E0115DE05B}" type="datetimeFigureOut">
               <a:rPr lang="en-US" smtClean="0"/>
-              <a:t>1/30/2025</a:t>
+              <a:t>2/3/2025</a:t>
             </a:fld>
             <a:endParaRPr lang="en-US"/>
           </a:p>
@@ -3027,7 +3058,7 @@
           <a:p>
             <a:fld id="{0560A9CD-0304-4E0B-9E82-E7E0115DE05B}" type="datetimeFigureOut">
               <a:rPr lang="en-US" smtClean="0"/>
-              <a:t>1/30/2025</a:t>
+              <a:t>2/3/2025</a:t>
             </a:fld>
             <a:endParaRPr lang="en-US"/>
           </a:p>
@@ -3204,7 +3235,7 @@
           <a:p>
             <a:fld id="{0560A9CD-0304-4E0B-9E82-E7E0115DE05B}" type="datetimeFigureOut">
               <a:rPr lang="en-US" smtClean="0"/>
-              <a:t>1/30/2025</a:t>
+              <a:t>2/3/2025</a:t>
             </a:fld>
             <a:endParaRPr lang="en-US"/>
           </a:p>
@@ -3449,7 +3480,7 @@
           <a:p>
             <a:fld id="{0560A9CD-0304-4E0B-9E82-E7E0115DE05B}" type="datetimeFigureOut">
               <a:rPr lang="en-US" smtClean="0"/>
-              <a:t>1/30/2025</a:t>
+              <a:t>2/3/2025</a:t>
             </a:fld>
             <a:endParaRPr lang="en-US"/>
           </a:p>
@@ -3678,7 +3709,7 @@
           <a:p>
             <a:fld id="{0560A9CD-0304-4E0B-9E82-E7E0115DE05B}" type="datetimeFigureOut">
               <a:rPr lang="en-US" smtClean="0"/>
-              <a:t>1/30/2025</a:t>
+              <a:t>2/3/2025</a:t>
             </a:fld>
             <a:endParaRPr lang="en-US"/>
           </a:p>
@@ -4042,7 +4073,7 @@
           <a:p>
             <a:fld id="{0560A9CD-0304-4E0B-9E82-E7E0115DE05B}" type="datetimeFigureOut">
               <a:rPr lang="en-US" smtClean="0"/>
-              <a:t>1/30/2025</a:t>
+              <a:t>2/3/2025</a:t>
             </a:fld>
             <a:endParaRPr lang="en-US"/>
           </a:p>
@@ -4159,7 +4190,7 @@
           <a:p>
             <a:fld id="{0560A9CD-0304-4E0B-9E82-E7E0115DE05B}" type="datetimeFigureOut">
               <a:rPr lang="en-US" smtClean="0"/>
-              <a:t>1/30/2025</a:t>
+              <a:t>2/3/2025</a:t>
             </a:fld>
             <a:endParaRPr lang="en-US"/>
           </a:p>
@@ -4254,7 +4285,7 @@
           <a:p>
             <a:fld id="{0560A9CD-0304-4E0B-9E82-E7E0115DE05B}" type="datetimeFigureOut">
               <a:rPr lang="en-US" smtClean="0"/>
-              <a:t>1/30/2025</a:t>
+              <a:t>2/3/2025</a:t>
             </a:fld>
             <a:endParaRPr lang="en-US"/>
           </a:p>
@@ -4529,7 +4560,7 @@
           <a:p>
             <a:fld id="{0560A9CD-0304-4E0B-9E82-E7E0115DE05B}" type="datetimeFigureOut">
               <a:rPr lang="en-US" smtClean="0"/>
-              <a:t>1/30/2025</a:t>
+              <a:t>2/3/2025</a:t>
             </a:fld>
             <a:endParaRPr lang="en-US"/>
           </a:p>
@@ -4781,7 +4812,7 @@
           <a:p>
             <a:fld id="{0560A9CD-0304-4E0B-9E82-E7E0115DE05B}" type="datetimeFigureOut">
               <a:rPr lang="en-US" smtClean="0"/>
-              <a:t>1/30/2025</a:t>
+              <a:t>2/3/2025</a:t>
             </a:fld>
             <a:endParaRPr lang="en-US"/>
           </a:p>
@@ -4992,7 +5023,7 @@
           <a:p>
             <a:fld id="{0560A9CD-0304-4E0B-9E82-E7E0115DE05B}" type="datetimeFigureOut">
               <a:rPr lang="en-US" smtClean="0"/>
-              <a:t>1/30/2025</a:t>
+              <a:t>2/3/2025</a:t>
             </a:fld>
             <a:endParaRPr lang="en-US"/>
           </a:p>
@@ -12486,9 +12517,16 @@
             <p:ph idx="1"/>
           </p:nvPr>
         </p:nvSpPr>
-        <p:spPr/>
+        <p:spPr>
+          <a:xfrm>
+            <a:off x="838200" y="1825624"/>
+            <a:ext cx="10515600" cy="5032375"/>
+          </a:xfrm>
+        </p:spPr>
         <p:txBody>
-          <a:bodyPr/>
+          <a:bodyPr>
+            <a:normAutofit/>
+          </a:bodyPr>
           <a:lstStyle/>
           <a:p>
             <a:r>
@@ -12537,6 +12575,42 @@
               <a:t>re</a:t>
             </a:r>
             <a:endParaRPr lang="en-US" dirty="0">
+              <a:latin typeface="Courier"/>
+            </a:endParaRPr>
+          </a:p>
+          <a:p>
+            <a:endParaRPr lang="en-US" sz="2000" dirty="0"/>
+          </a:p>
+          <a:p>
+            <a:endParaRPr lang="en-US" sz="2000" dirty="0"/>
+          </a:p>
+          <a:p>
+            <a:endParaRPr lang="en-US" sz="2000" dirty="0"/>
+          </a:p>
+          <a:p>
+            <a:endParaRPr lang="en-US" sz="2000" dirty="0"/>
+          </a:p>
+          <a:p>
+            <a:endParaRPr lang="en-US" sz="2000" dirty="0"/>
+          </a:p>
+          <a:p>
+            <a:endParaRPr lang="en-US" sz="2000" dirty="0"/>
+          </a:p>
+          <a:p>
+            <a:endParaRPr lang="en-US" sz="2000" dirty="0"/>
+          </a:p>
+          <a:p>
+            <a:r>
+              <a:rPr lang="en-US" sz="2000" dirty="0"/>
+              <a:t>Strange exception:  </a:t>
+            </a:r>
+            <a:r>
+              <a:rPr lang="en-US" sz="2000" dirty="0">
+                <a:hlinkClick r:id="rId3"/>
+              </a:rPr>
+              <a:t>A raw string cannot end with an odd number of backslashes</a:t>
+            </a:r>
+            <a:endParaRPr lang="en-US" sz="2000" dirty="0">
               <a:latin typeface="Courier"/>
             </a:endParaRPr>
           </a:p>
@@ -12551,13 +12625,13 @@
           <p:nvPr>
             <p:extLst>
               <p:ext uri="{D42A27DB-BD31-4B8C-83A1-F6EECF244321}">
-                <p14:modId xmlns:p14="http://schemas.microsoft.com/office/powerpoint/2010/main" val="2469380164"/>
+                <p14:modId xmlns:p14="http://schemas.microsoft.com/office/powerpoint/2010/main" val="3426932090"/>
               </p:ext>
             </p:extLst>
           </p:nvPr>
         </p:nvGraphicFramePr>
         <p:xfrm>
-          <a:off x="1961146" y="4001294"/>
+          <a:off x="1961146" y="3810222"/>
           <a:ext cx="8231505" cy="2377440"/>
         </p:xfrm>
         <a:graphic>

--- a/ipsa/slides/basics.pptx
+++ b/ipsa/slides/basics.pptx
@@ -135,14 +135,6 @@
 </p:presentation>
 </file>
 
-<file path=ppt/revisionInfo.xml><?xml version="1.0" encoding="utf-8"?>
-<p1510:revInfo xmlns:a="http://schemas.openxmlformats.org/drawingml/2006/main" xmlns:r="http://schemas.openxmlformats.org/officeDocument/2006/relationships" xmlns:p1510="http://schemas.microsoft.com/office/powerpoint/2015/10/main">
-  <p1510:revLst>
-    <p1510:client id="{19B2619F-AF11-406A-8620-690814C4F2A4}" v="1" dt="2025-02-03T12:08:55.569"/>
-  </p1510:revLst>
-</p1510:revInfo>
-</file>
-
 <file path=ppt/changesInfos/changesInfo1.xml><?xml version="1.0" encoding="utf-8"?>
 <pc:chgInfo xmlns:a="http://schemas.openxmlformats.org/drawingml/2006/main" xmlns:r="http://schemas.openxmlformats.org/officeDocument/2006/relationships" xmlns:ac="http://schemas.microsoft.com/office/drawing/2013/main/command" xmlns:pc="http://schemas.microsoft.com/office/powerpoint/2013/main/command">
   <pc:docChgLst>
@@ -188,14 +180,6 @@
           <pc:docMk/>
           <pc:sldMk cId="48303750" sldId="357"/>
         </pc:sldMkLst>
-        <pc:spChg chg="mod">
-          <ac:chgData name="Gerth Stølting Brodal" userId="04ef4784-6591-4f86-a140-f5c3b108582a" providerId="ADAL" clId="{19B2619F-AF11-406A-8620-690814C4F2A4}" dt="2025-01-30T08:57:37.226" v="94" actId="20577"/>
-          <ac:spMkLst>
-            <pc:docMk/>
-            <pc:sldMk cId="48303750" sldId="357"/>
-            <ac:spMk id="3" creationId="{00000000-0000-0000-0000-000000000000}"/>
-          </ac:spMkLst>
-        </pc:spChg>
       </pc:sldChg>
       <pc:sldChg chg="modSp mod">
         <pc:chgData name="Gerth Stølting Brodal" userId="04ef4784-6591-4f86-a140-f5c3b108582a" providerId="ADAL" clId="{19B2619F-AF11-406A-8620-690814C4F2A4}" dt="2025-02-03T12:10:14.731" v="298" actId="1035"/>
@@ -203,22 +187,138 @@
           <pc:docMk/>
           <pc:sldMk cId="3240216432" sldId="390"/>
         </pc:sldMkLst>
+      </pc:sldChg>
+    </pc:docChg>
+  </pc:docChgLst>
+  <pc:docChgLst>
+    <pc:chgData name="Gerth Stølting Brodal" userId="04ef4784-6591-4f86-a140-f5c3b108582a" providerId="ADAL" clId="{27124F44-A0F7-408A-AA2B-2C5136C1DC06}"/>
+    <pc:docChg chg="undo custSel modSld">
+      <pc:chgData name="Gerth Stølting Brodal" userId="04ef4784-6591-4f86-a140-f5c3b108582a" providerId="ADAL" clId="{27124F44-A0F7-408A-AA2B-2C5136C1DC06}" dt="2025-10-27T18:12:08.875" v="71" actId="962"/>
+      <pc:docMkLst>
+        <pc:docMk/>
+      </pc:docMkLst>
+      <pc:sldChg chg="modSp mod">
+        <pc:chgData name="Gerth Stølting Brodal" userId="04ef4784-6591-4f86-a140-f5c3b108582a" providerId="ADAL" clId="{27124F44-A0F7-408A-AA2B-2C5136C1DC06}" dt="2025-10-27T18:11:13.644" v="57" actId="962"/>
+        <pc:sldMkLst>
+          <pc:docMk/>
+          <pc:sldMk cId="1252763104" sldId="358"/>
+        </pc:sldMkLst>
         <pc:spChg chg="mod">
-          <ac:chgData name="Gerth Stølting Brodal" userId="04ef4784-6591-4f86-a140-f5c3b108582a" providerId="ADAL" clId="{19B2619F-AF11-406A-8620-690814C4F2A4}" dt="2025-02-03T12:10:06.055" v="278" actId="20577"/>
+          <ac:chgData name="Gerth Stølting Brodal" userId="04ef4784-6591-4f86-a140-f5c3b108582a" providerId="ADAL" clId="{27124F44-A0F7-408A-AA2B-2C5136C1DC06}" dt="2025-10-27T18:11:13.644" v="57" actId="962"/>
           <ac:spMkLst>
             <pc:docMk/>
-            <pc:sldMk cId="3240216432" sldId="390"/>
-            <ac:spMk id="3" creationId="{00000000-0000-0000-0000-000000000000}"/>
+            <pc:sldMk cId="1252763104" sldId="358"/>
+            <ac:spMk id="4" creationId="{00000000-0000-0000-0000-000000000000}"/>
+          </ac:spMkLst>
+        </pc:spChg>
+        <pc:spChg chg="mod">
+          <ac:chgData name="Gerth Stølting Brodal" userId="04ef4784-6591-4f86-a140-f5c3b108582a" providerId="ADAL" clId="{27124F44-A0F7-408A-AA2B-2C5136C1DC06}" dt="2025-10-27T18:10:42.397" v="23" actId="962"/>
+          <ac:spMkLst>
+            <pc:docMk/>
+            <pc:sldMk cId="1252763104" sldId="358"/>
+            <ac:spMk id="8" creationId="{00000000-0000-0000-0000-000000000000}"/>
           </ac:spMkLst>
         </pc:spChg>
         <pc:graphicFrameChg chg="mod">
-          <ac:chgData name="Gerth Stølting Brodal" userId="04ef4784-6591-4f86-a140-f5c3b108582a" providerId="ADAL" clId="{19B2619F-AF11-406A-8620-690814C4F2A4}" dt="2025-02-03T12:10:14.731" v="298" actId="1035"/>
+          <ac:chgData name="Gerth Stølting Brodal" userId="04ef4784-6591-4f86-a140-f5c3b108582a" providerId="ADAL" clId="{27124F44-A0F7-408A-AA2B-2C5136C1DC06}" dt="2025-10-27T18:11:05.569" v="51" actId="962"/>
           <ac:graphicFrameMkLst>
             <pc:docMk/>
-            <pc:sldMk cId="3240216432" sldId="390"/>
-            <ac:graphicFrameMk id="4" creationId="{00000000-0000-0000-0000-000000000000}"/>
+            <pc:sldMk cId="1252763104" sldId="358"/>
+            <ac:graphicFrameMk id="10" creationId="{00000000-0000-0000-0000-000000000000}"/>
           </ac:graphicFrameMkLst>
         </pc:graphicFrameChg>
+        <pc:picChg chg="mod">
+          <ac:chgData name="Gerth Stølting Brodal" userId="04ef4784-6591-4f86-a140-f5c3b108582a" providerId="ADAL" clId="{27124F44-A0F7-408A-AA2B-2C5136C1DC06}" dt="2025-10-27T18:11:09.952" v="55" actId="962"/>
+          <ac:picMkLst>
+            <pc:docMk/>
+            <pc:sldMk cId="1252763104" sldId="358"/>
+            <ac:picMk id="9" creationId="{00000000-0000-0000-0000-000000000000}"/>
+          </ac:picMkLst>
+        </pc:picChg>
+      </pc:sldChg>
+      <pc:sldChg chg="modSp mod">
+        <pc:chgData name="Gerth Stølting Brodal" userId="04ef4784-6591-4f86-a140-f5c3b108582a" providerId="ADAL" clId="{27124F44-A0F7-408A-AA2B-2C5136C1DC06}" dt="2025-10-27T18:11:33.021" v="59" actId="962"/>
+        <pc:sldMkLst>
+          <pc:docMk/>
+          <pc:sldMk cId="1651364254" sldId="364"/>
+        </pc:sldMkLst>
+        <pc:spChg chg="mod">
+          <ac:chgData name="Gerth Stølting Brodal" userId="04ef4784-6591-4f86-a140-f5c3b108582a" providerId="ADAL" clId="{27124F44-A0F7-408A-AA2B-2C5136C1DC06}" dt="2025-10-27T18:11:33.021" v="59" actId="962"/>
+          <ac:spMkLst>
+            <pc:docMk/>
+            <pc:sldMk cId="1651364254" sldId="364"/>
+            <ac:spMk id="4" creationId="{00000000-0000-0000-0000-000000000000}"/>
+          </ac:spMkLst>
+        </pc:spChg>
+      </pc:sldChg>
+      <pc:sldChg chg="modSp mod">
+        <pc:chgData name="Gerth Stølting Brodal" userId="04ef4784-6591-4f86-a140-f5c3b108582a" providerId="ADAL" clId="{27124F44-A0F7-408A-AA2B-2C5136C1DC06}" dt="2025-10-27T18:11:51.980" v="67" actId="962"/>
+        <pc:sldMkLst>
+          <pc:docMk/>
+          <pc:sldMk cId="3279644778" sldId="366"/>
+        </pc:sldMkLst>
+        <pc:spChg chg="mod">
+          <ac:chgData name="Gerth Stølting Brodal" userId="04ef4784-6591-4f86-a140-f5c3b108582a" providerId="ADAL" clId="{27124F44-A0F7-408A-AA2B-2C5136C1DC06}" dt="2025-10-27T18:11:43.176" v="61" actId="962"/>
+          <ac:spMkLst>
+            <pc:docMk/>
+            <pc:sldMk cId="3279644778" sldId="366"/>
+            <ac:spMk id="4" creationId="{00000000-0000-0000-0000-000000000000}"/>
+          </ac:spMkLst>
+        </pc:spChg>
+        <pc:spChg chg="mod">
+          <ac:chgData name="Gerth Stølting Brodal" userId="04ef4784-6591-4f86-a140-f5c3b108582a" providerId="ADAL" clId="{27124F44-A0F7-408A-AA2B-2C5136C1DC06}" dt="2025-10-27T18:11:51.980" v="67" actId="962"/>
+          <ac:spMkLst>
+            <pc:docMk/>
+            <pc:sldMk cId="3279644778" sldId="366"/>
+            <ac:spMk id="7" creationId="{00000000-0000-0000-0000-000000000000}"/>
+          </ac:spMkLst>
+        </pc:spChg>
+        <pc:graphicFrameChg chg="mod">
+          <ac:chgData name="Gerth Stølting Brodal" userId="04ef4784-6591-4f86-a140-f5c3b108582a" providerId="ADAL" clId="{27124F44-A0F7-408A-AA2B-2C5136C1DC06}" dt="2025-10-27T18:11:49.335" v="65" actId="962"/>
+          <ac:graphicFrameMkLst>
+            <pc:docMk/>
+            <pc:sldMk cId="3279644778" sldId="366"/>
+            <ac:graphicFrameMk id="5" creationId="{00000000-0000-0000-0000-000000000000}"/>
+          </ac:graphicFrameMkLst>
+        </pc:graphicFrameChg>
+        <pc:picChg chg="mod">
+          <ac:chgData name="Gerth Stølting Brodal" userId="04ef4784-6591-4f86-a140-f5c3b108582a" providerId="ADAL" clId="{27124F44-A0F7-408A-AA2B-2C5136C1DC06}" dt="2025-10-27T18:11:46.224" v="63" actId="962"/>
+          <ac:picMkLst>
+            <pc:docMk/>
+            <pc:sldMk cId="3279644778" sldId="366"/>
+            <ac:picMk id="6" creationId="{00000000-0000-0000-0000-000000000000}"/>
+          </ac:picMkLst>
+        </pc:picChg>
+      </pc:sldChg>
+      <pc:sldChg chg="modSp mod">
+        <pc:chgData name="Gerth Stølting Brodal" userId="04ef4784-6591-4f86-a140-f5c3b108582a" providerId="ADAL" clId="{27124F44-A0F7-408A-AA2B-2C5136C1DC06}" dt="2025-10-27T18:12:00.161" v="69" actId="962"/>
+        <pc:sldMkLst>
+          <pc:docMk/>
+          <pc:sldMk cId="2955211567" sldId="369"/>
+        </pc:sldMkLst>
+        <pc:spChg chg="mod">
+          <ac:chgData name="Gerth Stølting Brodal" userId="04ef4784-6591-4f86-a140-f5c3b108582a" providerId="ADAL" clId="{27124F44-A0F7-408A-AA2B-2C5136C1DC06}" dt="2025-10-27T18:12:00.161" v="69" actId="962"/>
+          <ac:spMkLst>
+            <pc:docMk/>
+            <pc:sldMk cId="2955211567" sldId="369"/>
+            <ac:spMk id="4" creationId="{00000000-0000-0000-0000-000000000000}"/>
+          </ac:spMkLst>
+        </pc:spChg>
+      </pc:sldChg>
+      <pc:sldChg chg="modSp mod">
+        <pc:chgData name="Gerth Stølting Brodal" userId="04ef4784-6591-4f86-a140-f5c3b108582a" providerId="ADAL" clId="{27124F44-A0F7-408A-AA2B-2C5136C1DC06}" dt="2025-10-27T18:12:08.875" v="71" actId="962"/>
+        <pc:sldMkLst>
+          <pc:docMk/>
+          <pc:sldMk cId="4156421730" sldId="387"/>
+        </pc:sldMkLst>
+        <pc:spChg chg="mod">
+          <ac:chgData name="Gerth Stølting Brodal" userId="04ef4784-6591-4f86-a140-f5c3b108582a" providerId="ADAL" clId="{27124F44-A0F7-408A-AA2B-2C5136C1DC06}" dt="2025-10-27T18:12:08.875" v="71" actId="962"/>
+          <ac:spMkLst>
+            <pc:docMk/>
+            <pc:sldMk cId="4156421730" sldId="387"/>
+            <ac:spMk id="5" creationId="{00000000-0000-0000-0000-000000000000}"/>
+          </ac:spMkLst>
+        </pc:spChg>
       </pc:sldChg>
     </pc:docChg>
   </pc:docChgLst>
@@ -395,7 +495,7 @@
           <a:p>
             <a:fld id="{FB1A172F-81D4-4DC4-9113-1DBD56EC3646}" type="datetimeFigureOut">
               <a:rPr lang="en-US" smtClean="0"/>
-              <a:t>2/3/2025</a:t>
+              <a:t>10/27/2025</a:t>
             </a:fld>
             <a:endParaRPr lang="en-US"/>
           </a:p>
@@ -2712,7 +2812,7 @@
           <a:p>
             <a:fld id="{0560A9CD-0304-4E0B-9E82-E7E0115DE05B}" type="datetimeFigureOut">
               <a:rPr lang="en-US" smtClean="0"/>
-              <a:t>2/3/2025</a:t>
+              <a:t>10/27/2025</a:t>
             </a:fld>
             <a:endParaRPr lang="en-US"/>
           </a:p>
@@ -2880,7 +2980,7 @@
           <a:p>
             <a:fld id="{0560A9CD-0304-4E0B-9E82-E7E0115DE05B}" type="datetimeFigureOut">
               <a:rPr lang="en-US" smtClean="0"/>
-              <a:t>2/3/2025</a:t>
+              <a:t>10/27/2025</a:t>
             </a:fld>
             <a:endParaRPr lang="en-US"/>
           </a:p>
@@ -3058,7 +3158,7 @@
           <a:p>
             <a:fld id="{0560A9CD-0304-4E0B-9E82-E7E0115DE05B}" type="datetimeFigureOut">
               <a:rPr lang="en-US" smtClean="0"/>
-              <a:t>2/3/2025</a:t>
+              <a:t>10/27/2025</a:t>
             </a:fld>
             <a:endParaRPr lang="en-US"/>
           </a:p>
@@ -3235,7 +3335,7 @@
           <a:p>
             <a:fld id="{0560A9CD-0304-4E0B-9E82-E7E0115DE05B}" type="datetimeFigureOut">
               <a:rPr lang="en-US" smtClean="0"/>
-              <a:t>2/3/2025</a:t>
+              <a:t>10/27/2025</a:t>
             </a:fld>
             <a:endParaRPr lang="en-US"/>
           </a:p>
@@ -3480,7 +3580,7 @@
           <a:p>
             <a:fld id="{0560A9CD-0304-4E0B-9E82-E7E0115DE05B}" type="datetimeFigureOut">
               <a:rPr lang="en-US" smtClean="0"/>
-              <a:t>2/3/2025</a:t>
+              <a:t>10/27/2025</a:t>
             </a:fld>
             <a:endParaRPr lang="en-US"/>
           </a:p>
@@ -3709,7 +3809,7 @@
           <a:p>
             <a:fld id="{0560A9CD-0304-4E0B-9E82-E7E0115DE05B}" type="datetimeFigureOut">
               <a:rPr lang="en-US" smtClean="0"/>
-              <a:t>2/3/2025</a:t>
+              <a:t>10/27/2025</a:t>
             </a:fld>
             <a:endParaRPr lang="en-US"/>
           </a:p>
@@ -4073,7 +4173,7 @@
           <a:p>
             <a:fld id="{0560A9CD-0304-4E0B-9E82-E7E0115DE05B}" type="datetimeFigureOut">
               <a:rPr lang="en-US" smtClean="0"/>
-              <a:t>2/3/2025</a:t>
+              <a:t>10/27/2025</a:t>
             </a:fld>
             <a:endParaRPr lang="en-US"/>
           </a:p>
@@ -4190,7 +4290,7 @@
           <a:p>
             <a:fld id="{0560A9CD-0304-4E0B-9E82-E7E0115DE05B}" type="datetimeFigureOut">
               <a:rPr lang="en-US" smtClean="0"/>
-              <a:t>2/3/2025</a:t>
+              <a:t>10/27/2025</a:t>
             </a:fld>
             <a:endParaRPr lang="en-US"/>
           </a:p>
@@ -4285,7 +4385,7 @@
           <a:p>
             <a:fld id="{0560A9CD-0304-4E0B-9E82-E7E0115DE05B}" type="datetimeFigureOut">
               <a:rPr lang="en-US" smtClean="0"/>
-              <a:t>2/3/2025</a:t>
+              <a:t>10/27/2025</a:t>
             </a:fld>
             <a:endParaRPr lang="en-US"/>
           </a:p>
@@ -4560,7 +4660,7 @@
           <a:p>
             <a:fld id="{0560A9CD-0304-4E0B-9E82-E7E0115DE05B}" type="datetimeFigureOut">
               <a:rPr lang="en-US" smtClean="0"/>
-              <a:t>2/3/2025</a:t>
+              <a:t>10/27/2025</a:t>
             </a:fld>
             <a:endParaRPr lang="en-US"/>
           </a:p>
@@ -4812,7 +4912,7 @@
           <a:p>
             <a:fld id="{0560A9CD-0304-4E0B-9E82-E7E0115DE05B}" type="datetimeFigureOut">
               <a:rPr lang="en-US" smtClean="0"/>
-              <a:t>2/3/2025</a:t>
+              <a:t>10/27/2025</a:t>
             </a:fld>
             <a:endParaRPr lang="en-US"/>
           </a:p>
@@ -5023,7 +5123,7 @@
           <a:p>
             <a:fld id="{0560A9CD-0304-4E0B-9E82-E7E0115DE05B}" type="datetimeFigureOut">
               <a:rPr lang="en-US" smtClean="0"/>
-              <a:t>2/3/2025</a:t>
+              <a:t>10/27/2025</a:t>
             </a:fld>
             <a:endParaRPr lang="en-US"/>
           </a:p>
@@ -11312,7 +11412,7 @@
       </p:sp>
       <p:sp>
         <p:nvSpPr>
-          <p:cNvPr id="4" name="Smiley Face 3"/>
+          <p:cNvPr id="4" name="Smiley Face 3" descr="QuizAnswer"/>
           <p:cNvSpPr/>
           <p:nvPr/>
         </p:nvSpPr>
@@ -16967,7 +17067,7 @@
       </p:sp>
       <p:sp>
         <p:nvSpPr>
-          <p:cNvPr id="5" name="Smiley Face 4"/>
+          <p:cNvPr id="5" name="Smiley Face 4" descr="QuizAnswer"/>
           <p:cNvSpPr/>
           <p:nvPr/>
         </p:nvSpPr>
@@ -18435,14 +18535,14 @@
       </p:grpSpPr>
       <p:graphicFrame>
         <p:nvGraphicFramePr>
-          <p:cNvPr id="10" name="Table 9"/>
+          <p:cNvPr id="10" name="Table 9" descr="QuizAnswer"/>
           <p:cNvGraphicFramePr>
             <a:graphicFrameLocks noGrp="1"/>
           </p:cNvGraphicFramePr>
           <p:nvPr>
             <p:extLst>
               <p:ext uri="{D42A27DB-BD31-4B8C-83A1-F6EECF244321}">
-                <p14:modId xmlns:p14="http://schemas.microsoft.com/office/powerpoint/2010/main" val="788871888"/>
+                <p14:modId xmlns:p14="http://schemas.microsoft.com/office/powerpoint/2010/main" val="2703133564"/>
               </p:ext>
             </p:extLst>
           </p:nvPr>
@@ -18935,7 +19035,7 @@
       </p:sp>
       <p:sp>
         <p:nvSpPr>
-          <p:cNvPr id="8" name="Smiley Face 7"/>
+          <p:cNvPr id="8" name="Smiley Face 7" descr="QuizAnswer"/>
           <p:cNvSpPr/>
           <p:nvPr/>
         </p:nvSpPr>
@@ -19037,7 +19137,7 @@
       </p:sp>
       <p:pic>
         <p:nvPicPr>
-          <p:cNvPr id="9" name="Picture 8"/>
+          <p:cNvPr id="9" name="Picture 8" descr="QuizAnswer"/>
           <p:cNvPicPr>
             <a:picLocks noChangeAspect="1"/>
           </p:cNvPicPr>
@@ -19067,7 +19167,7 @@
       </p:pic>
       <p:sp>
         <p:nvSpPr>
-          <p:cNvPr id="4" name="TextBox 3"/>
+          <p:cNvPr id="4" name="TextBox 3" descr="QuizAnswer"/>
           <p:cNvSpPr txBox="1"/>
           <p:nvPr/>
         </p:nvSpPr>
@@ -19972,7 +20072,7 @@
       </p:sp>
       <p:sp>
         <p:nvSpPr>
-          <p:cNvPr id="4" name="Smiley Face 3"/>
+          <p:cNvPr id="4" name="Smiley Face 3" descr="QuizAnswer"/>
           <p:cNvSpPr/>
           <p:nvPr/>
         </p:nvSpPr>
@@ -21825,7 +21925,7 @@
       </p:sp>
       <p:sp>
         <p:nvSpPr>
-          <p:cNvPr id="4" name="Smiley Face 3"/>
+          <p:cNvPr id="4" name="Smiley Face 3" descr="QuizAnswer"/>
           <p:cNvSpPr/>
           <p:nvPr/>
         </p:nvSpPr>
@@ -21876,14 +21976,14 @@
       </p:sp>
       <p:graphicFrame>
         <p:nvGraphicFramePr>
-          <p:cNvPr id="5" name="Table 4"/>
+          <p:cNvPr id="5" name="Table 4" descr="QuizAnswer"/>
           <p:cNvGraphicFramePr>
             <a:graphicFrameLocks noGrp="1"/>
           </p:cNvGraphicFramePr>
           <p:nvPr>
             <p:extLst>
               <p:ext uri="{D42A27DB-BD31-4B8C-83A1-F6EECF244321}">
-                <p14:modId xmlns:p14="http://schemas.microsoft.com/office/powerpoint/2010/main" val="4109105563"/>
+                <p14:modId xmlns:p14="http://schemas.microsoft.com/office/powerpoint/2010/main" val="2876980169"/>
               </p:ext>
             </p:extLst>
           </p:nvPr>
@@ -22211,7 +22311,7 @@
       </p:graphicFrame>
       <p:pic>
         <p:nvPicPr>
-          <p:cNvPr id="6" name="Picture 5"/>
+          <p:cNvPr id="6" name="Picture 5" descr="QuizAnswer"/>
           <p:cNvPicPr>
             <a:picLocks noChangeAspect="1"/>
           </p:cNvPicPr>
@@ -22241,7 +22341,7 @@
       </p:pic>
       <p:sp>
         <p:nvSpPr>
-          <p:cNvPr id="7" name="TextBox 6"/>
+          <p:cNvPr id="7" name="TextBox 6" descr="QuizAnswer"/>
           <p:cNvSpPr txBox="1"/>
           <p:nvPr/>
         </p:nvSpPr>

--- a/ipsa/slides/basics.pptx
+++ b/ipsa/slides/basics.pptx
@@ -135,277 +135,42 @@
 </p:presentation>
 </file>
 
+<file path=ppt/revisionInfo.xml><?xml version="1.0" encoding="utf-8"?>
+<p1510:revInfo xmlns:a="http://schemas.openxmlformats.org/drawingml/2006/main" xmlns:r="http://schemas.openxmlformats.org/officeDocument/2006/relationships" xmlns:p1510="http://schemas.microsoft.com/office/powerpoint/2015/10/main">
+  <p1510:revLst>
+    <p1510:client id="{5D9700D6-D51E-4F54-B323-5C08D6B7734D}" v="2" dt="2026-01-28T07:44:50.202"/>
+  </p1510:revLst>
+</p1510:revInfo>
+</file>
+
 <file path=ppt/changesInfos/changesInfo1.xml><?xml version="1.0" encoding="utf-8"?>
 <pc:chgInfo xmlns:a="http://schemas.openxmlformats.org/drawingml/2006/main" xmlns:r="http://schemas.openxmlformats.org/officeDocument/2006/relationships" xmlns:ac="http://schemas.microsoft.com/office/drawing/2013/main/command" xmlns:pc="http://schemas.microsoft.com/office/powerpoint/2013/main/command">
   <pc:docChgLst>
-    <pc:chgData name="Gerth Stølting Brodal" userId="04ef4784-6591-4f86-a140-f5c3b108582a" providerId="ADAL" clId="{2CF3E644-D673-41C4-B91E-2DD09D5FA5DD}"/>
+    <pc:chgData name="Gerth Stølting Brodal" userId="04ef4784-6591-4f86-a140-f5c3b108582a" providerId="ADAL" clId="{E3FB3D3F-03A2-4D0F-876D-930F74083705}"/>
     <pc:docChg chg="undo custSel modSld">
-      <pc:chgData name="Gerth Stølting Brodal" userId="04ef4784-6591-4f86-a140-f5c3b108582a" providerId="ADAL" clId="{2CF3E644-D673-41C4-B91E-2DD09D5FA5DD}" dt="2022-02-06T09:46:59.135" v="29" actId="1035"/>
+      <pc:chgData name="Gerth Stølting Brodal" userId="04ef4784-6591-4f86-a140-f5c3b108582a" providerId="ADAL" clId="{E3FB3D3F-03A2-4D0F-876D-930F74083705}" dt="2026-01-28T07:44:55.885" v="115" actId="113"/>
       <pc:docMkLst>
         <pc:docMk/>
       </pc:docMkLst>
-      <pc:sldChg chg="modSp mod">
-        <pc:chgData name="Gerth Stølting Brodal" userId="04ef4784-6591-4f86-a140-f5c3b108582a" providerId="ADAL" clId="{2CF3E644-D673-41C4-B91E-2DD09D5FA5DD}" dt="2022-01-29T16:19:31.947" v="7" actId="27636"/>
+      <pc:sldChg chg="modNotesTx">
+        <pc:chgData name="Gerth Stølting Brodal" userId="04ef4784-6591-4f86-a140-f5c3b108582a" providerId="ADAL" clId="{E3FB3D3F-03A2-4D0F-876D-930F74083705}" dt="2026-01-28T07:21:28.685" v="56" actId="20577"/>
         <pc:sldMkLst>
           <pc:docMk/>
-          <pc:sldMk cId="81647366" sldId="347"/>
+          <pc:sldMk cId="48303750" sldId="357"/>
         </pc:sldMkLst>
       </pc:sldChg>
-      <pc:sldChg chg="modSp mod">
-        <pc:chgData name="Gerth Stølting Brodal" userId="04ef4784-6591-4f86-a140-f5c3b108582a" providerId="ADAL" clId="{2CF3E644-D673-41C4-B91E-2DD09D5FA5DD}" dt="2022-02-06T09:46:59.135" v="29" actId="1035"/>
-        <pc:sldMkLst>
-          <pc:docMk/>
-          <pc:sldMk cId="1252763104" sldId="358"/>
-        </pc:sldMkLst>
-      </pc:sldChg>
-      <pc:sldChg chg="modSp modAnim">
-        <pc:chgData name="Gerth Stølting Brodal" userId="04ef4784-6591-4f86-a140-f5c3b108582a" providerId="ADAL" clId="{2CF3E644-D673-41C4-B91E-2DD09D5FA5DD}" dt="2022-01-29T16:19:58.858" v="27" actId="20577"/>
+      <pc:sldChg chg="modNotesTx">
+        <pc:chgData name="Gerth Stølting Brodal" userId="04ef4784-6591-4f86-a140-f5c3b108582a" providerId="ADAL" clId="{E3FB3D3F-03A2-4D0F-876D-930F74083705}" dt="2026-01-28T07:27:12.900" v="101" actId="6549"/>
         <pc:sldMkLst>
           <pc:docMk/>
           <pc:sldMk cId="247088337" sldId="361"/>
         </pc:sldMkLst>
       </pc:sldChg>
-    </pc:docChg>
-  </pc:docChgLst>
-  <pc:docChgLst>
-    <pc:chgData name="Gerth Stølting Brodal" userId="04ef4784-6591-4f86-a140-f5c3b108582a" providerId="ADAL" clId="{19B2619F-AF11-406A-8620-690814C4F2A4}"/>
-    <pc:docChg chg="undo redo custSel modSld">
-      <pc:chgData name="Gerth Stølting Brodal" userId="04ef4784-6591-4f86-a140-f5c3b108582a" providerId="ADAL" clId="{19B2619F-AF11-406A-8620-690814C4F2A4}" dt="2025-02-03T12:10:14.731" v="298" actId="1035"/>
-      <pc:docMkLst>
-        <pc:docMk/>
-      </pc:docMkLst>
-      <pc:sldChg chg="modSp mod">
-        <pc:chgData name="Gerth Stølting Brodal" userId="04ef4784-6591-4f86-a140-f5c3b108582a" providerId="ADAL" clId="{19B2619F-AF11-406A-8620-690814C4F2A4}" dt="2025-01-30T08:57:37.226" v="94" actId="20577"/>
-        <pc:sldMkLst>
-          <pc:docMk/>
-          <pc:sldMk cId="48303750" sldId="357"/>
-        </pc:sldMkLst>
-      </pc:sldChg>
-      <pc:sldChg chg="modSp mod">
-        <pc:chgData name="Gerth Stølting Brodal" userId="04ef4784-6591-4f86-a140-f5c3b108582a" providerId="ADAL" clId="{19B2619F-AF11-406A-8620-690814C4F2A4}" dt="2025-02-03T12:10:14.731" v="298" actId="1035"/>
-        <pc:sldMkLst>
-          <pc:docMk/>
-          <pc:sldMk cId="3240216432" sldId="390"/>
-        </pc:sldMkLst>
-      </pc:sldChg>
-    </pc:docChg>
-  </pc:docChgLst>
-  <pc:docChgLst>
-    <pc:chgData name="Gerth Stølting Brodal" userId="04ef4784-6591-4f86-a140-f5c3b108582a" providerId="ADAL" clId="{27124F44-A0F7-408A-AA2B-2C5136C1DC06}"/>
-    <pc:docChg chg="undo custSel modSld">
-      <pc:chgData name="Gerth Stølting Brodal" userId="04ef4784-6591-4f86-a140-f5c3b108582a" providerId="ADAL" clId="{27124F44-A0F7-408A-AA2B-2C5136C1DC06}" dt="2025-10-27T18:12:08.875" v="71" actId="962"/>
-      <pc:docMkLst>
-        <pc:docMk/>
-      </pc:docMkLst>
-      <pc:sldChg chg="modSp mod">
-        <pc:chgData name="Gerth Stølting Brodal" userId="04ef4784-6591-4f86-a140-f5c3b108582a" providerId="ADAL" clId="{27124F44-A0F7-408A-AA2B-2C5136C1DC06}" dt="2025-10-27T18:11:13.644" v="57" actId="962"/>
-        <pc:sldMkLst>
-          <pc:docMk/>
-          <pc:sldMk cId="1252763104" sldId="358"/>
-        </pc:sldMkLst>
-        <pc:spChg chg="mod">
-          <ac:chgData name="Gerth Stølting Brodal" userId="04ef4784-6591-4f86-a140-f5c3b108582a" providerId="ADAL" clId="{27124F44-A0F7-408A-AA2B-2C5136C1DC06}" dt="2025-10-27T18:11:13.644" v="57" actId="962"/>
-          <ac:spMkLst>
-            <pc:docMk/>
-            <pc:sldMk cId="1252763104" sldId="358"/>
-            <ac:spMk id="4" creationId="{00000000-0000-0000-0000-000000000000}"/>
-          </ac:spMkLst>
-        </pc:spChg>
-        <pc:spChg chg="mod">
-          <ac:chgData name="Gerth Stølting Brodal" userId="04ef4784-6591-4f86-a140-f5c3b108582a" providerId="ADAL" clId="{27124F44-A0F7-408A-AA2B-2C5136C1DC06}" dt="2025-10-27T18:10:42.397" v="23" actId="962"/>
-          <ac:spMkLst>
-            <pc:docMk/>
-            <pc:sldMk cId="1252763104" sldId="358"/>
-            <ac:spMk id="8" creationId="{00000000-0000-0000-0000-000000000000}"/>
-          </ac:spMkLst>
-        </pc:spChg>
-        <pc:graphicFrameChg chg="mod">
-          <ac:chgData name="Gerth Stølting Brodal" userId="04ef4784-6591-4f86-a140-f5c3b108582a" providerId="ADAL" clId="{27124F44-A0F7-408A-AA2B-2C5136C1DC06}" dt="2025-10-27T18:11:05.569" v="51" actId="962"/>
-          <ac:graphicFrameMkLst>
-            <pc:docMk/>
-            <pc:sldMk cId="1252763104" sldId="358"/>
-            <ac:graphicFrameMk id="10" creationId="{00000000-0000-0000-0000-000000000000}"/>
-          </ac:graphicFrameMkLst>
-        </pc:graphicFrameChg>
-        <pc:picChg chg="mod">
-          <ac:chgData name="Gerth Stølting Brodal" userId="04ef4784-6591-4f86-a140-f5c3b108582a" providerId="ADAL" clId="{27124F44-A0F7-408A-AA2B-2C5136C1DC06}" dt="2025-10-27T18:11:09.952" v="55" actId="962"/>
-          <ac:picMkLst>
-            <pc:docMk/>
-            <pc:sldMk cId="1252763104" sldId="358"/>
-            <ac:picMk id="9" creationId="{00000000-0000-0000-0000-000000000000}"/>
-          </ac:picMkLst>
-        </pc:picChg>
-      </pc:sldChg>
-      <pc:sldChg chg="modSp mod">
-        <pc:chgData name="Gerth Stølting Brodal" userId="04ef4784-6591-4f86-a140-f5c3b108582a" providerId="ADAL" clId="{27124F44-A0F7-408A-AA2B-2C5136C1DC06}" dt="2025-10-27T18:11:33.021" v="59" actId="962"/>
-        <pc:sldMkLst>
-          <pc:docMk/>
-          <pc:sldMk cId="1651364254" sldId="364"/>
-        </pc:sldMkLst>
-        <pc:spChg chg="mod">
-          <ac:chgData name="Gerth Stølting Brodal" userId="04ef4784-6591-4f86-a140-f5c3b108582a" providerId="ADAL" clId="{27124F44-A0F7-408A-AA2B-2C5136C1DC06}" dt="2025-10-27T18:11:33.021" v="59" actId="962"/>
-          <ac:spMkLst>
-            <pc:docMk/>
-            <pc:sldMk cId="1651364254" sldId="364"/>
-            <ac:spMk id="4" creationId="{00000000-0000-0000-0000-000000000000}"/>
-          </ac:spMkLst>
-        </pc:spChg>
-      </pc:sldChg>
-      <pc:sldChg chg="modSp mod">
-        <pc:chgData name="Gerth Stølting Brodal" userId="04ef4784-6591-4f86-a140-f5c3b108582a" providerId="ADAL" clId="{27124F44-A0F7-408A-AA2B-2C5136C1DC06}" dt="2025-10-27T18:11:51.980" v="67" actId="962"/>
-        <pc:sldMkLst>
-          <pc:docMk/>
-          <pc:sldMk cId="3279644778" sldId="366"/>
-        </pc:sldMkLst>
-        <pc:spChg chg="mod">
-          <ac:chgData name="Gerth Stølting Brodal" userId="04ef4784-6591-4f86-a140-f5c3b108582a" providerId="ADAL" clId="{27124F44-A0F7-408A-AA2B-2C5136C1DC06}" dt="2025-10-27T18:11:43.176" v="61" actId="962"/>
-          <ac:spMkLst>
-            <pc:docMk/>
-            <pc:sldMk cId="3279644778" sldId="366"/>
-            <ac:spMk id="4" creationId="{00000000-0000-0000-0000-000000000000}"/>
-          </ac:spMkLst>
-        </pc:spChg>
-        <pc:spChg chg="mod">
-          <ac:chgData name="Gerth Stølting Brodal" userId="04ef4784-6591-4f86-a140-f5c3b108582a" providerId="ADAL" clId="{27124F44-A0F7-408A-AA2B-2C5136C1DC06}" dt="2025-10-27T18:11:51.980" v="67" actId="962"/>
-          <ac:spMkLst>
-            <pc:docMk/>
-            <pc:sldMk cId="3279644778" sldId="366"/>
-            <ac:spMk id="7" creationId="{00000000-0000-0000-0000-000000000000}"/>
-          </ac:spMkLst>
-        </pc:spChg>
-        <pc:graphicFrameChg chg="mod">
-          <ac:chgData name="Gerth Stølting Brodal" userId="04ef4784-6591-4f86-a140-f5c3b108582a" providerId="ADAL" clId="{27124F44-A0F7-408A-AA2B-2C5136C1DC06}" dt="2025-10-27T18:11:49.335" v="65" actId="962"/>
-          <ac:graphicFrameMkLst>
-            <pc:docMk/>
-            <pc:sldMk cId="3279644778" sldId="366"/>
-            <ac:graphicFrameMk id="5" creationId="{00000000-0000-0000-0000-000000000000}"/>
-          </ac:graphicFrameMkLst>
-        </pc:graphicFrameChg>
-        <pc:picChg chg="mod">
-          <ac:chgData name="Gerth Stølting Brodal" userId="04ef4784-6591-4f86-a140-f5c3b108582a" providerId="ADAL" clId="{27124F44-A0F7-408A-AA2B-2C5136C1DC06}" dt="2025-10-27T18:11:46.224" v="63" actId="962"/>
-          <ac:picMkLst>
-            <pc:docMk/>
-            <pc:sldMk cId="3279644778" sldId="366"/>
-            <ac:picMk id="6" creationId="{00000000-0000-0000-0000-000000000000}"/>
-          </ac:picMkLst>
-        </pc:picChg>
-      </pc:sldChg>
-      <pc:sldChg chg="modSp mod">
-        <pc:chgData name="Gerth Stølting Brodal" userId="04ef4784-6591-4f86-a140-f5c3b108582a" providerId="ADAL" clId="{27124F44-A0F7-408A-AA2B-2C5136C1DC06}" dt="2025-10-27T18:12:00.161" v="69" actId="962"/>
-        <pc:sldMkLst>
-          <pc:docMk/>
-          <pc:sldMk cId="2955211567" sldId="369"/>
-        </pc:sldMkLst>
-        <pc:spChg chg="mod">
-          <ac:chgData name="Gerth Stølting Brodal" userId="04ef4784-6591-4f86-a140-f5c3b108582a" providerId="ADAL" clId="{27124F44-A0F7-408A-AA2B-2C5136C1DC06}" dt="2025-10-27T18:12:00.161" v="69" actId="962"/>
-          <ac:spMkLst>
-            <pc:docMk/>
-            <pc:sldMk cId="2955211567" sldId="369"/>
-            <ac:spMk id="4" creationId="{00000000-0000-0000-0000-000000000000}"/>
-          </ac:spMkLst>
-        </pc:spChg>
-      </pc:sldChg>
-      <pc:sldChg chg="modSp mod">
-        <pc:chgData name="Gerth Stølting Brodal" userId="04ef4784-6591-4f86-a140-f5c3b108582a" providerId="ADAL" clId="{27124F44-A0F7-408A-AA2B-2C5136C1DC06}" dt="2025-10-27T18:12:08.875" v="71" actId="962"/>
-        <pc:sldMkLst>
-          <pc:docMk/>
-          <pc:sldMk cId="4156421730" sldId="387"/>
-        </pc:sldMkLst>
-        <pc:spChg chg="mod">
-          <ac:chgData name="Gerth Stølting Brodal" userId="04ef4784-6591-4f86-a140-f5c3b108582a" providerId="ADAL" clId="{27124F44-A0F7-408A-AA2B-2C5136C1DC06}" dt="2025-10-27T18:12:08.875" v="71" actId="962"/>
-          <ac:spMkLst>
-            <pc:docMk/>
-            <pc:sldMk cId="4156421730" sldId="387"/>
-            <ac:spMk id="5" creationId="{00000000-0000-0000-0000-000000000000}"/>
-          </ac:spMkLst>
-        </pc:spChg>
-      </pc:sldChg>
-    </pc:docChg>
-  </pc:docChgLst>
-  <pc:docChgLst>
-    <pc:chgData name="Gerth Stølting Brodal" userId="04ef4784-6591-4f86-a140-f5c3b108582a" providerId="ADAL" clId="{32101DF0-6FF6-4597-A180-68523FCC3A71}"/>
-    <pc:docChg chg="undo redo custSel addSld delSld modSld">
-      <pc:chgData name="Gerth Stølting Brodal" userId="04ef4784-6591-4f86-a140-f5c3b108582a" providerId="ADAL" clId="{32101DF0-6FF6-4597-A180-68523FCC3A71}" dt="2024-02-12T06:59:00.840" v="932" actId="1038"/>
-      <pc:docMkLst>
-        <pc:docMk/>
-      </pc:docMkLst>
-      <pc:sldChg chg="modSp">
-        <pc:chgData name="Gerth Stølting Brodal" userId="04ef4784-6591-4f86-a140-f5c3b108582a" providerId="ADAL" clId="{32101DF0-6FF6-4597-A180-68523FCC3A71}" dt="2024-01-30T12:09:10.468" v="473" actId="2711"/>
-        <pc:sldMkLst>
-          <pc:docMk/>
-          <pc:sldMk cId="764548202" sldId="260"/>
-        </pc:sldMkLst>
-      </pc:sldChg>
-      <pc:sldChg chg="modSp mod">
-        <pc:chgData name="Gerth Stølting Brodal" userId="04ef4784-6591-4f86-a140-f5c3b108582a" providerId="ADAL" clId="{32101DF0-6FF6-4597-A180-68523FCC3A71}" dt="2024-01-30T11:21:18.032" v="103" actId="20577"/>
-        <pc:sldMkLst>
-          <pc:docMk/>
-          <pc:sldMk cId="2622067556" sldId="289"/>
-        </pc:sldMkLst>
-      </pc:sldChg>
-      <pc:sldChg chg="addSp modSp mod modNotesTx">
-        <pc:chgData name="Gerth Stølting Brodal" userId="04ef4784-6591-4f86-a140-f5c3b108582a" providerId="ADAL" clId="{32101DF0-6FF6-4597-A180-68523FCC3A71}" dt="2024-01-30T11:43:33.271" v="471" actId="20577"/>
-        <pc:sldMkLst>
-          <pc:docMk/>
-          <pc:sldMk cId="81647366" sldId="347"/>
-        </pc:sldMkLst>
-      </pc:sldChg>
-      <pc:sldChg chg="addSp delSp modSp mod">
-        <pc:chgData name="Gerth Stølting Brodal" userId="04ef4784-6591-4f86-a140-f5c3b108582a" providerId="ADAL" clId="{32101DF0-6FF6-4597-A180-68523FCC3A71}" dt="2024-02-12T06:59:00.840" v="932" actId="1038"/>
-        <pc:sldMkLst>
-          <pc:docMk/>
-          <pc:sldMk cId="3514810135" sldId="348"/>
-        </pc:sldMkLst>
-      </pc:sldChg>
-      <pc:sldChg chg="modSp mod">
-        <pc:chgData name="Gerth Stølting Brodal" userId="04ef4784-6591-4f86-a140-f5c3b108582a" providerId="ADAL" clId="{32101DF0-6FF6-4597-A180-68523FCC3A71}" dt="2024-02-05T07:22:49.893" v="614" actId="20577"/>
-        <pc:sldMkLst>
-          <pc:docMk/>
-          <pc:sldMk cId="2228799271" sldId="349"/>
-        </pc:sldMkLst>
-      </pc:sldChg>
       <pc:sldChg chg="modNotesTx">
-        <pc:chgData name="Gerth Stølting Brodal" userId="04ef4784-6591-4f86-a140-f5c3b108582a" providerId="ADAL" clId="{32101DF0-6FF6-4597-A180-68523FCC3A71}" dt="2024-02-05T07:27:43.505" v="786" actId="20577"/>
-        <pc:sldMkLst>
-          <pc:docMk/>
-          <pc:sldMk cId="1231819641" sldId="360"/>
-        </pc:sldMkLst>
-      </pc:sldChg>
-      <pc:sldChg chg="modSp mod modNotesTx">
-        <pc:chgData name="Gerth Stølting Brodal" userId="04ef4784-6591-4f86-a140-f5c3b108582a" providerId="ADAL" clId="{32101DF0-6FF6-4597-A180-68523FCC3A71}" dt="2024-02-05T07:30:58.038" v="789" actId="1076"/>
-        <pc:sldMkLst>
-          <pc:docMk/>
-          <pc:sldMk cId="937047488" sldId="373"/>
-        </pc:sldMkLst>
-      </pc:sldChg>
-      <pc:sldChg chg="modSp mod">
-        <pc:chgData name="Gerth Stølting Brodal" userId="04ef4784-6591-4f86-a140-f5c3b108582a" providerId="ADAL" clId="{32101DF0-6FF6-4597-A180-68523FCC3A71}" dt="2024-01-30T12:04:09.394" v="472" actId="20577"/>
+        <pc:chgData name="Gerth Stølting Brodal" userId="04ef4784-6591-4f86-a140-f5c3b108582a" providerId="ADAL" clId="{E3FB3D3F-03A2-4D0F-876D-930F74083705}" dt="2026-01-28T07:44:55.885" v="115" actId="113"/>
         <pc:sldMkLst>
           <pc:docMk/>
           <pc:sldMk cId="1315690994" sldId="389"/>
-        </pc:sldMkLst>
-      </pc:sldChg>
-      <pc:sldChg chg="new del">
-        <pc:chgData name="Gerth Stølting Brodal" userId="04ef4784-6591-4f86-a140-f5c3b108582a" providerId="ADAL" clId="{32101DF0-6FF6-4597-A180-68523FCC3A71}" dt="2024-01-30T11:30:43.692" v="142" actId="680"/>
-        <pc:sldMkLst>
-          <pc:docMk/>
-          <pc:sldMk cId="180077174" sldId="392"/>
-        </pc:sldMkLst>
-      </pc:sldChg>
-    </pc:docChg>
-  </pc:docChgLst>
-  <pc:docChgLst>
-    <pc:chgData name="Gerth Stølting Brodal" userId="04ef4784-6591-4f86-a140-f5c3b108582a" providerId="ADAL" clId="{4A80E814-F313-4486-8FBC-BCA831690269}"/>
-    <pc:docChg chg="modSld">
-      <pc:chgData name="Gerth Stølting Brodal" userId="04ef4784-6591-4f86-a140-f5c3b108582a" providerId="ADAL" clId="{4A80E814-F313-4486-8FBC-BCA831690269}" dt="2023-01-26T18:14:18.365" v="197" actId="20577"/>
-      <pc:docMkLst>
-        <pc:docMk/>
-      </pc:docMkLst>
-      <pc:sldChg chg="modNotesTx">
-        <pc:chgData name="Gerth Stølting Brodal" userId="04ef4784-6591-4f86-a140-f5c3b108582a" providerId="ADAL" clId="{4A80E814-F313-4486-8FBC-BCA831690269}" dt="2023-01-26T18:14:18.365" v="197" actId="20577"/>
-        <pc:sldMkLst>
-          <pc:docMk/>
-          <pc:sldMk cId="48303750" sldId="357"/>
         </pc:sldMkLst>
       </pc:sldChg>
     </pc:docChg>
@@ -495,7 +260,7 @@
           <a:p>
             <a:fld id="{FB1A172F-81D4-4DC4-9113-1DBD56EC3646}" type="datetimeFigureOut">
               <a:rPr lang="en-US" smtClean="0"/>
-              <a:t>10/27/2025</a:t>
+              <a:t>1/28/2026</a:t>
             </a:fld>
             <a:endParaRPr lang="en-US"/>
           </a:p>
@@ -1288,6 +1053,40 @@
           <a:bodyPr/>
           <a:lstStyle/>
           <a:p>
+            <a:pPr marL="0" marR="0" lvl="0" indent="0" algn="l" defTabSz="914400" rtl="0" eaLnBrk="1" fontAlgn="auto" latinLnBrk="0" hangingPunct="1">
+              <a:lnSpc>
+                <a:spcPct val="100000"/>
+              </a:lnSpc>
+              <a:spcBef>
+                <a:spcPts val="0"/>
+              </a:spcBef>
+              <a:spcAft>
+                <a:spcPts val="0"/>
+              </a:spcAft>
+              <a:buClrTx/>
+              <a:buSzTx/>
+              <a:buFontTx/>
+              <a:buNone/>
+              <a:tabLst/>
+              <a:defRPr/>
+            </a:pPr>
+            <a:r>
+              <a:rPr lang="en-US" dirty="0"/>
+              <a:t>PEP8: “</a:t>
+            </a:r>
+            <a:r>
+              <a:rPr lang="en-US" b="1" dirty="0"/>
+              <a:t>Limit all lines to a maximum of 79 characters.</a:t>
+            </a:r>
+            <a:r>
+              <a:rPr lang="en-US" dirty="0"/>
+              <a:t>”</a:t>
+            </a:r>
+          </a:p>
+          <a:p>
+            <a:endParaRPr lang="en-US" dirty="0"/>
+          </a:p>
+          <a:p>
             <a:r>
               <a:rPr lang="en-US" dirty="0"/>
               <a:t>the</a:t>
@@ -2274,13 +2073,30 @@
             </a:r>
             <a:r>
               <a:rPr lang="en-US" dirty="0"/>
-              <a:t>(0) allows an arbitrary number of digits to </a:t>
-            </a:r>
-            <a:r>
-              <a:rPr lang="en-US"/>
-              <a:t>be printed</a:t>
-            </a:r>
-            <a:endParaRPr lang="en-US" dirty="0"/>
+              <a:t>(0) allows an arbitrary number of digits to be printed</a:t>
+            </a:r>
+          </a:p>
+          <a:p>
+            <a:r>
+              <a:rPr lang="en-US" dirty="0"/>
+              <a:t>--7 is </a:t>
+            </a:r>
+            <a:r>
+              <a:rPr lang="en-US" dirty="0" err="1"/>
+              <a:t>is</a:t>
+            </a:r>
+            <a:r>
+              <a:rPr lang="en-US" dirty="0"/>
+              <a:t> </a:t>
+            </a:r>
+            <a:r>
+              <a:rPr lang="en-US" dirty="0" err="1"/>
+              <a:t>infact</a:t>
+            </a:r>
+            <a:r>
+              <a:rPr lang="en-US" dirty="0"/>
+              <a:t> -7 negated, i.e., (-7).__neg__()</a:t>
+            </a:r>
           </a:p>
         </p:txBody>
       </p:sp>
@@ -2812,7 +2628,7 @@
           <a:p>
             <a:fld id="{0560A9CD-0304-4E0B-9E82-E7E0115DE05B}" type="datetimeFigureOut">
               <a:rPr lang="en-US" smtClean="0"/>
-              <a:t>10/27/2025</a:t>
+              <a:t>1/28/2026</a:t>
             </a:fld>
             <a:endParaRPr lang="en-US"/>
           </a:p>
@@ -2980,7 +2796,7 @@
           <a:p>
             <a:fld id="{0560A9CD-0304-4E0B-9E82-E7E0115DE05B}" type="datetimeFigureOut">
               <a:rPr lang="en-US" smtClean="0"/>
-              <a:t>10/27/2025</a:t>
+              <a:t>1/28/2026</a:t>
             </a:fld>
             <a:endParaRPr lang="en-US"/>
           </a:p>
@@ -3158,7 +2974,7 @@
           <a:p>
             <a:fld id="{0560A9CD-0304-4E0B-9E82-E7E0115DE05B}" type="datetimeFigureOut">
               <a:rPr lang="en-US" smtClean="0"/>
-              <a:t>10/27/2025</a:t>
+              <a:t>1/28/2026</a:t>
             </a:fld>
             <a:endParaRPr lang="en-US"/>
           </a:p>
@@ -3335,7 +3151,7 @@
           <a:p>
             <a:fld id="{0560A9CD-0304-4E0B-9E82-E7E0115DE05B}" type="datetimeFigureOut">
               <a:rPr lang="en-US" smtClean="0"/>
-              <a:t>10/27/2025</a:t>
+              <a:t>1/28/2026</a:t>
             </a:fld>
             <a:endParaRPr lang="en-US"/>
           </a:p>
@@ -3580,7 +3396,7 @@
           <a:p>
             <a:fld id="{0560A9CD-0304-4E0B-9E82-E7E0115DE05B}" type="datetimeFigureOut">
               <a:rPr lang="en-US" smtClean="0"/>
-              <a:t>10/27/2025</a:t>
+              <a:t>1/28/2026</a:t>
             </a:fld>
             <a:endParaRPr lang="en-US"/>
           </a:p>
@@ -3809,7 +3625,7 @@
           <a:p>
             <a:fld id="{0560A9CD-0304-4E0B-9E82-E7E0115DE05B}" type="datetimeFigureOut">
               <a:rPr lang="en-US" smtClean="0"/>
-              <a:t>10/27/2025</a:t>
+              <a:t>1/28/2026</a:t>
             </a:fld>
             <a:endParaRPr lang="en-US"/>
           </a:p>
@@ -4173,7 +3989,7 @@
           <a:p>
             <a:fld id="{0560A9CD-0304-4E0B-9E82-E7E0115DE05B}" type="datetimeFigureOut">
               <a:rPr lang="en-US" smtClean="0"/>
-              <a:t>10/27/2025</a:t>
+              <a:t>1/28/2026</a:t>
             </a:fld>
             <a:endParaRPr lang="en-US"/>
           </a:p>
@@ -4290,7 +4106,7 @@
           <a:p>
             <a:fld id="{0560A9CD-0304-4E0B-9E82-E7E0115DE05B}" type="datetimeFigureOut">
               <a:rPr lang="en-US" smtClean="0"/>
-              <a:t>10/27/2025</a:t>
+              <a:t>1/28/2026</a:t>
             </a:fld>
             <a:endParaRPr lang="en-US"/>
           </a:p>
@@ -4385,7 +4201,7 @@
           <a:p>
             <a:fld id="{0560A9CD-0304-4E0B-9E82-E7E0115DE05B}" type="datetimeFigureOut">
               <a:rPr lang="en-US" smtClean="0"/>
-              <a:t>10/27/2025</a:t>
+              <a:t>1/28/2026</a:t>
             </a:fld>
             <a:endParaRPr lang="en-US"/>
           </a:p>
@@ -4660,7 +4476,7 @@
           <a:p>
             <a:fld id="{0560A9CD-0304-4E0B-9E82-E7E0115DE05B}" type="datetimeFigureOut">
               <a:rPr lang="en-US" smtClean="0"/>
-              <a:t>10/27/2025</a:t>
+              <a:t>1/28/2026</a:t>
             </a:fld>
             <a:endParaRPr lang="en-US"/>
           </a:p>
@@ -4912,7 +4728,7 @@
           <a:p>
             <a:fld id="{0560A9CD-0304-4E0B-9E82-E7E0115DE05B}" type="datetimeFigureOut">
               <a:rPr lang="en-US" smtClean="0"/>
-              <a:t>10/27/2025</a:t>
+              <a:t>1/28/2026</a:t>
             </a:fld>
             <a:endParaRPr lang="en-US"/>
           </a:p>
@@ -5123,7 +4939,7 @@
           <a:p>
             <a:fld id="{0560A9CD-0304-4E0B-9E82-E7E0115DE05B}" type="datetimeFigureOut">
               <a:rPr lang="en-US" smtClean="0"/>
-              <a:t>10/27/2025</a:t>
+              <a:t>1/28/2026</a:t>
             </a:fld>
             <a:endParaRPr lang="en-US"/>
           </a:p>

--- a/ipsa/slides/basics.pptx
+++ b/ipsa/slides/basics.pptx
@@ -148,16 +148,24 @@
   <pc:docChgLst>
     <pc:chgData name="Gerth Stølting Brodal" userId="04ef4784-6591-4f86-a140-f5c3b108582a" providerId="ADAL" clId="{E3FB3D3F-03A2-4D0F-876D-930F74083705}"/>
     <pc:docChg chg="undo custSel modSld">
-      <pc:chgData name="Gerth Stølting Brodal" userId="04ef4784-6591-4f86-a140-f5c3b108582a" providerId="ADAL" clId="{E3FB3D3F-03A2-4D0F-876D-930F74083705}" dt="2026-01-28T07:44:55.885" v="115" actId="113"/>
+      <pc:chgData name="Gerth Stølting Brodal" userId="04ef4784-6591-4f86-a140-f5c3b108582a" providerId="ADAL" clId="{E3FB3D3F-03A2-4D0F-876D-930F74083705}" dt="2026-02-01T20:50:38.909" v="116" actId="20577"/>
       <pc:docMkLst>
         <pc:docMk/>
       </pc:docMkLst>
-      <pc:sldChg chg="modNotesTx">
-        <pc:chgData name="Gerth Stølting Brodal" userId="04ef4784-6591-4f86-a140-f5c3b108582a" providerId="ADAL" clId="{E3FB3D3F-03A2-4D0F-876D-930F74083705}" dt="2026-01-28T07:21:28.685" v="56" actId="20577"/>
+      <pc:sldChg chg="modSp mod modNotesTx">
+        <pc:chgData name="Gerth Stølting Brodal" userId="04ef4784-6591-4f86-a140-f5c3b108582a" providerId="ADAL" clId="{E3FB3D3F-03A2-4D0F-876D-930F74083705}" dt="2026-02-01T20:50:38.909" v="116" actId="20577"/>
         <pc:sldMkLst>
           <pc:docMk/>
           <pc:sldMk cId="48303750" sldId="357"/>
         </pc:sldMkLst>
+        <pc:spChg chg="mod">
+          <ac:chgData name="Gerth Stølting Brodal" userId="04ef4784-6591-4f86-a140-f5c3b108582a" providerId="ADAL" clId="{E3FB3D3F-03A2-4D0F-876D-930F74083705}" dt="2026-02-01T20:50:38.909" v="116" actId="20577"/>
+          <ac:spMkLst>
+            <pc:docMk/>
+            <pc:sldMk cId="48303750" sldId="357"/>
+            <ac:spMk id="3" creationId="{00000000-0000-0000-0000-000000000000}"/>
+          </ac:spMkLst>
+        </pc:spChg>
       </pc:sldChg>
       <pc:sldChg chg="modNotesTx">
         <pc:chgData name="Gerth Stølting Brodal" userId="04ef4784-6591-4f86-a140-f5c3b108582a" providerId="ADAL" clId="{E3FB3D3F-03A2-4D0F-876D-930F74083705}" dt="2026-01-28T07:27:12.900" v="101" actId="6549"/>
@@ -260,7 +268,7 @@
           <a:p>
             <a:fld id="{FB1A172F-81D4-4DC4-9113-1DBD56EC3646}" type="datetimeFigureOut">
               <a:rPr lang="en-US" smtClean="0"/>
-              <a:t>1/28/2026</a:t>
+              <a:t>2/1/2026</a:t>
             </a:fld>
             <a:endParaRPr lang="en-US"/>
           </a:p>
@@ -2628,7 +2636,7 @@
           <a:p>
             <a:fld id="{0560A9CD-0304-4E0B-9E82-E7E0115DE05B}" type="datetimeFigureOut">
               <a:rPr lang="en-US" smtClean="0"/>
-              <a:t>1/28/2026</a:t>
+              <a:t>2/1/2026</a:t>
             </a:fld>
             <a:endParaRPr lang="en-US"/>
           </a:p>
@@ -2796,7 +2804,7 @@
           <a:p>
             <a:fld id="{0560A9CD-0304-4E0B-9E82-E7E0115DE05B}" type="datetimeFigureOut">
               <a:rPr lang="en-US" smtClean="0"/>
-              <a:t>1/28/2026</a:t>
+              <a:t>2/1/2026</a:t>
             </a:fld>
             <a:endParaRPr lang="en-US"/>
           </a:p>
@@ -2974,7 +2982,7 @@
           <a:p>
             <a:fld id="{0560A9CD-0304-4E0B-9E82-E7E0115DE05B}" type="datetimeFigureOut">
               <a:rPr lang="en-US" smtClean="0"/>
-              <a:t>1/28/2026</a:t>
+              <a:t>2/1/2026</a:t>
             </a:fld>
             <a:endParaRPr lang="en-US"/>
           </a:p>
@@ -3151,7 +3159,7 @@
           <a:p>
             <a:fld id="{0560A9CD-0304-4E0B-9E82-E7E0115DE05B}" type="datetimeFigureOut">
               <a:rPr lang="en-US" smtClean="0"/>
-              <a:t>1/28/2026</a:t>
+              <a:t>2/1/2026</a:t>
             </a:fld>
             <a:endParaRPr lang="en-US"/>
           </a:p>
@@ -3396,7 +3404,7 @@
           <a:p>
             <a:fld id="{0560A9CD-0304-4E0B-9E82-E7E0115DE05B}" type="datetimeFigureOut">
               <a:rPr lang="en-US" smtClean="0"/>
-              <a:t>1/28/2026</a:t>
+              <a:t>2/1/2026</a:t>
             </a:fld>
             <a:endParaRPr lang="en-US"/>
           </a:p>
@@ -3625,7 +3633,7 @@
           <a:p>
             <a:fld id="{0560A9CD-0304-4E0B-9E82-E7E0115DE05B}" type="datetimeFigureOut">
               <a:rPr lang="en-US" smtClean="0"/>
-              <a:t>1/28/2026</a:t>
+              <a:t>2/1/2026</a:t>
             </a:fld>
             <a:endParaRPr lang="en-US"/>
           </a:p>
@@ -3989,7 +3997,7 @@
           <a:p>
             <a:fld id="{0560A9CD-0304-4E0B-9E82-E7E0115DE05B}" type="datetimeFigureOut">
               <a:rPr lang="en-US" smtClean="0"/>
-              <a:t>1/28/2026</a:t>
+              <a:t>2/1/2026</a:t>
             </a:fld>
             <a:endParaRPr lang="en-US"/>
           </a:p>
@@ -4106,7 +4114,7 @@
           <a:p>
             <a:fld id="{0560A9CD-0304-4E0B-9E82-E7E0115DE05B}" type="datetimeFigureOut">
               <a:rPr lang="en-US" smtClean="0"/>
-              <a:t>1/28/2026</a:t>
+              <a:t>2/1/2026</a:t>
             </a:fld>
             <a:endParaRPr lang="en-US"/>
           </a:p>
@@ -4201,7 +4209,7 @@
           <a:p>
             <a:fld id="{0560A9CD-0304-4E0B-9E82-E7E0115DE05B}" type="datetimeFigureOut">
               <a:rPr lang="en-US" smtClean="0"/>
-              <a:t>1/28/2026</a:t>
+              <a:t>2/1/2026</a:t>
             </a:fld>
             <a:endParaRPr lang="en-US"/>
           </a:p>
@@ -4476,7 +4484,7 @@
           <a:p>
             <a:fld id="{0560A9CD-0304-4E0B-9E82-E7E0115DE05B}" type="datetimeFigureOut">
               <a:rPr lang="en-US" smtClean="0"/>
-              <a:t>1/28/2026</a:t>
+              <a:t>2/1/2026</a:t>
             </a:fld>
             <a:endParaRPr lang="en-US"/>
           </a:p>
@@ -4728,7 +4736,7 @@
           <a:p>
             <a:fld id="{0560A9CD-0304-4E0B-9E82-E7E0115DE05B}" type="datetimeFigureOut">
               <a:rPr lang="en-US" smtClean="0"/>
-              <a:t>1/28/2026</a:t>
+              <a:t>2/1/2026</a:t>
             </a:fld>
             <a:endParaRPr lang="en-US"/>
           </a:p>
@@ -4939,7 +4947,7 @@
           <a:p>
             <a:fld id="{0560A9CD-0304-4E0B-9E82-E7E0115DE05B}" type="datetimeFigureOut">
               <a:rPr lang="en-US" smtClean="0"/>
-              <a:t>1/28/2026</a:t>
+              <a:t>2/1/2026</a:t>
             </a:fld>
             <a:endParaRPr lang="en-US"/>
           </a:p>
@@ -19590,23 +19598,7 @@
             </a:pPr>
             <a:r>
               <a:rPr lang="en-US" dirty="0"/>
-              <a:t>Leading zeros </a:t>
-            </a:r>
-            <a:r>
-              <a:rPr lang="en-US"/>
-              <a:t>are not </a:t>
-            </a:r>
-            <a:r>
-              <a:rPr lang="en-US" dirty="0"/>
-              <a:t>allowed (e.g., 7 </a:t>
-            </a:r>
-            <a:r>
-              <a:rPr lang="en-US"/>
-              <a:t>cannot be written </a:t>
-            </a:r>
-            <a:r>
-              <a:rPr lang="en-US" dirty="0"/>
-              <a:t>as 007)</a:t>
+              <a:t>Leading zeros are not allowed (e.g. 7 cannot be written as 007)</a:t>
             </a:r>
           </a:p>
           <a:p>
@@ -20233,10 +20225,13 @@
               <a:t>Extreme values (</a:t>
             </a:r>
             <a:r>
-              <a:rPr lang="en-US"/>
-              <a:t>CPython)</a:t>
-            </a:r>
-            <a:endParaRPr lang="en-US" dirty="0"/>
+              <a:rPr lang="en-US" dirty="0" err="1"/>
+              <a:t>CPython</a:t>
+            </a:r>
+            <a:r>
+              <a:rPr lang="en-US" dirty="0"/>
+              <a:t>)</a:t>
+            </a:r>
           </a:p>
           <a:p>
             <a:pPr lvl="1"/>
